--- a/ICMAC TexGen workshop 2018.pptx
+++ b/ICMAC TexGen workshop 2018.pptx
@@ -5,24 +5,30 @@
     <p:sldMasterId id="2147483648" r:id="rId1"/>
   </p:sldMasterIdLst>
   <p:notesMasterIdLst>
-    <p:notesMasterId r:id="rId14"/>
+    <p:notesMasterId r:id="rId20"/>
   </p:notesMasterIdLst>
   <p:handoutMasterIdLst>
-    <p:handoutMasterId r:id="rId15"/>
+    <p:handoutMasterId r:id="rId21"/>
   </p:handoutMasterIdLst>
   <p:sldIdLst>
     <p:sldId id="289" r:id="rId2"/>
     <p:sldId id="301" r:id="rId3"/>
-    <p:sldId id="306" r:id="rId4"/>
-    <p:sldId id="303" r:id="rId5"/>
-    <p:sldId id="305" r:id="rId6"/>
-    <p:sldId id="304" r:id="rId7"/>
-    <p:sldId id="307" r:id="rId8"/>
-    <p:sldId id="308" r:id="rId9"/>
-    <p:sldId id="309" r:id="rId10"/>
-    <p:sldId id="310" r:id="rId11"/>
-    <p:sldId id="311" r:id="rId12"/>
-    <p:sldId id="312" r:id="rId13"/>
+    <p:sldId id="313" r:id="rId4"/>
+    <p:sldId id="306" r:id="rId5"/>
+    <p:sldId id="303" r:id="rId6"/>
+    <p:sldId id="305" r:id="rId7"/>
+    <p:sldId id="304" r:id="rId8"/>
+    <p:sldId id="307" r:id="rId9"/>
+    <p:sldId id="308" r:id="rId10"/>
+    <p:sldId id="309" r:id="rId11"/>
+    <p:sldId id="310" r:id="rId12"/>
+    <p:sldId id="311" r:id="rId13"/>
+    <p:sldId id="312" r:id="rId14"/>
+    <p:sldId id="314" r:id="rId15"/>
+    <p:sldId id="315" r:id="rId16"/>
+    <p:sldId id="316" r:id="rId17"/>
+    <p:sldId id="317" r:id="rId18"/>
+    <p:sldId id="318" r:id="rId19"/>
   </p:sldIdLst>
   <p:sldSz cx="9144000" cy="6858000" type="screen4x3"/>
   <p:notesSz cx="6858000" cy="9144000"/>
@@ -128,6 +134,7 @@
           <p14:sldIdLst>
             <p14:sldId id="289"/>
             <p14:sldId id="301"/>
+            <p14:sldId id="313"/>
             <p14:sldId id="306"/>
             <p14:sldId id="303"/>
             <p14:sldId id="305"/>
@@ -138,6 +145,11 @@
             <p14:sldId id="310"/>
             <p14:sldId id="311"/>
             <p14:sldId id="312"/>
+            <p14:sldId id="314"/>
+            <p14:sldId id="315"/>
+            <p14:sldId id="316"/>
+            <p14:sldId id="317"/>
+            <p14:sldId id="318"/>
           </p14:sldIdLst>
         </p14:section>
       </p14:sectionLst>
@@ -3442,6 +3454,407 @@
           <a:p>
             <a:r>
               <a:rPr lang="en-GB" dirty="0" smtClean="0"/>
+              <a:t>Yarn Cross-Sections – Section Specification</a:t>
+            </a:r>
+            <a:endParaRPr lang="en-GB" dirty="0"/>
+          </a:p>
+        </p:txBody>
+      </p:sp>
+      <p:sp>
+        <p:nvSpPr>
+          <p:cNvPr id="4" name="TextBox 3"/>
+          <p:cNvSpPr txBox="1"/>
+          <p:nvPr/>
+        </p:nvSpPr>
+        <p:spPr>
+          <a:xfrm>
+            <a:off x="533400" y="923925"/>
+            <a:ext cx="7543800" cy="830997"/>
+          </a:xfrm>
+          <a:prstGeom prst="rect">
+            <a:avLst/>
+          </a:prstGeom>
+          <a:noFill/>
+        </p:spPr>
+        <p:txBody>
+          <a:bodyPr wrap="square" rtlCol="0">
+            <a:spAutoFit/>
+          </a:bodyPr>
+          <a:lstStyle/>
+          <a:p>
+            <a:r>
+              <a:rPr lang="en-GB" sz="2400" dirty="0" smtClean="0">
+                <a:latin typeface="Calibri" panose="020F0502020204030204" pitchFamily="34" charset="0"/>
+              </a:rPr>
+              <a:t>Cross-sections are specified at the locations given by the section interpolation </a:t>
+            </a:r>
+          </a:p>
+        </p:txBody>
+      </p:sp>
+      <p:pic>
+        <p:nvPicPr>
+          <p:cNvPr id="5" name="Picture 4"/>
+          <p:cNvPicPr>
+            <a:picLocks noChangeAspect="1"/>
+          </p:cNvPicPr>
+          <p:nvPr/>
+        </p:nvPicPr>
+        <p:blipFill>
+          <a:blip r:embed="rId2">
+            <a:extLst>
+              <a:ext uri="{28A0092B-C50C-407E-A947-70E740481C1C}">
+                <a14:useLocalDpi xmlns:a14="http://schemas.microsoft.com/office/drawing/2010/main" val="0"/>
+              </a:ext>
+            </a:extLst>
+          </a:blip>
+          <a:stretch>
+            <a:fillRect/>
+          </a:stretch>
+        </p:blipFill>
+        <p:spPr>
+          <a:xfrm>
+            <a:off x="4686496" y="1746649"/>
+            <a:ext cx="1780980" cy="2186407"/>
+          </a:xfrm>
+          <a:prstGeom prst="rect">
+            <a:avLst/>
+          </a:prstGeom>
+        </p:spPr>
+      </p:pic>
+      <p:pic>
+        <p:nvPicPr>
+          <p:cNvPr id="6" name="Picture 5" descr="PowerEllipse.png"/>
+          <p:cNvPicPr>
+            <a:picLocks noChangeAspect="1"/>
+          </p:cNvPicPr>
+          <p:nvPr/>
+        </p:nvPicPr>
+        <p:blipFill>
+          <a:blip r:embed="rId3" cstate="print"/>
+          <a:stretch>
+            <a:fillRect/>
+          </a:stretch>
+        </p:blipFill>
+        <p:spPr>
+          <a:xfrm>
+            <a:off x="6685756" y="1754922"/>
+            <a:ext cx="1758843" cy="2178134"/>
+          </a:xfrm>
+          <a:prstGeom prst="rect">
+            <a:avLst/>
+          </a:prstGeom>
+        </p:spPr>
+      </p:pic>
+      <p:pic>
+        <p:nvPicPr>
+          <p:cNvPr id="7" name="Picture 6" descr="Hybrid.png"/>
+          <p:cNvPicPr>
+            <a:picLocks noChangeAspect="1"/>
+          </p:cNvPicPr>
+          <p:nvPr/>
+        </p:nvPicPr>
+        <p:blipFill>
+          <a:blip r:embed="rId4" cstate="print"/>
+          <a:stretch>
+            <a:fillRect/>
+          </a:stretch>
+        </p:blipFill>
+        <p:spPr>
+          <a:xfrm>
+            <a:off x="4686497" y="4147975"/>
+            <a:ext cx="1780980" cy="2206867"/>
+          </a:xfrm>
+          <a:prstGeom prst="rect">
+            <a:avLst/>
+          </a:prstGeom>
+        </p:spPr>
+      </p:pic>
+      <p:pic>
+        <p:nvPicPr>
+          <p:cNvPr id="8" name="Picture 7"/>
+          <p:cNvPicPr>
+            <a:picLocks noChangeAspect="1"/>
+          </p:cNvPicPr>
+          <p:nvPr/>
+        </p:nvPicPr>
+        <p:blipFill>
+          <a:blip r:embed="rId5">
+            <a:extLst>
+              <a:ext uri="{28A0092B-C50C-407E-A947-70E740481C1C}">
+                <a14:useLocalDpi xmlns:a14="http://schemas.microsoft.com/office/drawing/2010/main" val="0"/>
+              </a:ext>
+            </a:extLst>
+          </a:blip>
+          <a:stretch>
+            <a:fillRect/>
+          </a:stretch>
+        </p:blipFill>
+        <p:spPr>
+          <a:xfrm>
+            <a:off x="6685756" y="4147977"/>
+            <a:ext cx="1795467" cy="2179436"/>
+          </a:xfrm>
+          <a:prstGeom prst="rect">
+            <a:avLst/>
+          </a:prstGeom>
+        </p:spPr>
+      </p:pic>
+      <p:sp>
+        <p:nvSpPr>
+          <p:cNvPr id="9" name="TextBox 8"/>
+          <p:cNvSpPr txBox="1"/>
+          <p:nvPr/>
+        </p:nvSpPr>
+        <p:spPr>
+          <a:xfrm>
+            <a:off x="238124" y="2057400"/>
+            <a:ext cx="4230092" cy="3477875"/>
+          </a:xfrm>
+          <a:prstGeom prst="rect">
+            <a:avLst/>
+          </a:prstGeom>
+          <a:noFill/>
+        </p:spPr>
+        <p:txBody>
+          <a:bodyPr wrap="square" rtlCol="0">
+            <a:spAutoFit/>
+          </a:bodyPr>
+          <a:lstStyle/>
+          <a:p>
+            <a:r>
+              <a:rPr lang="en-GB" sz="2000" dirty="0" smtClean="0">
+                <a:latin typeface="Calibri" panose="020F0502020204030204" pitchFamily="34" charset="0"/>
+              </a:rPr>
+              <a:t>Available cross-sections:</a:t>
+            </a:r>
+          </a:p>
+          <a:p>
+            <a:pPr lvl="1">
+              <a:buClr>
+                <a:schemeClr val="accent2">
+                  <a:lumMod val="75000"/>
+                </a:schemeClr>
+              </a:buClr>
+              <a:buFont typeface="Arial" pitchFamily="34" charset="0"/>
+              <a:buChar char="•"/>
+            </a:pPr>
+            <a:r>
+              <a:rPr lang="en-GB" dirty="0">
+                <a:latin typeface="Calibri" panose="020F0502020204030204" pitchFamily="34" charset="0"/>
+              </a:rPr>
+              <a:t>Ellipse</a:t>
+            </a:r>
+          </a:p>
+          <a:p>
+            <a:pPr lvl="1">
+              <a:buClr>
+                <a:schemeClr val="accent2">
+                  <a:lumMod val="75000"/>
+                </a:schemeClr>
+              </a:buClr>
+              <a:buFont typeface="Arial" pitchFamily="34" charset="0"/>
+              <a:buChar char="•"/>
+            </a:pPr>
+            <a:r>
+              <a:rPr lang="en-GB" dirty="0">
+                <a:latin typeface="Calibri" panose="020F0502020204030204" pitchFamily="34" charset="0"/>
+              </a:rPr>
+              <a:t>Lenticular</a:t>
+            </a:r>
+          </a:p>
+          <a:p>
+            <a:pPr lvl="1">
+              <a:buClr>
+                <a:schemeClr val="accent2">
+                  <a:lumMod val="75000"/>
+                </a:schemeClr>
+              </a:buClr>
+              <a:buFont typeface="Arial" pitchFamily="34" charset="0"/>
+              <a:buChar char="•"/>
+            </a:pPr>
+            <a:r>
+              <a:rPr lang="en-GB" dirty="0">
+                <a:latin typeface="Calibri" panose="020F0502020204030204" pitchFamily="34" charset="0"/>
+              </a:rPr>
+              <a:t>Power ellipse</a:t>
+            </a:r>
+          </a:p>
+          <a:p>
+            <a:pPr lvl="1">
+              <a:buClr>
+                <a:schemeClr val="accent2">
+                  <a:lumMod val="75000"/>
+                </a:schemeClr>
+              </a:buClr>
+              <a:buFont typeface="Arial" pitchFamily="34" charset="0"/>
+              <a:buChar char="•"/>
+            </a:pPr>
+            <a:r>
+              <a:rPr lang="en-GB" dirty="0">
+                <a:latin typeface="Calibri" panose="020F0502020204030204" pitchFamily="34" charset="0"/>
+              </a:rPr>
+              <a:t>Hybrid</a:t>
+            </a:r>
+          </a:p>
+          <a:p>
+            <a:pPr lvl="1">
+              <a:buClr>
+                <a:schemeClr val="accent2">
+                  <a:lumMod val="75000"/>
+                </a:schemeClr>
+              </a:buClr>
+              <a:buFont typeface="Arial" pitchFamily="34" charset="0"/>
+              <a:buChar char="•"/>
+            </a:pPr>
+            <a:r>
+              <a:rPr lang="en-GB" dirty="0" smtClean="0">
+                <a:latin typeface="Calibri" panose="020F0502020204030204" pitchFamily="34" charset="0"/>
+              </a:rPr>
+              <a:t>Rectangle</a:t>
+            </a:r>
+          </a:p>
+          <a:p>
+            <a:pPr lvl="2">
+              <a:buClr>
+                <a:schemeClr val="accent2">
+                  <a:lumMod val="75000"/>
+                </a:schemeClr>
+              </a:buClr>
+              <a:buFont typeface="Arial" pitchFamily="34" charset="0"/>
+              <a:buChar char="•"/>
+            </a:pPr>
+            <a:r>
+              <a:rPr lang="en-GB" dirty="0" smtClean="0">
+                <a:latin typeface="Calibri" panose="020F0502020204030204" pitchFamily="34" charset="0"/>
+              </a:rPr>
+              <a:t>Use rather than power ellipse with power = 0 to generate uniform section meshes</a:t>
+            </a:r>
+            <a:endParaRPr lang="en-GB" dirty="0">
+              <a:latin typeface="Calibri" panose="020F0502020204030204" pitchFamily="34" charset="0"/>
+            </a:endParaRPr>
+          </a:p>
+          <a:p>
+            <a:pPr lvl="1">
+              <a:buClr>
+                <a:schemeClr val="accent2">
+                  <a:lumMod val="75000"/>
+                </a:schemeClr>
+              </a:buClr>
+              <a:buFont typeface="Arial" pitchFamily="34" charset="0"/>
+              <a:buChar char="•"/>
+            </a:pPr>
+            <a:r>
+              <a:rPr lang="en-GB" dirty="0">
+                <a:latin typeface="Calibri" panose="020F0502020204030204" pitchFamily="34" charset="0"/>
+              </a:rPr>
+              <a:t>Polygon </a:t>
+            </a:r>
+            <a:endParaRPr lang="en-GB" dirty="0" smtClean="0">
+              <a:latin typeface="Calibri" panose="020F0502020204030204" pitchFamily="34" charset="0"/>
+            </a:endParaRPr>
+          </a:p>
+          <a:p>
+            <a:pPr lvl="2">
+              <a:buClr>
+                <a:schemeClr val="accent2">
+                  <a:lumMod val="75000"/>
+                </a:schemeClr>
+              </a:buClr>
+              <a:buFont typeface="Arial" pitchFamily="34" charset="0"/>
+              <a:buChar char="•"/>
+            </a:pPr>
+            <a:r>
+              <a:rPr lang="en-GB" dirty="0" smtClean="0">
+                <a:latin typeface="Calibri" panose="020F0502020204030204" pitchFamily="34" charset="0"/>
+              </a:rPr>
+              <a:t>Only </a:t>
+            </a:r>
+            <a:r>
+              <a:rPr lang="en-GB" dirty="0">
+                <a:latin typeface="Calibri" panose="020F0502020204030204" pitchFamily="34" charset="0"/>
+              </a:rPr>
+              <a:t>by </a:t>
+            </a:r>
+            <a:r>
+              <a:rPr lang="en-GB" dirty="0" smtClean="0">
+                <a:latin typeface="Calibri" panose="020F0502020204030204" pitchFamily="34" charset="0"/>
+              </a:rPr>
+              <a:t>scripting</a:t>
+            </a:r>
+            <a:endParaRPr lang="en-GB" dirty="0">
+              <a:latin typeface="Calibri" panose="020F0502020204030204" pitchFamily="34" charset="0"/>
+            </a:endParaRPr>
+          </a:p>
+          <a:p>
+            <a:pPr marL="342900" indent="-342900">
+              <a:buFont typeface="Arial" panose="020B0604020202020204" pitchFamily="34" charset="0"/>
+              <a:buChar char="•"/>
+            </a:pPr>
+            <a:endParaRPr lang="en-GB" sz="2000" dirty="0" err="1" smtClean="0">
+              <a:latin typeface="Calibri" panose="020F0502020204030204" pitchFamily="34" charset="0"/>
+            </a:endParaRPr>
+          </a:p>
+        </p:txBody>
+      </p:sp>
+    </p:spTree>
+    <p:extLst>
+      <p:ext uri="{BB962C8B-B14F-4D97-AF65-F5344CB8AC3E}">
+        <p14:creationId xmlns:p14="http://schemas.microsoft.com/office/powerpoint/2010/main" val="2157575016"/>
+      </p:ext>
+    </p:extLst>
+  </p:cSld>
+  <p:clrMapOvr>
+    <a:masterClrMapping/>
+  </p:clrMapOvr>
+  <mc:AlternateContent xmlns:mc="http://schemas.openxmlformats.org/markup-compatibility/2006" xmlns:p14="http://schemas.microsoft.com/office/powerpoint/2010/main">
+    <mc:Choice Requires="p14">
+      <p:transition spd="med" p14:dur="700">
+        <p:fade/>
+      </p:transition>
+    </mc:Choice>
+    <mc:Fallback xmlns="">
+      <p:transition spd="med">
+        <p:fade/>
+      </p:transition>
+    </mc:Fallback>
+  </mc:AlternateContent>
+</p:sld>
+</file>
+
+<file path=ppt/slides/slide11.xml><?xml version="1.0" encoding="utf-8"?>
+<p:sld xmlns:a="http://schemas.openxmlformats.org/drawingml/2006/main" xmlns:r="http://schemas.openxmlformats.org/officeDocument/2006/relationships" xmlns:p="http://schemas.openxmlformats.org/presentationml/2006/main">
+  <p:cSld>
+    <p:spTree>
+      <p:nvGrpSpPr>
+        <p:cNvPr id="1" name=""/>
+        <p:cNvGrpSpPr/>
+        <p:nvPr/>
+      </p:nvGrpSpPr>
+      <p:grpSpPr>
+        <a:xfrm>
+          <a:off x="0" y="0"/>
+          <a:ext cx="0" cy="0"/>
+          <a:chOff x="0" y="0"/>
+          <a:chExt cx="0" cy="0"/>
+        </a:xfrm>
+      </p:grpSpPr>
+      <p:sp>
+        <p:nvSpPr>
+          <p:cNvPr id="2" name="Title 1"/>
+          <p:cNvSpPr>
+            <a:spLocks noGrp="1"/>
+          </p:cNvSpPr>
+          <p:nvPr>
+            <p:ph type="title"/>
+          </p:nvPr>
+        </p:nvSpPr>
+        <p:spPr/>
+        <p:txBody>
+          <a:bodyPr/>
+          <a:lstStyle/>
+          <a:p>
+            <a:r>
+              <a:rPr lang="en-GB" dirty="0" smtClean="0"/>
               <a:t>Yarn Cross-Sections – Python Implementation</a:t>
             </a:r>
             <a:endParaRPr lang="en-GB" dirty="0"/>
@@ -3831,321 +4244,6 @@
 </p:sld>
 </file>
 
-<file path=ppt/slides/slide11.xml><?xml version="1.0" encoding="utf-8"?>
-<p:sld xmlns:a="http://schemas.openxmlformats.org/drawingml/2006/main" xmlns:r="http://schemas.openxmlformats.org/officeDocument/2006/relationships" xmlns:p="http://schemas.openxmlformats.org/presentationml/2006/main">
-  <p:cSld>
-    <p:spTree>
-      <p:nvGrpSpPr>
-        <p:cNvPr id="1" name=""/>
-        <p:cNvGrpSpPr/>
-        <p:nvPr/>
-      </p:nvGrpSpPr>
-      <p:grpSpPr>
-        <a:xfrm>
-          <a:off x="0" y="0"/>
-          <a:ext cx="0" cy="0"/>
-          <a:chOff x="0" y="0"/>
-          <a:chExt cx="0" cy="0"/>
-        </a:xfrm>
-      </p:grpSpPr>
-      <p:sp>
-        <p:nvSpPr>
-          <p:cNvPr id="2" name="Title 1"/>
-          <p:cNvSpPr>
-            <a:spLocks noGrp="1"/>
-          </p:cNvSpPr>
-          <p:nvPr>
-            <p:ph type="title"/>
-          </p:nvPr>
-        </p:nvSpPr>
-        <p:spPr/>
-        <p:txBody>
-          <a:bodyPr/>
-          <a:lstStyle/>
-          <a:p>
-            <a:r>
-              <a:rPr lang="en-GB" dirty="0" smtClean="0"/>
-              <a:t>Yarn Repeats</a:t>
-            </a:r>
-            <a:endParaRPr lang="en-GB" dirty="0"/>
-          </a:p>
-        </p:txBody>
-      </p:sp>
-      <p:sp>
-        <p:nvSpPr>
-          <p:cNvPr id="3" name="TextBox 2"/>
-          <p:cNvSpPr txBox="1"/>
-          <p:nvPr/>
-        </p:nvSpPr>
-        <p:spPr>
-          <a:xfrm>
-            <a:off x="323850" y="1019175"/>
-            <a:ext cx="7953376" cy="1200329"/>
-          </a:xfrm>
-          <a:prstGeom prst="rect">
-            <a:avLst/>
-          </a:prstGeom>
-          <a:noFill/>
-        </p:spPr>
-        <p:txBody>
-          <a:bodyPr wrap="square" rtlCol="0">
-            <a:spAutoFit/>
-          </a:bodyPr>
-          <a:lstStyle/>
-          <a:p>
-            <a:r>
-              <a:rPr lang="en-GB" sz="2400" dirty="0" smtClean="0">
-                <a:latin typeface="+mj-lt"/>
-              </a:rPr>
-              <a:t>Yarn repeats allow a given yarn section to be repeated as specified by a set of vectors (in theory, allowing an infinite textile)</a:t>
-            </a:r>
-          </a:p>
-        </p:txBody>
-      </p:sp>
-      <p:sp>
-        <p:nvSpPr>
-          <p:cNvPr id="4" name="Rectangle 3"/>
-          <p:cNvSpPr/>
-          <p:nvPr/>
-        </p:nvSpPr>
-        <p:spPr>
-          <a:xfrm>
-            <a:off x="265508" y="2809515"/>
-            <a:ext cx="5057776" cy="830997"/>
-          </a:xfrm>
-          <a:prstGeom prst="rect">
-            <a:avLst/>
-          </a:prstGeom>
-        </p:spPr>
-        <p:txBody>
-          <a:bodyPr wrap="square">
-            <a:spAutoFit/>
-          </a:bodyPr>
-          <a:lstStyle/>
-          <a:p>
-            <a:pPr>
-              <a:buClr>
-                <a:schemeClr val="accent2">
-                  <a:lumMod val="75000"/>
-                </a:schemeClr>
-              </a:buClr>
-            </a:pPr>
-            <a:r>
-              <a:rPr lang="en-GB" sz="2400" b="1" dirty="0">
-                <a:latin typeface="Calibri" panose="020F0502020204030204" pitchFamily="34" charset="0"/>
-              </a:rPr>
-              <a:t>GUI: </a:t>
-            </a:r>
-            <a:r>
-              <a:rPr lang="en-GB" sz="2400" dirty="0">
-                <a:latin typeface="Calibri" panose="020F0502020204030204" pitchFamily="34" charset="0"/>
-              </a:rPr>
-              <a:t>Select </a:t>
-            </a:r>
-            <a:r>
-              <a:rPr lang="en-GB" sz="2400" i="1" dirty="0">
-                <a:latin typeface="Calibri" panose="020F0502020204030204" pitchFamily="34" charset="0"/>
-              </a:rPr>
-              <a:t>Modeller -&gt; </a:t>
-            </a:r>
-            <a:r>
-              <a:rPr lang="en-GB" sz="2400" i="1" dirty="0" smtClean="0">
-                <a:latin typeface="Calibri" panose="020F0502020204030204" pitchFamily="34" charset="0"/>
-              </a:rPr>
-              <a:t>Assign Repeats</a:t>
-            </a:r>
-          </a:p>
-          <a:p>
-            <a:pPr marL="800100" lvl="1" indent="-342900">
-              <a:buClr>
-                <a:schemeClr val="accent2">
-                  <a:lumMod val="75000"/>
-                </a:schemeClr>
-              </a:buClr>
-              <a:buFont typeface="Arial" panose="020B0604020202020204" pitchFamily="34" charset="0"/>
-              <a:buChar char="•"/>
-            </a:pPr>
-            <a:r>
-              <a:rPr lang="en-GB" sz="2400" dirty="0" smtClean="0">
-                <a:latin typeface="Calibri" panose="020F0502020204030204" pitchFamily="34" charset="0"/>
-              </a:rPr>
-              <a:t>Specify a set of repeat vectors</a:t>
-            </a:r>
-            <a:endParaRPr lang="en-GB" sz="2400" dirty="0">
-              <a:latin typeface="Calibri" panose="020F0502020204030204" pitchFamily="34" charset="0"/>
-            </a:endParaRPr>
-          </a:p>
-        </p:txBody>
-      </p:sp>
-      <p:pic>
-        <p:nvPicPr>
-          <p:cNvPr id="5" name="Picture 4"/>
-          <p:cNvPicPr>
-            <a:picLocks noChangeAspect="1"/>
-          </p:cNvPicPr>
-          <p:nvPr/>
-        </p:nvPicPr>
-        <p:blipFill>
-          <a:blip r:embed="rId2">
-            <a:extLst>
-              <a:ext uri="{28A0092B-C50C-407E-A947-70E740481C1C}">
-                <a14:useLocalDpi xmlns:a14="http://schemas.microsoft.com/office/drawing/2010/main" val="0"/>
-              </a:ext>
-            </a:extLst>
-          </a:blip>
-          <a:stretch>
-            <a:fillRect/>
-          </a:stretch>
-        </p:blipFill>
-        <p:spPr>
-          <a:xfrm>
-            <a:off x="5514974" y="2516204"/>
-            <a:ext cx="3150270" cy="1417621"/>
-          </a:xfrm>
-          <a:prstGeom prst="rect">
-            <a:avLst/>
-          </a:prstGeom>
-        </p:spPr>
-      </p:pic>
-      <p:sp>
-        <p:nvSpPr>
-          <p:cNvPr id="6" name="TextBox 5"/>
-          <p:cNvSpPr txBox="1"/>
-          <p:nvPr/>
-        </p:nvSpPr>
-        <p:spPr>
-          <a:xfrm>
-            <a:off x="323850" y="4304746"/>
-            <a:ext cx="1743075" cy="461665"/>
-          </a:xfrm>
-          <a:prstGeom prst="rect">
-            <a:avLst/>
-          </a:prstGeom>
-          <a:noFill/>
-        </p:spPr>
-        <p:txBody>
-          <a:bodyPr wrap="square" rtlCol="0">
-            <a:spAutoFit/>
-          </a:bodyPr>
-          <a:lstStyle/>
-          <a:p>
-            <a:r>
-              <a:rPr lang="en-GB" sz="2400" b="1" dirty="0" smtClean="0">
-                <a:latin typeface="Calibri" panose="020F0502020204030204" pitchFamily="34" charset="0"/>
-              </a:rPr>
-              <a:t>Python</a:t>
-            </a:r>
-            <a:r>
-              <a:rPr lang="en-GB" sz="2000" b="1" dirty="0" smtClean="0">
-                <a:latin typeface="Calibri" panose="020F0502020204030204" pitchFamily="34" charset="0"/>
-              </a:rPr>
-              <a:t>:</a:t>
-            </a:r>
-          </a:p>
-        </p:txBody>
-      </p:sp>
-      <p:sp>
-        <p:nvSpPr>
-          <p:cNvPr id="7" name="TextBox 6"/>
-          <p:cNvSpPr txBox="1"/>
-          <p:nvPr/>
-        </p:nvSpPr>
-        <p:spPr>
-          <a:xfrm>
-            <a:off x="323849" y="4793585"/>
-            <a:ext cx="5191125" cy="769441"/>
-          </a:xfrm>
-          <a:prstGeom prst="rect">
-            <a:avLst/>
-          </a:prstGeom>
-          <a:solidFill>
-            <a:schemeClr val="bg1">
-              <a:lumMod val="85000"/>
-            </a:schemeClr>
-          </a:solidFill>
-        </p:spPr>
-        <p:txBody>
-          <a:bodyPr wrap="square" rtlCol="0">
-            <a:spAutoFit/>
-          </a:bodyPr>
-          <a:lstStyle/>
-          <a:p>
-            <a:r>
-              <a:rPr lang="en-GB" sz="2400" dirty="0" err="1">
-                <a:latin typeface="Courier New" panose="02070309020205020404" pitchFamily="49" charset="0"/>
-                <a:cs typeface="Courier New" panose="02070309020205020404" pitchFamily="49" charset="0"/>
-              </a:rPr>
-              <a:t>Yarn.AddRepeat</a:t>
-            </a:r>
-            <a:r>
-              <a:rPr lang="en-GB" sz="2400" dirty="0">
-                <a:latin typeface="Courier New" panose="02070309020205020404" pitchFamily="49" charset="0"/>
-                <a:cs typeface="Courier New" panose="02070309020205020404" pitchFamily="49" charset="0"/>
-              </a:rPr>
-              <a:t>(XYZ(10,0,0</a:t>
-            </a:r>
-            <a:r>
-              <a:rPr lang="en-GB" sz="2000" dirty="0">
-                <a:latin typeface="Courier New" panose="02070309020205020404" pitchFamily="49" charset="0"/>
-                <a:cs typeface="Courier New" panose="02070309020205020404" pitchFamily="49" charset="0"/>
-              </a:rPr>
-              <a:t>))</a:t>
-            </a:r>
-          </a:p>
-          <a:p>
-            <a:r>
-              <a:rPr lang="en-GB" sz="2000" dirty="0" err="1">
-                <a:latin typeface="Courier New" panose="02070309020205020404" pitchFamily="49" charset="0"/>
-                <a:cs typeface="Courier New" panose="02070309020205020404" pitchFamily="49" charset="0"/>
-              </a:rPr>
-              <a:t>Yarn.AddRepeat</a:t>
-            </a:r>
-            <a:r>
-              <a:rPr lang="en-GB" sz="2000" dirty="0">
-                <a:latin typeface="Courier New" panose="02070309020205020404" pitchFamily="49" charset="0"/>
-                <a:cs typeface="Courier New" panose="02070309020205020404" pitchFamily="49" charset="0"/>
-              </a:rPr>
-              <a:t>(XYZ(5,5,0</a:t>
-            </a:r>
-            <a:r>
-              <a:rPr lang="en-GB" sz="2000" dirty="0" smtClean="0">
-                <a:latin typeface="Courier New" panose="02070309020205020404" pitchFamily="49" charset="0"/>
-                <a:cs typeface="Courier New" panose="02070309020205020404" pitchFamily="49" charset="0"/>
-              </a:rPr>
-              <a:t>))</a:t>
-            </a:r>
-            <a:endParaRPr lang="en-GB" sz="2000" dirty="0">
-              <a:latin typeface="Courier New" panose="02070309020205020404" pitchFamily="49" charset="0"/>
-              <a:cs typeface="Courier New" panose="02070309020205020404" pitchFamily="49" charset="0"/>
-            </a:endParaRPr>
-          </a:p>
-        </p:txBody>
-      </p:sp>
-    </p:spTree>
-    <p:extLst>
-      <p:ext uri="{BB962C8B-B14F-4D97-AF65-F5344CB8AC3E}">
-        <p14:creationId xmlns:p14="http://schemas.microsoft.com/office/powerpoint/2010/main" val="3849512989"/>
-      </p:ext>
-    </p:extLst>
-  </p:cSld>
-  <p:clrMapOvr>
-    <a:masterClrMapping/>
-  </p:clrMapOvr>
-  <mc:AlternateContent xmlns:mc="http://schemas.openxmlformats.org/markup-compatibility/2006" xmlns:p14="http://schemas.microsoft.com/office/powerpoint/2010/main">
-    <mc:Choice Requires="p14">
-      <p:transition spd="med" p14:dur="700">
-        <p:fade/>
-      </p:transition>
-    </mc:Choice>
-    <mc:Fallback xmlns="">
-      <p:transition spd="med">
-        <p:fade/>
-      </p:transition>
-    </mc:Fallback>
-  </mc:AlternateContent>
-</p:sld>
-</file>
-
 <file path=ppt/slides/slide12.xml><?xml version="1.0" encoding="utf-8"?>
 <p:sld xmlns:a="http://schemas.openxmlformats.org/drawingml/2006/main" xmlns:r="http://schemas.openxmlformats.org/officeDocument/2006/relationships" xmlns:p="http://schemas.openxmlformats.org/presentationml/2006/main">
   <p:cSld>
@@ -4180,6 +4278,321 @@
           <a:p>
             <a:r>
               <a:rPr lang="en-GB" dirty="0" smtClean="0"/>
+              <a:t>Yarn Repeats</a:t>
+            </a:r>
+            <a:endParaRPr lang="en-GB" dirty="0"/>
+          </a:p>
+        </p:txBody>
+      </p:sp>
+      <p:sp>
+        <p:nvSpPr>
+          <p:cNvPr id="3" name="TextBox 2"/>
+          <p:cNvSpPr txBox="1"/>
+          <p:nvPr/>
+        </p:nvSpPr>
+        <p:spPr>
+          <a:xfrm>
+            <a:off x="323850" y="1019175"/>
+            <a:ext cx="7953376" cy="1200329"/>
+          </a:xfrm>
+          <a:prstGeom prst="rect">
+            <a:avLst/>
+          </a:prstGeom>
+          <a:noFill/>
+        </p:spPr>
+        <p:txBody>
+          <a:bodyPr wrap="square" rtlCol="0">
+            <a:spAutoFit/>
+          </a:bodyPr>
+          <a:lstStyle/>
+          <a:p>
+            <a:r>
+              <a:rPr lang="en-GB" sz="2400" dirty="0" smtClean="0">
+                <a:latin typeface="+mj-lt"/>
+              </a:rPr>
+              <a:t>Yarn repeats allow a given yarn section to be repeated as specified by a set of vectors (in theory, allowing an infinite textile)</a:t>
+            </a:r>
+          </a:p>
+        </p:txBody>
+      </p:sp>
+      <p:sp>
+        <p:nvSpPr>
+          <p:cNvPr id="4" name="Rectangle 3"/>
+          <p:cNvSpPr/>
+          <p:nvPr/>
+        </p:nvSpPr>
+        <p:spPr>
+          <a:xfrm>
+            <a:off x="265508" y="2809515"/>
+            <a:ext cx="5057776" cy="830997"/>
+          </a:xfrm>
+          <a:prstGeom prst="rect">
+            <a:avLst/>
+          </a:prstGeom>
+        </p:spPr>
+        <p:txBody>
+          <a:bodyPr wrap="square">
+            <a:spAutoFit/>
+          </a:bodyPr>
+          <a:lstStyle/>
+          <a:p>
+            <a:pPr>
+              <a:buClr>
+                <a:schemeClr val="accent2">
+                  <a:lumMod val="75000"/>
+                </a:schemeClr>
+              </a:buClr>
+            </a:pPr>
+            <a:r>
+              <a:rPr lang="en-GB" sz="2400" b="1" dirty="0">
+                <a:latin typeface="Calibri" panose="020F0502020204030204" pitchFamily="34" charset="0"/>
+              </a:rPr>
+              <a:t>GUI: </a:t>
+            </a:r>
+            <a:r>
+              <a:rPr lang="en-GB" sz="2400" dirty="0">
+                <a:latin typeface="Calibri" panose="020F0502020204030204" pitchFamily="34" charset="0"/>
+              </a:rPr>
+              <a:t>Select </a:t>
+            </a:r>
+            <a:r>
+              <a:rPr lang="en-GB" sz="2400" i="1" dirty="0">
+                <a:latin typeface="Calibri" panose="020F0502020204030204" pitchFamily="34" charset="0"/>
+              </a:rPr>
+              <a:t>Modeller -&gt; </a:t>
+            </a:r>
+            <a:r>
+              <a:rPr lang="en-GB" sz="2400" i="1" dirty="0" smtClean="0">
+                <a:latin typeface="Calibri" panose="020F0502020204030204" pitchFamily="34" charset="0"/>
+              </a:rPr>
+              <a:t>Assign Repeats</a:t>
+            </a:r>
+          </a:p>
+          <a:p>
+            <a:pPr marL="800100" lvl="1" indent="-342900">
+              <a:buClr>
+                <a:schemeClr val="accent2">
+                  <a:lumMod val="75000"/>
+                </a:schemeClr>
+              </a:buClr>
+              <a:buFont typeface="Arial" panose="020B0604020202020204" pitchFamily="34" charset="0"/>
+              <a:buChar char="•"/>
+            </a:pPr>
+            <a:r>
+              <a:rPr lang="en-GB" sz="2400" dirty="0" smtClean="0">
+                <a:latin typeface="Calibri" panose="020F0502020204030204" pitchFamily="34" charset="0"/>
+              </a:rPr>
+              <a:t>Specify a set of repeat vectors</a:t>
+            </a:r>
+            <a:endParaRPr lang="en-GB" sz="2400" dirty="0">
+              <a:latin typeface="Calibri" panose="020F0502020204030204" pitchFamily="34" charset="0"/>
+            </a:endParaRPr>
+          </a:p>
+        </p:txBody>
+      </p:sp>
+      <p:pic>
+        <p:nvPicPr>
+          <p:cNvPr id="5" name="Picture 4"/>
+          <p:cNvPicPr>
+            <a:picLocks noChangeAspect="1"/>
+          </p:cNvPicPr>
+          <p:nvPr/>
+        </p:nvPicPr>
+        <p:blipFill>
+          <a:blip r:embed="rId2">
+            <a:extLst>
+              <a:ext uri="{28A0092B-C50C-407E-A947-70E740481C1C}">
+                <a14:useLocalDpi xmlns:a14="http://schemas.microsoft.com/office/drawing/2010/main" val="0"/>
+              </a:ext>
+            </a:extLst>
+          </a:blip>
+          <a:stretch>
+            <a:fillRect/>
+          </a:stretch>
+        </p:blipFill>
+        <p:spPr>
+          <a:xfrm>
+            <a:off x="5514974" y="2516204"/>
+            <a:ext cx="3150270" cy="1417621"/>
+          </a:xfrm>
+          <a:prstGeom prst="rect">
+            <a:avLst/>
+          </a:prstGeom>
+        </p:spPr>
+      </p:pic>
+      <p:sp>
+        <p:nvSpPr>
+          <p:cNvPr id="6" name="TextBox 5"/>
+          <p:cNvSpPr txBox="1"/>
+          <p:nvPr/>
+        </p:nvSpPr>
+        <p:spPr>
+          <a:xfrm>
+            <a:off x="323850" y="4304746"/>
+            <a:ext cx="1743075" cy="461665"/>
+          </a:xfrm>
+          <a:prstGeom prst="rect">
+            <a:avLst/>
+          </a:prstGeom>
+          <a:noFill/>
+        </p:spPr>
+        <p:txBody>
+          <a:bodyPr wrap="square" rtlCol="0">
+            <a:spAutoFit/>
+          </a:bodyPr>
+          <a:lstStyle/>
+          <a:p>
+            <a:r>
+              <a:rPr lang="en-GB" sz="2400" b="1" dirty="0" smtClean="0">
+                <a:latin typeface="Calibri" panose="020F0502020204030204" pitchFamily="34" charset="0"/>
+              </a:rPr>
+              <a:t>Python</a:t>
+            </a:r>
+            <a:r>
+              <a:rPr lang="en-GB" sz="2000" b="1" dirty="0" smtClean="0">
+                <a:latin typeface="Calibri" panose="020F0502020204030204" pitchFamily="34" charset="0"/>
+              </a:rPr>
+              <a:t>:</a:t>
+            </a:r>
+          </a:p>
+        </p:txBody>
+      </p:sp>
+      <p:sp>
+        <p:nvSpPr>
+          <p:cNvPr id="7" name="TextBox 6"/>
+          <p:cNvSpPr txBox="1"/>
+          <p:nvPr/>
+        </p:nvSpPr>
+        <p:spPr>
+          <a:xfrm>
+            <a:off x="323849" y="4793585"/>
+            <a:ext cx="5191125" cy="769441"/>
+          </a:xfrm>
+          <a:prstGeom prst="rect">
+            <a:avLst/>
+          </a:prstGeom>
+          <a:solidFill>
+            <a:schemeClr val="bg1">
+              <a:lumMod val="85000"/>
+            </a:schemeClr>
+          </a:solidFill>
+        </p:spPr>
+        <p:txBody>
+          <a:bodyPr wrap="square" rtlCol="0">
+            <a:spAutoFit/>
+          </a:bodyPr>
+          <a:lstStyle/>
+          <a:p>
+            <a:r>
+              <a:rPr lang="en-GB" sz="2400" dirty="0" err="1">
+                <a:latin typeface="Courier New" panose="02070309020205020404" pitchFamily="49" charset="0"/>
+                <a:cs typeface="Courier New" panose="02070309020205020404" pitchFamily="49" charset="0"/>
+              </a:rPr>
+              <a:t>Yarn.AddRepeat</a:t>
+            </a:r>
+            <a:r>
+              <a:rPr lang="en-GB" sz="2400" dirty="0">
+                <a:latin typeface="Courier New" panose="02070309020205020404" pitchFamily="49" charset="0"/>
+                <a:cs typeface="Courier New" panose="02070309020205020404" pitchFamily="49" charset="0"/>
+              </a:rPr>
+              <a:t>(XYZ(10,0,0</a:t>
+            </a:r>
+            <a:r>
+              <a:rPr lang="en-GB" sz="2000" dirty="0">
+                <a:latin typeface="Courier New" panose="02070309020205020404" pitchFamily="49" charset="0"/>
+                <a:cs typeface="Courier New" panose="02070309020205020404" pitchFamily="49" charset="0"/>
+              </a:rPr>
+              <a:t>))</a:t>
+            </a:r>
+          </a:p>
+          <a:p>
+            <a:r>
+              <a:rPr lang="en-GB" sz="2000" dirty="0" err="1">
+                <a:latin typeface="Courier New" panose="02070309020205020404" pitchFamily="49" charset="0"/>
+                <a:cs typeface="Courier New" panose="02070309020205020404" pitchFamily="49" charset="0"/>
+              </a:rPr>
+              <a:t>Yarn.AddRepeat</a:t>
+            </a:r>
+            <a:r>
+              <a:rPr lang="en-GB" sz="2000" dirty="0">
+                <a:latin typeface="Courier New" panose="02070309020205020404" pitchFamily="49" charset="0"/>
+                <a:cs typeface="Courier New" panose="02070309020205020404" pitchFamily="49" charset="0"/>
+              </a:rPr>
+              <a:t>(XYZ(5,5,0</a:t>
+            </a:r>
+            <a:r>
+              <a:rPr lang="en-GB" sz="2000" dirty="0" smtClean="0">
+                <a:latin typeface="Courier New" panose="02070309020205020404" pitchFamily="49" charset="0"/>
+                <a:cs typeface="Courier New" panose="02070309020205020404" pitchFamily="49" charset="0"/>
+              </a:rPr>
+              <a:t>))</a:t>
+            </a:r>
+            <a:endParaRPr lang="en-GB" sz="2000" dirty="0">
+              <a:latin typeface="Courier New" panose="02070309020205020404" pitchFamily="49" charset="0"/>
+              <a:cs typeface="Courier New" panose="02070309020205020404" pitchFamily="49" charset="0"/>
+            </a:endParaRPr>
+          </a:p>
+        </p:txBody>
+      </p:sp>
+    </p:spTree>
+    <p:extLst>
+      <p:ext uri="{BB962C8B-B14F-4D97-AF65-F5344CB8AC3E}">
+        <p14:creationId xmlns:p14="http://schemas.microsoft.com/office/powerpoint/2010/main" val="3849512989"/>
+      </p:ext>
+    </p:extLst>
+  </p:cSld>
+  <p:clrMapOvr>
+    <a:masterClrMapping/>
+  </p:clrMapOvr>
+  <mc:AlternateContent xmlns:mc="http://schemas.openxmlformats.org/markup-compatibility/2006" xmlns:p14="http://schemas.microsoft.com/office/powerpoint/2010/main">
+    <mc:Choice Requires="p14">
+      <p:transition spd="med" p14:dur="700">
+        <p:fade/>
+      </p:transition>
+    </mc:Choice>
+    <mc:Fallback xmlns="">
+      <p:transition spd="med">
+        <p:fade/>
+      </p:transition>
+    </mc:Fallback>
+  </mc:AlternateContent>
+</p:sld>
+</file>
+
+<file path=ppt/slides/slide13.xml><?xml version="1.0" encoding="utf-8"?>
+<p:sld xmlns:a="http://schemas.openxmlformats.org/drawingml/2006/main" xmlns:r="http://schemas.openxmlformats.org/officeDocument/2006/relationships" xmlns:p="http://schemas.openxmlformats.org/presentationml/2006/main">
+  <p:cSld>
+    <p:spTree>
+      <p:nvGrpSpPr>
+        <p:cNvPr id="1" name=""/>
+        <p:cNvGrpSpPr/>
+        <p:nvPr/>
+      </p:nvGrpSpPr>
+      <p:grpSpPr>
+        <a:xfrm>
+          <a:off x="0" y="0"/>
+          <a:ext cx="0" cy="0"/>
+          <a:chOff x="0" y="0"/>
+          <a:chExt cx="0" cy="0"/>
+        </a:xfrm>
+      </p:grpSpPr>
+      <p:sp>
+        <p:nvSpPr>
+          <p:cNvPr id="2" name="Title 1"/>
+          <p:cNvSpPr>
+            <a:spLocks noGrp="1"/>
+          </p:cNvSpPr>
+          <p:nvPr>
+            <p:ph type="title"/>
+          </p:nvPr>
+        </p:nvSpPr>
+        <p:spPr/>
+        <p:txBody>
+          <a:bodyPr/>
+          <a:lstStyle/>
+          <a:p>
+            <a:r>
+              <a:rPr lang="en-GB" dirty="0" smtClean="0"/>
               <a:t>Domain	</a:t>
             </a:r>
             <a:endParaRPr lang="en-GB" dirty="0"/>
@@ -4520,6 +4933,2180 @@
     <p:extLst>
       <p:ext uri="{BB962C8B-B14F-4D97-AF65-F5344CB8AC3E}">
         <p14:creationId xmlns:p14="http://schemas.microsoft.com/office/powerpoint/2010/main" val="744280560"/>
+      </p:ext>
+    </p:extLst>
+  </p:cSld>
+  <p:clrMapOvr>
+    <a:masterClrMapping/>
+  </p:clrMapOvr>
+  <mc:AlternateContent xmlns:mc="http://schemas.openxmlformats.org/markup-compatibility/2006" xmlns:p14="http://schemas.microsoft.com/office/powerpoint/2010/main">
+    <mc:Choice Requires="p14">
+      <p:transition spd="med" p14:dur="700">
+        <p:fade/>
+      </p:transition>
+    </mc:Choice>
+    <mc:Fallback xmlns="">
+      <p:transition spd="med">
+        <p:fade/>
+      </p:transition>
+    </mc:Fallback>
+  </mc:AlternateContent>
+</p:sld>
+</file>
+
+<file path=ppt/slides/slide14.xml><?xml version="1.0" encoding="utf-8"?>
+<p:sld xmlns:a="http://schemas.openxmlformats.org/drawingml/2006/main" xmlns:r="http://schemas.openxmlformats.org/officeDocument/2006/relationships" xmlns:p="http://schemas.openxmlformats.org/presentationml/2006/main">
+  <p:cSld>
+    <p:spTree>
+      <p:nvGrpSpPr>
+        <p:cNvPr id="1" name=""/>
+        <p:cNvGrpSpPr/>
+        <p:nvPr/>
+      </p:nvGrpSpPr>
+      <p:grpSpPr>
+        <a:xfrm>
+          <a:off x="0" y="0"/>
+          <a:ext cx="0" cy="0"/>
+          <a:chOff x="0" y="0"/>
+          <a:chExt cx="0" cy="0"/>
+        </a:xfrm>
+      </p:grpSpPr>
+      <p:sp>
+        <p:nvSpPr>
+          <p:cNvPr id="2" name="Title 1"/>
+          <p:cNvSpPr>
+            <a:spLocks noGrp="1"/>
+          </p:cNvSpPr>
+          <p:nvPr>
+            <p:ph type="title"/>
+          </p:nvPr>
+        </p:nvSpPr>
+        <p:spPr/>
+        <p:txBody>
+          <a:bodyPr/>
+          <a:lstStyle/>
+          <a:p>
+            <a:r>
+              <a:rPr lang="en-GB" dirty="0" smtClean="0"/>
+              <a:t>Automatically Generated Textiles</a:t>
+            </a:r>
+            <a:endParaRPr lang="en-GB" dirty="0"/>
+          </a:p>
+        </p:txBody>
+      </p:sp>
+      <p:pic>
+        <p:nvPicPr>
+          <p:cNvPr id="3" name="Picture 2"/>
+          <p:cNvPicPr/>
+          <p:nvPr/>
+        </p:nvPicPr>
+        <p:blipFill rotWithShape="1">
+          <a:blip r:embed="rId2"/>
+          <a:srcRect l="34461" t="34561" r="7217" b="29831"/>
+          <a:stretch/>
+        </p:blipFill>
+        <p:spPr bwMode="auto">
+          <a:xfrm>
+            <a:off x="1257934" y="2935287"/>
+            <a:ext cx="6514465" cy="2389188"/>
+          </a:xfrm>
+          <a:prstGeom prst="rect">
+            <a:avLst/>
+          </a:prstGeom>
+          <a:ln>
+            <a:noFill/>
+          </a:ln>
+          <a:extLst>
+            <a:ext uri="{53640926-AAD7-44D8-BBD7-CCE9431645EC}">
+              <a14:shadowObscured xmlns:a14="http://schemas.microsoft.com/office/drawing/2010/main"/>
+            </a:ext>
+          </a:extLst>
+        </p:spPr>
+      </p:pic>
+      <p:sp>
+        <p:nvSpPr>
+          <p:cNvPr id="4" name="TextBox 3"/>
+          <p:cNvSpPr txBox="1"/>
+          <p:nvPr/>
+        </p:nvSpPr>
+        <p:spPr>
+          <a:xfrm>
+            <a:off x="438150" y="1114425"/>
+            <a:ext cx="8124825" cy="1569660"/>
+          </a:xfrm>
+          <a:prstGeom prst="rect">
+            <a:avLst/>
+          </a:prstGeom>
+          <a:noFill/>
+        </p:spPr>
+        <p:txBody>
+          <a:bodyPr wrap="square" rtlCol="0">
+            <a:spAutoFit/>
+          </a:bodyPr>
+          <a:lstStyle/>
+          <a:p>
+            <a:r>
+              <a:rPr lang="en-GB" sz="2400" dirty="0" smtClean="0">
+                <a:latin typeface="Calibri" panose="020F0502020204030204" pitchFamily="34" charset="0"/>
+              </a:rPr>
+              <a:t>Predefined weave patterns are generated using classes which use </a:t>
+            </a:r>
+            <a:r>
+              <a:rPr lang="en-GB" sz="2400" dirty="0" err="1" smtClean="0">
+                <a:latin typeface="Calibri" panose="020F0502020204030204" pitchFamily="34" charset="0"/>
+              </a:rPr>
+              <a:t>Ctextile</a:t>
+            </a:r>
+            <a:r>
+              <a:rPr lang="en-GB" sz="2400" dirty="0" smtClean="0">
+                <a:latin typeface="Calibri" panose="020F0502020204030204" pitchFamily="34" charset="0"/>
+              </a:rPr>
+              <a:t> as a base class. They are used to input weave pattern information which then automatically generate the yarns. </a:t>
+            </a:r>
+            <a:endParaRPr lang="en-GB" sz="2400" dirty="0" smtClean="0">
+              <a:latin typeface="Calibri" panose="020F0502020204030204" pitchFamily="34" charset="0"/>
+            </a:endParaRPr>
+          </a:p>
+        </p:txBody>
+      </p:sp>
+    </p:spTree>
+    <p:extLst>
+      <p:ext uri="{BB962C8B-B14F-4D97-AF65-F5344CB8AC3E}">
+        <p14:creationId xmlns:p14="http://schemas.microsoft.com/office/powerpoint/2010/main" val="4138886043"/>
+      </p:ext>
+    </p:extLst>
+  </p:cSld>
+  <p:clrMapOvr>
+    <a:masterClrMapping/>
+  </p:clrMapOvr>
+  <mc:AlternateContent xmlns:mc="http://schemas.openxmlformats.org/markup-compatibility/2006" xmlns:p14="http://schemas.microsoft.com/office/powerpoint/2010/main">
+    <mc:Choice Requires="p14">
+      <p:transition spd="med" p14:dur="700">
+        <p:fade/>
+      </p:transition>
+    </mc:Choice>
+    <mc:Fallback xmlns="">
+      <p:transition spd="med">
+        <p:fade/>
+      </p:transition>
+    </mc:Fallback>
+  </mc:AlternateContent>
+</p:sld>
+</file>
+
+<file path=ppt/slides/slide15.xml><?xml version="1.0" encoding="utf-8"?>
+<p:sld xmlns:a="http://schemas.openxmlformats.org/drawingml/2006/main" xmlns:r="http://schemas.openxmlformats.org/officeDocument/2006/relationships" xmlns:p="http://schemas.openxmlformats.org/presentationml/2006/main">
+  <p:cSld>
+    <p:spTree>
+      <p:nvGrpSpPr>
+        <p:cNvPr id="1" name=""/>
+        <p:cNvGrpSpPr/>
+        <p:nvPr/>
+      </p:nvGrpSpPr>
+      <p:grpSpPr>
+        <a:xfrm>
+          <a:off x="0" y="0"/>
+          <a:ext cx="0" cy="0"/>
+          <a:chOff x="0" y="0"/>
+          <a:chExt cx="0" cy="0"/>
+        </a:xfrm>
+      </p:grpSpPr>
+      <p:sp>
+        <p:nvSpPr>
+          <p:cNvPr id="2" name="Title 1"/>
+          <p:cNvSpPr>
+            <a:spLocks noGrp="1"/>
+          </p:cNvSpPr>
+          <p:nvPr>
+            <p:ph type="title"/>
+          </p:nvPr>
+        </p:nvSpPr>
+        <p:spPr/>
+        <p:txBody>
+          <a:bodyPr/>
+          <a:lstStyle/>
+          <a:p>
+            <a:r>
+              <a:rPr lang="en-GB" dirty="0" smtClean="0"/>
+              <a:t>CTextileWeave2D</a:t>
+            </a:r>
+            <a:endParaRPr lang="en-GB" dirty="0"/>
+          </a:p>
+        </p:txBody>
+      </p:sp>
+      <p:sp>
+        <p:nvSpPr>
+          <p:cNvPr id="3" name="TextBox 2"/>
+          <p:cNvSpPr txBox="1"/>
+          <p:nvPr/>
+        </p:nvSpPr>
+        <p:spPr>
+          <a:xfrm>
+            <a:off x="342900" y="1085850"/>
+            <a:ext cx="8134350" cy="830997"/>
+          </a:xfrm>
+          <a:prstGeom prst="rect">
+            <a:avLst/>
+          </a:prstGeom>
+          <a:noFill/>
+        </p:spPr>
+        <p:txBody>
+          <a:bodyPr wrap="square" rtlCol="0">
+            <a:spAutoFit/>
+          </a:bodyPr>
+          <a:lstStyle/>
+          <a:p>
+            <a:r>
+              <a:rPr lang="en-GB" sz="2400" dirty="0" smtClean="0">
+                <a:latin typeface="Calibri" panose="020F0502020204030204" pitchFamily="34" charset="0"/>
+              </a:rPr>
+              <a:t>The 2D wizard in the </a:t>
+            </a:r>
+            <a:r>
+              <a:rPr lang="en-GB" sz="2400" dirty="0" err="1" smtClean="0">
+                <a:latin typeface="Calibri" panose="020F0502020204030204" pitchFamily="34" charset="0"/>
+              </a:rPr>
+              <a:t>TexGen</a:t>
+            </a:r>
+            <a:r>
+              <a:rPr lang="en-GB" sz="2400" dirty="0" smtClean="0">
+                <a:latin typeface="Calibri" panose="020F0502020204030204" pitchFamily="34" charset="0"/>
+              </a:rPr>
+              <a:t> GUI creates weaves using the CTextileWeave2D class</a:t>
+            </a:r>
+            <a:endParaRPr lang="en-GB" sz="2400" dirty="0" smtClean="0">
+              <a:latin typeface="Calibri" panose="020F0502020204030204" pitchFamily="34" charset="0"/>
+            </a:endParaRPr>
+          </a:p>
+        </p:txBody>
+      </p:sp>
+      <p:pic>
+        <p:nvPicPr>
+          <p:cNvPr id="5" name="Picture 4"/>
+          <p:cNvPicPr>
+            <a:picLocks noChangeAspect="1"/>
+          </p:cNvPicPr>
+          <p:nvPr/>
+        </p:nvPicPr>
+        <p:blipFill>
+          <a:blip r:embed="rId2" cstate="print">
+            <a:extLst>
+              <a:ext uri="{28A0092B-C50C-407E-A947-70E740481C1C}">
+                <a14:useLocalDpi xmlns:a14="http://schemas.microsoft.com/office/drawing/2010/main" val="0"/>
+              </a:ext>
+            </a:extLst>
+          </a:blip>
+          <a:stretch>
+            <a:fillRect/>
+          </a:stretch>
+        </p:blipFill>
+        <p:spPr>
+          <a:xfrm>
+            <a:off x="1018334" y="2740965"/>
+            <a:ext cx="2092463" cy="1684667"/>
+          </a:xfrm>
+          <a:prstGeom prst="rect">
+            <a:avLst/>
+          </a:prstGeom>
+        </p:spPr>
+      </p:pic>
+      <p:pic>
+        <p:nvPicPr>
+          <p:cNvPr id="6" name="Picture 5"/>
+          <p:cNvPicPr/>
+          <p:nvPr/>
+        </p:nvPicPr>
+        <p:blipFill>
+          <a:blip r:embed="rId3">
+            <a:extLst>
+              <a:ext uri="{28A0092B-C50C-407E-A947-70E740481C1C}">
+                <a14:useLocalDpi xmlns:a14="http://schemas.microsoft.com/office/drawing/2010/main" val="0"/>
+              </a:ext>
+            </a:extLst>
+          </a:blip>
+          <a:srcRect/>
+          <a:stretch>
+            <a:fillRect/>
+          </a:stretch>
+        </p:blipFill>
+        <p:spPr bwMode="auto">
+          <a:xfrm>
+            <a:off x="4226560" y="2992437"/>
+            <a:ext cx="3649980" cy="1539240"/>
+          </a:xfrm>
+          <a:prstGeom prst="rect">
+            <a:avLst/>
+          </a:prstGeom>
+          <a:noFill/>
+        </p:spPr>
+      </p:pic>
+      <p:sp>
+        <p:nvSpPr>
+          <p:cNvPr id="7" name="Text Box 15"/>
+          <p:cNvSpPr txBox="1"/>
+          <p:nvPr/>
+        </p:nvSpPr>
+        <p:spPr>
+          <a:xfrm>
+            <a:off x="4502150" y="4002722"/>
+            <a:ext cx="496570" cy="211455"/>
+          </a:xfrm>
+          <a:prstGeom prst="rect">
+            <a:avLst/>
+          </a:prstGeom>
+          <a:noFill/>
+          <a:ln w="6350">
+            <a:noFill/>
+          </a:ln>
+          <a:effectLst/>
+        </p:spPr>
+        <p:style>
+          <a:lnRef idx="0">
+            <a:schemeClr val="accent1"/>
+          </a:lnRef>
+          <a:fillRef idx="0">
+            <a:schemeClr val="accent1"/>
+          </a:fillRef>
+          <a:effectRef idx="0">
+            <a:schemeClr val="accent1"/>
+          </a:effectRef>
+          <a:fontRef idx="minor">
+            <a:schemeClr val="dk1"/>
+          </a:fontRef>
+        </p:style>
+        <p:txBody>
+          <a:bodyPr rot="0" spcFirstLastPara="0" vert="horz" wrap="square" lIns="0" tIns="0" rIns="0" bIns="0" numCol="1" spcCol="0" rtlCol="0" fromWordArt="0" anchor="t" anchorCtr="0" forceAA="0" compatLnSpc="1">
+            <a:prstTxWarp prst="textNoShape">
+              <a:avLst/>
+            </a:prstTxWarp>
+            <a:noAutofit/>
+          </a:bodyPr>
+          <a:lstStyle/>
+          <a:p>
+            <a:pPr>
+              <a:spcAft>
+                <a:spcPts val="0"/>
+              </a:spcAft>
+            </a:pPr>
+            <a:r>
+              <a:rPr lang="en-GB" sz="1200">
+                <a:solidFill>
+                  <a:srgbClr val="FFFFFF"/>
+                </a:solidFill>
+                <a:effectLst/>
+                <a:latin typeface="Times New Roman" panose="02020603050405020304" pitchFamily="18" charset="0"/>
+                <a:ea typeface="Calibri" panose="020F0502020204030204" pitchFamily="34" charset="0"/>
+              </a:rPr>
+              <a:t>0 , 0</a:t>
+            </a:r>
+            <a:endParaRPr lang="en-GB" sz="1200">
+              <a:effectLst/>
+              <a:latin typeface="Times New Roman" panose="02020603050405020304" pitchFamily="18" charset="0"/>
+              <a:ea typeface="Calibri" panose="020F0502020204030204" pitchFamily="34" charset="0"/>
+            </a:endParaRPr>
+          </a:p>
+        </p:txBody>
+      </p:sp>
+      <p:sp>
+        <p:nvSpPr>
+          <p:cNvPr id="8" name="Text Box 16"/>
+          <p:cNvSpPr txBox="1"/>
+          <p:nvPr/>
+        </p:nvSpPr>
+        <p:spPr>
+          <a:xfrm>
+            <a:off x="6150610" y="4214177"/>
+            <a:ext cx="496570" cy="211455"/>
+          </a:xfrm>
+          <a:prstGeom prst="rect">
+            <a:avLst/>
+          </a:prstGeom>
+          <a:noFill/>
+          <a:ln w="6350">
+            <a:noFill/>
+          </a:ln>
+          <a:effectLst/>
+        </p:spPr>
+        <p:style>
+          <a:lnRef idx="0">
+            <a:schemeClr val="accent1"/>
+          </a:lnRef>
+          <a:fillRef idx="0">
+            <a:schemeClr val="accent1"/>
+          </a:fillRef>
+          <a:effectRef idx="0">
+            <a:schemeClr val="accent1"/>
+          </a:effectRef>
+          <a:fontRef idx="minor">
+            <a:schemeClr val="dk1"/>
+          </a:fontRef>
+        </p:style>
+        <p:txBody>
+          <a:bodyPr rot="0" spcFirstLastPara="0" vert="horz" wrap="square" lIns="0" tIns="0" rIns="0" bIns="0" numCol="1" spcCol="0" rtlCol="0" fromWordArt="0" anchor="t" anchorCtr="0" forceAA="0" compatLnSpc="1">
+            <a:prstTxWarp prst="textNoShape">
+              <a:avLst/>
+            </a:prstTxWarp>
+            <a:noAutofit/>
+          </a:bodyPr>
+          <a:lstStyle/>
+          <a:p>
+            <a:pPr>
+              <a:spcAft>
+                <a:spcPts val="0"/>
+              </a:spcAft>
+            </a:pPr>
+            <a:r>
+              <a:rPr lang="en-GB" sz="1200" dirty="0" smtClean="0">
+                <a:solidFill>
+                  <a:srgbClr val="FFFFFF"/>
+                </a:solidFill>
+                <a:latin typeface="Times New Roman" panose="02020603050405020304" pitchFamily="18" charset="0"/>
+                <a:ea typeface="Calibri" panose="020F0502020204030204" pitchFamily="34" charset="0"/>
+              </a:rPr>
+              <a:t>1 , 0</a:t>
+            </a:r>
+            <a:endParaRPr lang="en-GB" sz="1200" dirty="0">
+              <a:effectLst/>
+              <a:latin typeface="Times New Roman" panose="02020603050405020304" pitchFamily="18" charset="0"/>
+              <a:ea typeface="Calibri" panose="020F0502020204030204" pitchFamily="34" charset="0"/>
+            </a:endParaRPr>
+          </a:p>
+        </p:txBody>
+      </p:sp>
+      <p:sp>
+        <p:nvSpPr>
+          <p:cNvPr id="9" name="Text Box 18"/>
+          <p:cNvSpPr txBox="1"/>
+          <p:nvPr/>
+        </p:nvSpPr>
+        <p:spPr>
+          <a:xfrm>
+            <a:off x="6036310" y="3469957"/>
+            <a:ext cx="496570" cy="211455"/>
+          </a:xfrm>
+          <a:prstGeom prst="rect">
+            <a:avLst/>
+          </a:prstGeom>
+          <a:noFill/>
+          <a:ln w="6350">
+            <a:noFill/>
+          </a:ln>
+          <a:effectLst/>
+        </p:spPr>
+        <p:style>
+          <a:lnRef idx="0">
+            <a:schemeClr val="accent1"/>
+          </a:lnRef>
+          <a:fillRef idx="0">
+            <a:schemeClr val="accent1"/>
+          </a:fillRef>
+          <a:effectRef idx="0">
+            <a:schemeClr val="accent1"/>
+          </a:effectRef>
+          <a:fontRef idx="minor">
+            <a:schemeClr val="dk1"/>
+          </a:fontRef>
+        </p:style>
+        <p:txBody>
+          <a:bodyPr rot="0" spcFirstLastPara="0" vert="horz" wrap="square" lIns="0" tIns="0" rIns="0" bIns="0" numCol="1" spcCol="0" rtlCol="0" fromWordArt="0" anchor="t" anchorCtr="0" forceAA="0" compatLnSpc="1">
+            <a:prstTxWarp prst="textNoShape">
+              <a:avLst/>
+            </a:prstTxWarp>
+            <a:noAutofit/>
+          </a:bodyPr>
+          <a:lstStyle/>
+          <a:p>
+            <a:pPr>
+              <a:spcAft>
+                <a:spcPts val="0"/>
+              </a:spcAft>
+            </a:pPr>
+            <a:r>
+              <a:rPr lang="en-GB" sz="1200">
+                <a:solidFill>
+                  <a:srgbClr val="FFFFFF"/>
+                </a:solidFill>
+                <a:effectLst/>
+                <a:latin typeface="Times New Roman" panose="02020603050405020304" pitchFamily="18" charset="0"/>
+                <a:ea typeface="Calibri" panose="020F0502020204030204" pitchFamily="34" charset="0"/>
+              </a:rPr>
+              <a:t>1 , 1</a:t>
+            </a:r>
+            <a:endParaRPr lang="en-GB" sz="1200">
+              <a:effectLst/>
+              <a:latin typeface="Times New Roman" panose="02020603050405020304" pitchFamily="18" charset="0"/>
+              <a:ea typeface="Calibri" panose="020F0502020204030204" pitchFamily="34" charset="0"/>
+            </a:endParaRPr>
+          </a:p>
+        </p:txBody>
+      </p:sp>
+      <p:sp>
+        <p:nvSpPr>
+          <p:cNvPr id="10" name="Text Box 22"/>
+          <p:cNvSpPr txBox="1"/>
+          <p:nvPr/>
+        </p:nvSpPr>
+        <p:spPr>
+          <a:xfrm>
+            <a:off x="7221220" y="4002722"/>
+            <a:ext cx="496570" cy="211455"/>
+          </a:xfrm>
+          <a:prstGeom prst="rect">
+            <a:avLst/>
+          </a:prstGeom>
+          <a:noFill/>
+          <a:ln w="6350">
+            <a:noFill/>
+          </a:ln>
+          <a:effectLst/>
+        </p:spPr>
+        <p:style>
+          <a:lnRef idx="0">
+            <a:schemeClr val="accent1"/>
+          </a:lnRef>
+          <a:fillRef idx="0">
+            <a:schemeClr val="accent1"/>
+          </a:fillRef>
+          <a:effectRef idx="0">
+            <a:schemeClr val="accent1"/>
+          </a:effectRef>
+          <a:fontRef idx="minor">
+            <a:schemeClr val="dk1"/>
+          </a:fontRef>
+        </p:style>
+        <p:txBody>
+          <a:bodyPr rot="0" spcFirstLastPara="0" vert="horz" wrap="square" lIns="0" tIns="0" rIns="0" bIns="0" numCol="1" spcCol="0" rtlCol="0" fromWordArt="0" anchor="t" anchorCtr="0" forceAA="0" compatLnSpc="1">
+            <a:prstTxWarp prst="textNoShape">
+              <a:avLst/>
+            </a:prstTxWarp>
+            <a:noAutofit/>
+          </a:bodyPr>
+          <a:lstStyle/>
+          <a:p>
+            <a:pPr>
+              <a:spcAft>
+                <a:spcPts val="0"/>
+              </a:spcAft>
+            </a:pPr>
+            <a:r>
+              <a:rPr lang="en-GB" sz="1200">
+                <a:solidFill>
+                  <a:srgbClr val="FFFFFF"/>
+                </a:solidFill>
+                <a:effectLst/>
+                <a:latin typeface="Times New Roman" panose="02020603050405020304" pitchFamily="18" charset="0"/>
+                <a:ea typeface="Calibri" panose="020F0502020204030204" pitchFamily="34" charset="0"/>
+              </a:rPr>
+              <a:t>Warp 0</a:t>
+            </a:r>
+            <a:endParaRPr lang="en-GB" sz="1200">
+              <a:effectLst/>
+              <a:latin typeface="Times New Roman" panose="02020603050405020304" pitchFamily="18" charset="0"/>
+              <a:ea typeface="Calibri" panose="020F0502020204030204" pitchFamily="34" charset="0"/>
+            </a:endParaRPr>
+          </a:p>
+        </p:txBody>
+      </p:sp>
+      <p:sp>
+        <p:nvSpPr>
+          <p:cNvPr id="11" name="Text Box 23"/>
+          <p:cNvSpPr txBox="1"/>
+          <p:nvPr/>
+        </p:nvSpPr>
+        <p:spPr>
+          <a:xfrm>
+            <a:off x="7221220" y="3398837"/>
+            <a:ext cx="496570" cy="211455"/>
+          </a:xfrm>
+          <a:prstGeom prst="rect">
+            <a:avLst/>
+          </a:prstGeom>
+          <a:noFill/>
+          <a:ln w="6350">
+            <a:noFill/>
+          </a:ln>
+          <a:effectLst/>
+        </p:spPr>
+        <p:style>
+          <a:lnRef idx="0">
+            <a:schemeClr val="accent1"/>
+          </a:lnRef>
+          <a:fillRef idx="0">
+            <a:schemeClr val="accent1"/>
+          </a:fillRef>
+          <a:effectRef idx="0">
+            <a:schemeClr val="accent1"/>
+          </a:effectRef>
+          <a:fontRef idx="minor">
+            <a:schemeClr val="dk1"/>
+          </a:fontRef>
+        </p:style>
+        <p:txBody>
+          <a:bodyPr rot="0" spcFirstLastPara="0" vert="horz" wrap="square" lIns="0" tIns="0" rIns="0" bIns="0" numCol="1" spcCol="0" rtlCol="0" fromWordArt="0" anchor="t" anchorCtr="0" forceAA="0" compatLnSpc="1">
+            <a:prstTxWarp prst="textNoShape">
+              <a:avLst/>
+            </a:prstTxWarp>
+            <a:noAutofit/>
+          </a:bodyPr>
+          <a:lstStyle/>
+          <a:p>
+            <a:pPr>
+              <a:spcAft>
+                <a:spcPts val="0"/>
+              </a:spcAft>
+            </a:pPr>
+            <a:r>
+              <a:rPr lang="en-GB" sz="1200">
+                <a:solidFill>
+                  <a:srgbClr val="FFFFFF"/>
+                </a:solidFill>
+                <a:effectLst/>
+                <a:latin typeface="Times New Roman" panose="02020603050405020304" pitchFamily="18" charset="0"/>
+                <a:ea typeface="Calibri" panose="020F0502020204030204" pitchFamily="34" charset="0"/>
+              </a:rPr>
+              <a:t>Warp 1</a:t>
+            </a:r>
+            <a:endParaRPr lang="en-GB" sz="1200">
+              <a:effectLst/>
+              <a:latin typeface="Times New Roman" panose="02020603050405020304" pitchFamily="18" charset="0"/>
+              <a:ea typeface="Calibri" panose="020F0502020204030204" pitchFamily="34" charset="0"/>
+            </a:endParaRPr>
+          </a:p>
+        </p:txBody>
+      </p:sp>
+      <p:sp>
+        <p:nvSpPr>
+          <p:cNvPr id="12" name="Text Box 24"/>
+          <p:cNvSpPr txBox="1"/>
+          <p:nvPr/>
+        </p:nvSpPr>
+        <p:spPr>
+          <a:xfrm>
+            <a:off x="4518025" y="3073082"/>
+            <a:ext cx="496570" cy="211455"/>
+          </a:xfrm>
+          <a:prstGeom prst="rect">
+            <a:avLst/>
+          </a:prstGeom>
+          <a:noFill/>
+          <a:ln w="6350">
+            <a:noFill/>
+          </a:ln>
+          <a:effectLst/>
+        </p:spPr>
+        <p:style>
+          <a:lnRef idx="0">
+            <a:schemeClr val="accent1"/>
+          </a:lnRef>
+          <a:fillRef idx="0">
+            <a:schemeClr val="accent1"/>
+          </a:fillRef>
+          <a:effectRef idx="0">
+            <a:schemeClr val="accent1"/>
+          </a:effectRef>
+          <a:fontRef idx="minor">
+            <a:schemeClr val="dk1"/>
+          </a:fontRef>
+        </p:style>
+        <p:txBody>
+          <a:bodyPr rot="0" spcFirstLastPara="0" vert="horz" wrap="square" lIns="0" tIns="0" rIns="0" bIns="0" numCol="1" spcCol="0" rtlCol="0" fromWordArt="0" anchor="t" anchorCtr="0" forceAA="0" compatLnSpc="1">
+            <a:prstTxWarp prst="textNoShape">
+              <a:avLst/>
+            </a:prstTxWarp>
+            <a:noAutofit/>
+          </a:bodyPr>
+          <a:lstStyle/>
+          <a:p>
+            <a:pPr>
+              <a:spcAft>
+                <a:spcPts val="0"/>
+              </a:spcAft>
+            </a:pPr>
+            <a:r>
+              <a:rPr lang="en-GB" sz="1200">
+                <a:solidFill>
+                  <a:srgbClr val="FFFFFF"/>
+                </a:solidFill>
+                <a:effectLst/>
+                <a:latin typeface="Times New Roman" panose="02020603050405020304" pitchFamily="18" charset="0"/>
+                <a:ea typeface="Calibri" panose="020F0502020204030204" pitchFamily="34" charset="0"/>
+              </a:rPr>
+              <a:t>Weft 0</a:t>
+            </a:r>
+            <a:endParaRPr lang="en-GB" sz="1200">
+              <a:effectLst/>
+              <a:latin typeface="Times New Roman" panose="02020603050405020304" pitchFamily="18" charset="0"/>
+              <a:ea typeface="Calibri" panose="020F0502020204030204" pitchFamily="34" charset="0"/>
+            </a:endParaRPr>
+          </a:p>
+        </p:txBody>
+      </p:sp>
+      <p:sp>
+        <p:nvSpPr>
+          <p:cNvPr id="13" name="Text Box 25"/>
+          <p:cNvSpPr txBox="1"/>
+          <p:nvPr/>
+        </p:nvSpPr>
+        <p:spPr>
+          <a:xfrm>
+            <a:off x="5797550" y="3073082"/>
+            <a:ext cx="496570" cy="211455"/>
+          </a:xfrm>
+          <a:prstGeom prst="rect">
+            <a:avLst/>
+          </a:prstGeom>
+          <a:noFill/>
+          <a:ln w="6350">
+            <a:noFill/>
+          </a:ln>
+          <a:effectLst/>
+        </p:spPr>
+        <p:style>
+          <a:lnRef idx="0">
+            <a:schemeClr val="accent1"/>
+          </a:lnRef>
+          <a:fillRef idx="0">
+            <a:schemeClr val="accent1"/>
+          </a:fillRef>
+          <a:effectRef idx="0">
+            <a:schemeClr val="accent1"/>
+          </a:effectRef>
+          <a:fontRef idx="minor">
+            <a:schemeClr val="dk1"/>
+          </a:fontRef>
+        </p:style>
+        <p:txBody>
+          <a:bodyPr rot="0" spcFirstLastPara="0" vert="horz" wrap="square" lIns="0" tIns="0" rIns="0" bIns="0" numCol="1" spcCol="0" rtlCol="0" fromWordArt="0" anchor="t" anchorCtr="0" forceAA="0" compatLnSpc="1">
+            <a:prstTxWarp prst="textNoShape">
+              <a:avLst/>
+            </a:prstTxWarp>
+            <a:noAutofit/>
+          </a:bodyPr>
+          <a:lstStyle/>
+          <a:p>
+            <a:pPr>
+              <a:spcAft>
+                <a:spcPts val="0"/>
+              </a:spcAft>
+            </a:pPr>
+            <a:r>
+              <a:rPr lang="en-GB" sz="1200">
+                <a:solidFill>
+                  <a:srgbClr val="FFFFFF"/>
+                </a:solidFill>
+                <a:effectLst/>
+                <a:latin typeface="Times New Roman" panose="02020603050405020304" pitchFamily="18" charset="0"/>
+                <a:ea typeface="Calibri" panose="020F0502020204030204" pitchFamily="34" charset="0"/>
+              </a:rPr>
+              <a:t>Weft 1</a:t>
+            </a:r>
+            <a:endParaRPr lang="en-GB" sz="1200">
+              <a:effectLst/>
+              <a:latin typeface="Times New Roman" panose="02020603050405020304" pitchFamily="18" charset="0"/>
+              <a:ea typeface="Calibri" panose="020F0502020204030204" pitchFamily="34" charset="0"/>
+            </a:endParaRPr>
+          </a:p>
+        </p:txBody>
+      </p:sp>
+      <p:sp>
+        <p:nvSpPr>
+          <p:cNvPr id="14" name="Text Box 17"/>
+          <p:cNvSpPr txBox="1"/>
+          <p:nvPr/>
+        </p:nvSpPr>
+        <p:spPr>
+          <a:xfrm>
+            <a:off x="4657657" y="3432174"/>
+            <a:ext cx="496570" cy="211455"/>
+          </a:xfrm>
+          <a:prstGeom prst="rect">
+            <a:avLst/>
+          </a:prstGeom>
+          <a:noFill/>
+          <a:ln w="6350">
+            <a:noFill/>
+          </a:ln>
+          <a:effectLst/>
+        </p:spPr>
+        <p:style>
+          <a:lnRef idx="0">
+            <a:schemeClr val="accent1"/>
+          </a:lnRef>
+          <a:fillRef idx="0">
+            <a:schemeClr val="accent1"/>
+          </a:fillRef>
+          <a:effectRef idx="0">
+            <a:schemeClr val="accent1"/>
+          </a:effectRef>
+          <a:fontRef idx="minor">
+            <a:schemeClr val="dk1"/>
+          </a:fontRef>
+        </p:style>
+        <p:txBody>
+          <a:bodyPr rot="0" spcFirstLastPara="0" vert="horz" wrap="square" lIns="0" tIns="0" rIns="0" bIns="0" numCol="1" spcCol="0" rtlCol="0" fromWordArt="0" anchor="t" anchorCtr="0" forceAA="0" compatLnSpc="1">
+            <a:prstTxWarp prst="textNoShape">
+              <a:avLst/>
+            </a:prstTxWarp>
+            <a:noAutofit/>
+          </a:bodyPr>
+          <a:lstStyle/>
+          <a:p>
+            <a:pPr>
+              <a:spcAft>
+                <a:spcPts val="0"/>
+              </a:spcAft>
+            </a:pPr>
+            <a:r>
+              <a:rPr lang="en-GB" sz="1200" dirty="0" smtClean="0">
+                <a:solidFill>
+                  <a:srgbClr val="FFFFFF"/>
+                </a:solidFill>
+                <a:latin typeface="Times New Roman" panose="02020603050405020304" pitchFamily="18" charset="0"/>
+                <a:ea typeface="Calibri" panose="020F0502020204030204" pitchFamily="34" charset="0"/>
+              </a:rPr>
+              <a:t>0 , 1</a:t>
+            </a:r>
+            <a:endParaRPr lang="en-GB" sz="1200" dirty="0">
+              <a:effectLst/>
+              <a:latin typeface="Times New Roman" panose="02020603050405020304" pitchFamily="18" charset="0"/>
+              <a:ea typeface="Calibri" panose="020F0502020204030204" pitchFamily="34" charset="0"/>
+            </a:endParaRPr>
+          </a:p>
+        </p:txBody>
+      </p:sp>
+      <p:sp>
+        <p:nvSpPr>
+          <p:cNvPr id="15" name="TextBox 14"/>
+          <p:cNvSpPr txBox="1"/>
+          <p:nvPr/>
+        </p:nvSpPr>
+        <p:spPr>
+          <a:xfrm>
+            <a:off x="342900" y="2085409"/>
+            <a:ext cx="8334375" cy="400110"/>
+          </a:xfrm>
+          <a:prstGeom prst="rect">
+            <a:avLst/>
+          </a:prstGeom>
+          <a:noFill/>
+        </p:spPr>
+        <p:txBody>
+          <a:bodyPr wrap="square" rtlCol="0">
+            <a:spAutoFit/>
+          </a:bodyPr>
+          <a:lstStyle/>
+          <a:p>
+            <a:r>
+              <a:rPr lang="en-GB" sz="2000" dirty="0" smtClean="0">
+                <a:latin typeface="+mj-lt"/>
+              </a:rPr>
+              <a:t>Whether the warp and weft are up or down is stored for each </a:t>
+            </a:r>
+            <a:r>
+              <a:rPr lang="en-GB" sz="2000" dirty="0" err="1" smtClean="0">
+                <a:latin typeface="+mj-lt"/>
+              </a:rPr>
+              <a:t>x,y</a:t>
+            </a:r>
+            <a:r>
+              <a:rPr lang="en-GB" sz="2000" dirty="0" smtClean="0">
+                <a:latin typeface="+mj-lt"/>
+              </a:rPr>
+              <a:t> position</a:t>
+            </a:r>
+            <a:endParaRPr lang="en-GB" sz="2000" dirty="0" smtClean="0">
+              <a:latin typeface="+mj-lt"/>
+            </a:endParaRPr>
+          </a:p>
+        </p:txBody>
+      </p:sp>
+      <p:sp>
+        <p:nvSpPr>
+          <p:cNvPr id="16" name="TextBox 15"/>
+          <p:cNvSpPr txBox="1"/>
+          <p:nvPr/>
+        </p:nvSpPr>
+        <p:spPr>
+          <a:xfrm>
+            <a:off x="6398895" y="4756467"/>
+            <a:ext cx="1567180" cy="400110"/>
+          </a:xfrm>
+          <a:prstGeom prst="rect">
+            <a:avLst/>
+          </a:prstGeom>
+          <a:noFill/>
+        </p:spPr>
+        <p:txBody>
+          <a:bodyPr wrap="square" rtlCol="0">
+            <a:spAutoFit/>
+          </a:bodyPr>
+          <a:lstStyle/>
+          <a:p>
+            <a:r>
+              <a:rPr lang="en-GB" sz="2000" dirty="0" smtClean="0">
+                <a:latin typeface="+mj-lt"/>
+              </a:rPr>
+              <a:t>x, y position</a:t>
+            </a:r>
+            <a:endParaRPr lang="en-GB" sz="2000" dirty="0" smtClean="0">
+              <a:latin typeface="+mj-lt"/>
+            </a:endParaRPr>
+          </a:p>
+        </p:txBody>
+      </p:sp>
+      <p:cxnSp>
+        <p:nvCxnSpPr>
+          <p:cNvPr id="18" name="Straight Arrow Connector 17"/>
+          <p:cNvCxnSpPr/>
+          <p:nvPr/>
+        </p:nvCxnSpPr>
+        <p:spPr>
+          <a:xfrm flipH="1" flipV="1">
+            <a:off x="6284595" y="4425632"/>
+            <a:ext cx="248285" cy="406400"/>
+          </a:xfrm>
+          <a:prstGeom prst="straightConnector1">
+            <a:avLst/>
+          </a:prstGeom>
+          <a:ln>
+            <a:tailEnd type="triangle"/>
+          </a:ln>
+        </p:spPr>
+        <p:style>
+          <a:lnRef idx="1">
+            <a:schemeClr val="accent1"/>
+          </a:lnRef>
+          <a:fillRef idx="0">
+            <a:schemeClr val="accent1"/>
+          </a:fillRef>
+          <a:effectRef idx="0">
+            <a:schemeClr val="accent1"/>
+          </a:effectRef>
+          <a:fontRef idx="minor">
+            <a:schemeClr val="tx1"/>
+          </a:fontRef>
+        </p:style>
+      </p:cxnSp>
+      <p:sp>
+        <p:nvSpPr>
+          <p:cNvPr id="19" name="TextBox 18"/>
+          <p:cNvSpPr txBox="1"/>
+          <p:nvPr/>
+        </p:nvSpPr>
+        <p:spPr>
+          <a:xfrm>
+            <a:off x="6398577" y="5081974"/>
+            <a:ext cx="2638425" cy="707886"/>
+          </a:xfrm>
+          <a:prstGeom prst="rect">
+            <a:avLst/>
+          </a:prstGeom>
+          <a:noFill/>
+        </p:spPr>
+        <p:txBody>
+          <a:bodyPr wrap="square" rtlCol="0">
+            <a:spAutoFit/>
+          </a:bodyPr>
+          <a:lstStyle/>
+          <a:p>
+            <a:r>
+              <a:rPr lang="en-GB" sz="2000" dirty="0" smtClean="0">
+                <a:latin typeface="+mj-lt"/>
+              </a:rPr>
+              <a:t>Values stored: 0, 1</a:t>
+            </a:r>
+          </a:p>
+          <a:p>
+            <a:r>
+              <a:rPr lang="en-GB" sz="2000" dirty="0" smtClean="0">
+                <a:latin typeface="+mj-lt"/>
+              </a:rPr>
+              <a:t>(Weft down, warp up)</a:t>
+            </a:r>
+            <a:endParaRPr lang="en-GB" sz="2000" dirty="0" smtClean="0">
+              <a:latin typeface="+mj-lt"/>
+            </a:endParaRPr>
+          </a:p>
+        </p:txBody>
+      </p:sp>
+      <p:sp>
+        <p:nvSpPr>
+          <p:cNvPr id="21" name="TextBox 20"/>
+          <p:cNvSpPr txBox="1"/>
+          <p:nvPr/>
+        </p:nvSpPr>
+        <p:spPr>
+          <a:xfrm>
+            <a:off x="234950" y="4628832"/>
+            <a:ext cx="4175125" cy="400110"/>
+          </a:xfrm>
+          <a:prstGeom prst="rect">
+            <a:avLst/>
+          </a:prstGeom>
+          <a:noFill/>
+        </p:spPr>
+        <p:txBody>
+          <a:bodyPr wrap="square" rtlCol="0">
+            <a:spAutoFit/>
+          </a:bodyPr>
+          <a:lstStyle/>
+          <a:p>
+            <a:r>
+              <a:rPr lang="en-GB" sz="2000" b="1" dirty="0" smtClean="0">
+                <a:latin typeface="Calibri" panose="020F0502020204030204" pitchFamily="34" charset="0"/>
+              </a:rPr>
+              <a:t>GUI: </a:t>
+            </a:r>
+            <a:r>
+              <a:rPr lang="en-GB" sz="2000" dirty="0" smtClean="0">
+                <a:latin typeface="Calibri" panose="020F0502020204030204" pitchFamily="34" charset="0"/>
+              </a:rPr>
+              <a:t>Set using Weave Pattern dialog</a:t>
+            </a:r>
+            <a:endParaRPr lang="en-GB" sz="2000" b="1" dirty="0" smtClean="0">
+              <a:latin typeface="Calibri" panose="020F0502020204030204" pitchFamily="34" charset="0"/>
+            </a:endParaRPr>
+          </a:p>
+        </p:txBody>
+      </p:sp>
+      <p:sp>
+        <p:nvSpPr>
+          <p:cNvPr id="22" name="TextBox 21"/>
+          <p:cNvSpPr txBox="1"/>
+          <p:nvPr/>
+        </p:nvSpPr>
+        <p:spPr>
+          <a:xfrm>
+            <a:off x="234950" y="4925744"/>
+            <a:ext cx="1743075" cy="400110"/>
+          </a:xfrm>
+          <a:prstGeom prst="rect">
+            <a:avLst/>
+          </a:prstGeom>
+          <a:noFill/>
+        </p:spPr>
+        <p:txBody>
+          <a:bodyPr wrap="square" rtlCol="0">
+            <a:spAutoFit/>
+          </a:bodyPr>
+          <a:lstStyle/>
+          <a:p>
+            <a:r>
+              <a:rPr lang="en-GB" sz="2000" b="1" dirty="0" smtClean="0">
+                <a:latin typeface="Calibri" panose="020F0502020204030204" pitchFamily="34" charset="0"/>
+              </a:rPr>
+              <a:t>Python:</a:t>
+            </a:r>
+          </a:p>
+        </p:txBody>
+      </p:sp>
+      <p:sp>
+        <p:nvSpPr>
+          <p:cNvPr id="23" name="TextBox 22"/>
+          <p:cNvSpPr txBox="1"/>
+          <p:nvPr/>
+        </p:nvSpPr>
+        <p:spPr>
+          <a:xfrm>
+            <a:off x="234950" y="5299600"/>
+            <a:ext cx="5013325" cy="1200329"/>
+          </a:xfrm>
+          <a:prstGeom prst="rect">
+            <a:avLst/>
+          </a:prstGeom>
+          <a:solidFill>
+            <a:schemeClr val="bg1">
+              <a:lumMod val="85000"/>
+            </a:schemeClr>
+          </a:solidFill>
+        </p:spPr>
+        <p:txBody>
+          <a:bodyPr wrap="square" rtlCol="0">
+            <a:spAutoFit/>
+          </a:bodyPr>
+          <a:lstStyle/>
+          <a:p>
+            <a:r>
+              <a:rPr lang="en-GB" dirty="0">
+                <a:latin typeface="Courier New" panose="02070309020205020404" pitchFamily="49" charset="0"/>
+                <a:cs typeface="Courier New" panose="02070309020205020404" pitchFamily="49" charset="0"/>
+              </a:rPr>
+              <a:t>weave = CTextileWeave2D( </a:t>
+            </a:r>
+            <a:r>
+              <a:rPr lang="en-GB" dirty="0" err="1" smtClean="0">
+                <a:latin typeface="Courier New" panose="02070309020205020404" pitchFamily="49" charset="0"/>
+                <a:cs typeface="Courier New" panose="02070309020205020404" pitchFamily="49" charset="0"/>
+              </a:rPr>
+              <a:t>numWefts</a:t>
+            </a:r>
+            <a:r>
+              <a:rPr lang="en-GB" dirty="0" smtClean="0">
+                <a:latin typeface="Courier New" panose="02070309020205020404" pitchFamily="49" charset="0"/>
+                <a:cs typeface="Courier New" panose="02070309020205020404" pitchFamily="49" charset="0"/>
+              </a:rPr>
+              <a:t>,… </a:t>
+            </a:r>
+            <a:r>
+              <a:rPr lang="en-GB" dirty="0" err="1" smtClean="0">
+                <a:latin typeface="Courier New" panose="02070309020205020404" pitchFamily="49" charset="0"/>
+                <a:cs typeface="Courier New" panose="02070309020205020404" pitchFamily="49" charset="0"/>
+              </a:rPr>
+              <a:t>numWarps,spacing</a:t>
+            </a:r>
+            <a:r>
+              <a:rPr lang="en-GB" dirty="0" smtClean="0">
+                <a:latin typeface="Courier New" panose="02070309020205020404" pitchFamily="49" charset="0"/>
+                <a:cs typeface="Courier New" panose="02070309020205020404" pitchFamily="49" charset="0"/>
+              </a:rPr>
+              <a:t>, thickness )</a:t>
+            </a:r>
+          </a:p>
+          <a:p>
+            <a:r>
+              <a:rPr lang="en-GB" dirty="0" err="1">
+                <a:latin typeface="Courier New" panose="02070309020205020404" pitchFamily="49" charset="0"/>
+                <a:cs typeface="Courier New" panose="02070309020205020404" pitchFamily="49" charset="0"/>
+              </a:rPr>
+              <a:t>weave.SwapPosition</a:t>
+            </a:r>
+            <a:r>
+              <a:rPr lang="en-GB" dirty="0">
+                <a:latin typeface="Courier New" panose="02070309020205020404" pitchFamily="49" charset="0"/>
+                <a:cs typeface="Courier New" panose="02070309020205020404" pitchFamily="49" charset="0"/>
+              </a:rPr>
+              <a:t>(0, 0)</a:t>
+            </a:r>
+          </a:p>
+          <a:p>
+            <a:r>
+              <a:rPr lang="en-GB" dirty="0" err="1">
+                <a:latin typeface="Courier New" panose="02070309020205020404" pitchFamily="49" charset="0"/>
+                <a:cs typeface="Courier New" panose="02070309020205020404" pitchFamily="49" charset="0"/>
+              </a:rPr>
+              <a:t>weave.SwapPosition</a:t>
+            </a:r>
+            <a:r>
+              <a:rPr lang="en-GB" dirty="0">
+                <a:latin typeface="Courier New" panose="02070309020205020404" pitchFamily="49" charset="0"/>
+                <a:cs typeface="Courier New" panose="02070309020205020404" pitchFamily="49" charset="0"/>
+              </a:rPr>
+              <a:t>(1, 1</a:t>
+            </a:r>
+            <a:r>
+              <a:rPr lang="en-GB" dirty="0" smtClean="0">
+                <a:latin typeface="Courier New" panose="02070309020205020404" pitchFamily="49" charset="0"/>
+                <a:cs typeface="Courier New" panose="02070309020205020404" pitchFamily="49" charset="0"/>
+              </a:rPr>
+              <a:t>)</a:t>
+            </a:r>
+            <a:endParaRPr lang="en-GB" dirty="0">
+              <a:latin typeface="Courier New" panose="02070309020205020404" pitchFamily="49" charset="0"/>
+              <a:cs typeface="Courier New" panose="02070309020205020404" pitchFamily="49" charset="0"/>
+            </a:endParaRPr>
+          </a:p>
+        </p:txBody>
+      </p:sp>
+    </p:spTree>
+    <p:extLst>
+      <p:ext uri="{BB962C8B-B14F-4D97-AF65-F5344CB8AC3E}">
+        <p14:creationId xmlns:p14="http://schemas.microsoft.com/office/powerpoint/2010/main" val="1444254164"/>
+      </p:ext>
+    </p:extLst>
+  </p:cSld>
+  <p:clrMapOvr>
+    <a:masterClrMapping/>
+  </p:clrMapOvr>
+  <mc:AlternateContent xmlns:mc="http://schemas.openxmlformats.org/markup-compatibility/2006" xmlns:p14="http://schemas.microsoft.com/office/powerpoint/2010/main">
+    <mc:Choice Requires="p14">
+      <p:transition spd="med" p14:dur="700">
+        <p:fade/>
+      </p:transition>
+    </mc:Choice>
+    <mc:Fallback xmlns="">
+      <p:transition spd="med">
+        <p:fade/>
+      </p:transition>
+    </mc:Fallback>
+  </mc:AlternateContent>
+  <p:timing>
+    <p:tnLst>
+      <p:par>
+        <p:cTn id="1" dur="indefinite" restart="never" nodeType="tmRoot"/>
+      </p:par>
+    </p:tnLst>
+  </p:timing>
+</p:sld>
+</file>
+
+<file path=ppt/slides/slide16.xml><?xml version="1.0" encoding="utf-8"?>
+<p:sld xmlns:a="http://schemas.openxmlformats.org/drawingml/2006/main" xmlns:r="http://schemas.openxmlformats.org/officeDocument/2006/relationships" xmlns:p="http://schemas.openxmlformats.org/presentationml/2006/main">
+  <p:cSld>
+    <p:spTree>
+      <p:nvGrpSpPr>
+        <p:cNvPr id="1" name=""/>
+        <p:cNvGrpSpPr/>
+        <p:nvPr/>
+      </p:nvGrpSpPr>
+      <p:grpSpPr>
+        <a:xfrm>
+          <a:off x="0" y="0"/>
+          <a:ext cx="0" cy="0"/>
+          <a:chOff x="0" y="0"/>
+          <a:chExt cx="0" cy="0"/>
+        </a:xfrm>
+      </p:grpSpPr>
+      <p:sp>
+        <p:nvSpPr>
+          <p:cNvPr id="2" name="Title 1"/>
+          <p:cNvSpPr>
+            <a:spLocks noGrp="1"/>
+          </p:cNvSpPr>
+          <p:nvPr>
+            <p:ph type="title"/>
+          </p:nvPr>
+        </p:nvSpPr>
+        <p:spPr/>
+        <p:txBody>
+          <a:bodyPr/>
+          <a:lstStyle/>
+          <a:p>
+            <a:r>
+              <a:rPr lang="en-GB" dirty="0" smtClean="0"/>
+              <a:t>ABAQUS Voxel Export</a:t>
+            </a:r>
+            <a:endParaRPr lang="en-GB" dirty="0"/>
+          </a:p>
+        </p:txBody>
+      </p:sp>
+      <p:pic>
+        <p:nvPicPr>
+          <p:cNvPr id="4" name="Picture 3" descr="Voxels.png"/>
+          <p:cNvPicPr>
+            <a:picLocks noChangeAspect="1"/>
+          </p:cNvPicPr>
+          <p:nvPr/>
+        </p:nvPicPr>
+        <p:blipFill>
+          <a:blip r:embed="rId2" cstate="print"/>
+          <a:stretch>
+            <a:fillRect/>
+          </a:stretch>
+        </p:blipFill>
+        <p:spPr>
+          <a:xfrm>
+            <a:off x="3054320" y="3823897"/>
+            <a:ext cx="1512168" cy="1049526"/>
+          </a:xfrm>
+          <a:prstGeom prst="rect">
+            <a:avLst/>
+          </a:prstGeom>
+        </p:spPr>
+      </p:pic>
+      <p:sp>
+        <p:nvSpPr>
+          <p:cNvPr id="6" name="TextBox 5"/>
+          <p:cNvSpPr txBox="1"/>
+          <p:nvPr/>
+        </p:nvSpPr>
+        <p:spPr>
+          <a:xfrm>
+            <a:off x="331972" y="1105008"/>
+            <a:ext cx="7721327" cy="1938992"/>
+          </a:xfrm>
+          <a:prstGeom prst="rect">
+            <a:avLst/>
+          </a:prstGeom>
+          <a:noFill/>
+        </p:spPr>
+        <p:txBody>
+          <a:bodyPr wrap="square" rtlCol="0">
+            <a:spAutoFit/>
+          </a:bodyPr>
+          <a:lstStyle/>
+          <a:p>
+            <a:r>
+              <a:rPr lang="en-GB" sz="2000" b="1" dirty="0">
+                <a:latin typeface="Calibri" panose="020F0502020204030204" pitchFamily="34" charset="0"/>
+              </a:rPr>
+              <a:t>GUI: </a:t>
+            </a:r>
+            <a:r>
+              <a:rPr lang="en-GB" sz="2000" dirty="0" smtClean="0">
+                <a:latin typeface="Calibri" panose="020F0502020204030204" pitchFamily="34" charset="0"/>
+              </a:rPr>
+              <a:t>Select </a:t>
+            </a:r>
+            <a:r>
+              <a:rPr lang="en-GB" sz="2000" i="1" dirty="0" smtClean="0">
+                <a:latin typeface="Calibri" panose="020F0502020204030204" pitchFamily="34" charset="0"/>
+              </a:rPr>
+              <a:t>File -&gt; Export -&gt; ABAQUS File -&gt; ABAQUS Voxel File</a:t>
+            </a:r>
+            <a:endParaRPr lang="en-GB" sz="2000" dirty="0" smtClean="0">
+              <a:latin typeface="Calibri" panose="020F0502020204030204" pitchFamily="34" charset="0"/>
+            </a:endParaRPr>
+          </a:p>
+          <a:p>
+            <a:pPr marL="285750" indent="-285750">
+              <a:buFont typeface="Arial" panose="020B0604020202020204" pitchFamily="34" charset="0"/>
+              <a:buChar char="•"/>
+            </a:pPr>
+            <a:r>
+              <a:rPr lang="en-GB" sz="2000" dirty="0" smtClean="0">
+                <a:latin typeface="Calibri" panose="020F0502020204030204" pitchFamily="34" charset="0"/>
+              </a:rPr>
+              <a:t>Hex elements</a:t>
+            </a:r>
+          </a:p>
+          <a:p>
+            <a:pPr marL="285750" indent="-285750">
+              <a:buFont typeface="Arial" panose="020B0604020202020204" pitchFamily="34" charset="0"/>
+              <a:buChar char="•"/>
+            </a:pPr>
+            <a:r>
+              <a:rPr lang="en-GB" sz="2000" dirty="0" smtClean="0">
+                <a:latin typeface="Calibri" panose="020F0502020204030204" pitchFamily="34" charset="0"/>
+              </a:rPr>
+              <a:t>Periodic boundary conditions and steps for extraction of material properties</a:t>
+            </a:r>
+          </a:p>
+          <a:p>
+            <a:pPr marL="285750" indent="-285750">
+              <a:buFont typeface="Arial" panose="020B0604020202020204" pitchFamily="34" charset="0"/>
+              <a:buChar char="•"/>
+            </a:pPr>
+            <a:r>
+              <a:rPr lang="en-GB" sz="2000" dirty="0">
+                <a:latin typeface="Calibri" panose="020F0502020204030204" pitchFamily="34" charset="0"/>
+              </a:rPr>
+              <a:t>http://texgen.sourceforge.net/index.php/Extraction_of_Material_Properties_using_Voxel_Meshing_and_Abaqus</a:t>
+            </a:r>
+            <a:endParaRPr lang="en-GB" sz="2000" dirty="0">
+              <a:latin typeface="Calibri" panose="020F0502020204030204" pitchFamily="34" charset="0"/>
+            </a:endParaRPr>
+          </a:p>
+        </p:txBody>
+      </p:sp>
+      <p:pic>
+        <p:nvPicPr>
+          <p:cNvPr id="8" name="Picture 7" descr="VoxelYarns.png"/>
+          <p:cNvPicPr>
+            <a:picLocks noChangeAspect="1"/>
+          </p:cNvPicPr>
+          <p:nvPr/>
+        </p:nvPicPr>
+        <p:blipFill>
+          <a:blip r:embed="rId3" cstate="print"/>
+          <a:stretch>
+            <a:fillRect/>
+          </a:stretch>
+        </p:blipFill>
+        <p:spPr>
+          <a:xfrm>
+            <a:off x="4754880" y="3266922"/>
+            <a:ext cx="4098735" cy="2163475"/>
+          </a:xfrm>
+          <a:prstGeom prst="rect">
+            <a:avLst/>
+          </a:prstGeom>
+        </p:spPr>
+      </p:pic>
+      <p:pic>
+        <p:nvPicPr>
+          <p:cNvPr id="10" name="Picture 9"/>
+          <p:cNvPicPr>
+            <a:picLocks noChangeAspect="1"/>
+          </p:cNvPicPr>
+          <p:nvPr/>
+        </p:nvPicPr>
+        <p:blipFill>
+          <a:blip r:embed="rId4">
+            <a:extLst>
+              <a:ext uri="{28A0092B-C50C-407E-A947-70E740481C1C}">
+                <a14:useLocalDpi xmlns:a14="http://schemas.microsoft.com/office/drawing/2010/main" val="0"/>
+              </a:ext>
+            </a:extLst>
+          </a:blip>
+          <a:stretch>
+            <a:fillRect/>
+          </a:stretch>
+        </p:blipFill>
+        <p:spPr>
+          <a:xfrm>
+            <a:off x="627248" y="3214167"/>
+            <a:ext cx="2001663" cy="2268986"/>
+          </a:xfrm>
+          <a:prstGeom prst="rect">
+            <a:avLst/>
+          </a:prstGeom>
+        </p:spPr>
+      </p:pic>
+      <p:sp>
+        <p:nvSpPr>
+          <p:cNvPr id="12" name="TextBox 11"/>
+          <p:cNvSpPr txBox="1"/>
+          <p:nvPr/>
+        </p:nvSpPr>
+        <p:spPr>
+          <a:xfrm>
+            <a:off x="331972" y="5653320"/>
+            <a:ext cx="7716652" cy="646331"/>
+          </a:xfrm>
+          <a:prstGeom prst="rect">
+            <a:avLst/>
+          </a:prstGeom>
+          <a:noFill/>
+        </p:spPr>
+        <p:txBody>
+          <a:bodyPr wrap="square" rtlCol="0">
+            <a:spAutoFit/>
+          </a:bodyPr>
+          <a:lstStyle/>
+          <a:p>
+            <a:r>
+              <a:rPr lang="en-GB" dirty="0">
+                <a:latin typeface="Calibri" panose="020F0502020204030204" pitchFamily="34" charset="0"/>
+              </a:rPr>
+              <a:t>All ABAQUS exports include additional .</a:t>
+            </a:r>
+            <a:r>
+              <a:rPr lang="en-GB" dirty="0" err="1">
+                <a:latin typeface="Calibri" panose="020F0502020204030204" pitchFamily="34" charset="0"/>
+              </a:rPr>
+              <a:t>ori</a:t>
+            </a:r>
+            <a:r>
+              <a:rPr lang="en-GB" dirty="0">
+                <a:latin typeface="Calibri" panose="020F0502020204030204" pitchFamily="34" charset="0"/>
+              </a:rPr>
+              <a:t> and .</a:t>
+            </a:r>
+            <a:r>
+              <a:rPr lang="en-GB" dirty="0" err="1">
+                <a:latin typeface="Calibri" panose="020F0502020204030204" pitchFamily="34" charset="0"/>
+              </a:rPr>
+              <a:t>eld</a:t>
+            </a:r>
+            <a:r>
+              <a:rPr lang="en-GB" dirty="0">
+                <a:latin typeface="Calibri" panose="020F0502020204030204" pitchFamily="34" charset="0"/>
+              </a:rPr>
+              <a:t> files containing element orientation, fibre volume fraction and yarn information</a:t>
+            </a:r>
+            <a:r>
+              <a:rPr lang="en-GB" dirty="0" smtClean="0">
+                <a:latin typeface="Calibri" panose="020F0502020204030204" pitchFamily="34" charset="0"/>
+              </a:rPr>
+              <a:t>.</a:t>
+            </a:r>
+            <a:endParaRPr lang="en-GB" dirty="0">
+              <a:latin typeface="Calibri" panose="020F0502020204030204" pitchFamily="34" charset="0"/>
+            </a:endParaRPr>
+          </a:p>
+        </p:txBody>
+      </p:sp>
+    </p:spTree>
+    <p:extLst>
+      <p:ext uri="{BB962C8B-B14F-4D97-AF65-F5344CB8AC3E}">
+        <p14:creationId xmlns:p14="http://schemas.microsoft.com/office/powerpoint/2010/main" val="3853005456"/>
+      </p:ext>
+    </p:extLst>
+  </p:cSld>
+  <p:clrMapOvr>
+    <a:masterClrMapping/>
+  </p:clrMapOvr>
+  <mc:AlternateContent xmlns:mc="http://schemas.openxmlformats.org/markup-compatibility/2006" xmlns:p14="http://schemas.microsoft.com/office/powerpoint/2010/main">
+    <mc:Choice Requires="p14">
+      <p:transition spd="med" p14:dur="700">
+        <p:fade/>
+      </p:transition>
+    </mc:Choice>
+    <mc:Fallback xmlns="">
+      <p:transition spd="med">
+        <p:fade/>
+      </p:transition>
+    </mc:Fallback>
+  </mc:AlternateContent>
+  <p:timing>
+    <p:tnLst>
+      <p:par>
+        <p:cTn id="1" dur="indefinite" restart="never" nodeType="tmRoot"/>
+      </p:par>
+    </p:tnLst>
+  </p:timing>
+</p:sld>
+</file>
+
+<file path=ppt/slides/slide17.xml><?xml version="1.0" encoding="utf-8"?>
+<p:sld xmlns:a="http://schemas.openxmlformats.org/drawingml/2006/main" xmlns:r="http://schemas.openxmlformats.org/officeDocument/2006/relationships" xmlns:p="http://schemas.openxmlformats.org/presentationml/2006/main">
+  <p:cSld>
+    <p:spTree>
+      <p:nvGrpSpPr>
+        <p:cNvPr id="1" name=""/>
+        <p:cNvGrpSpPr/>
+        <p:nvPr/>
+      </p:nvGrpSpPr>
+      <p:grpSpPr>
+        <a:xfrm>
+          <a:off x="0" y="0"/>
+          <a:ext cx="0" cy="0"/>
+          <a:chOff x="0" y="0"/>
+          <a:chExt cx="0" cy="0"/>
+        </a:xfrm>
+      </p:grpSpPr>
+      <p:sp>
+        <p:nvSpPr>
+          <p:cNvPr id="2" name="Title 1"/>
+          <p:cNvSpPr>
+            <a:spLocks noGrp="1"/>
+          </p:cNvSpPr>
+          <p:nvPr>
+            <p:ph type="title"/>
+          </p:nvPr>
+        </p:nvSpPr>
+        <p:spPr/>
+        <p:txBody>
+          <a:bodyPr/>
+          <a:lstStyle/>
+          <a:p>
+            <a:r>
+              <a:rPr lang="en-GB" dirty="0" smtClean="0"/>
+              <a:t>ABAQUS Dry Fibre Export</a:t>
+            </a:r>
+            <a:endParaRPr lang="en-GB" dirty="0"/>
+          </a:p>
+        </p:txBody>
+      </p:sp>
+      <p:sp>
+        <p:nvSpPr>
+          <p:cNvPr id="3" name="TextBox 2"/>
+          <p:cNvSpPr txBox="1"/>
+          <p:nvPr/>
+        </p:nvSpPr>
+        <p:spPr>
+          <a:xfrm>
+            <a:off x="679722" y="1235077"/>
+            <a:ext cx="8121377" cy="1323439"/>
+          </a:xfrm>
+          <a:prstGeom prst="rect">
+            <a:avLst/>
+          </a:prstGeom>
+          <a:noFill/>
+        </p:spPr>
+        <p:txBody>
+          <a:bodyPr wrap="square" rtlCol="0">
+            <a:spAutoFit/>
+          </a:bodyPr>
+          <a:lstStyle/>
+          <a:p>
+            <a:r>
+              <a:rPr lang="en-GB" sz="2000" b="1" dirty="0">
+                <a:latin typeface="Calibri" panose="020F0502020204030204" pitchFamily="34" charset="0"/>
+              </a:rPr>
+              <a:t>GUI: </a:t>
+            </a:r>
+            <a:r>
+              <a:rPr lang="en-GB" sz="2000" dirty="0">
+                <a:latin typeface="Calibri" panose="020F0502020204030204" pitchFamily="34" charset="0"/>
+              </a:rPr>
+              <a:t>Select </a:t>
+            </a:r>
+            <a:r>
+              <a:rPr lang="en-GB" sz="2000" i="1" dirty="0">
+                <a:latin typeface="Calibri" panose="020F0502020204030204" pitchFamily="34" charset="0"/>
+              </a:rPr>
+              <a:t>File -&gt; Export -&gt; ABAQUS File -&gt; ABAQUS </a:t>
+            </a:r>
+            <a:r>
+              <a:rPr lang="en-GB" sz="2000" i="1" dirty="0" smtClean="0">
+                <a:latin typeface="Calibri" panose="020F0502020204030204" pitchFamily="34" charset="0"/>
+              </a:rPr>
+              <a:t>Dry </a:t>
+            </a:r>
+            <a:r>
+              <a:rPr lang="en-GB" sz="2000" i="1" dirty="0" err="1" smtClean="0">
+                <a:latin typeface="Calibri" panose="020F0502020204030204" pitchFamily="34" charset="0"/>
+              </a:rPr>
+              <a:t>FibreFile</a:t>
+            </a:r>
+            <a:endParaRPr lang="en-GB" sz="2000" dirty="0" smtClean="0">
+              <a:latin typeface="Calibri" panose="020F0502020204030204" pitchFamily="34" charset="0"/>
+            </a:endParaRPr>
+          </a:p>
+          <a:p>
+            <a:pPr marL="285750" indent="-285750">
+              <a:buFont typeface="Arial" panose="020B0604020202020204" pitchFamily="34" charset="0"/>
+              <a:buChar char="•"/>
+            </a:pPr>
+            <a:r>
+              <a:rPr lang="en-GB" sz="2000" dirty="0" smtClean="0">
+                <a:latin typeface="Calibri" panose="020F0502020204030204" pitchFamily="34" charset="0"/>
+              </a:rPr>
+              <a:t>Conformal mesh using hex and wedge elements</a:t>
+            </a:r>
+          </a:p>
+          <a:p>
+            <a:pPr marL="285750" indent="-285750">
+              <a:buFont typeface="Arial" panose="020B0604020202020204" pitchFamily="34" charset="0"/>
+              <a:buChar char="•"/>
+            </a:pPr>
+            <a:r>
+              <a:rPr lang="en-GB" sz="2000" dirty="0" smtClean="0">
+                <a:latin typeface="Calibri" panose="020F0502020204030204" pitchFamily="34" charset="0"/>
+              </a:rPr>
+              <a:t>Uses weave pattern information to generate contact surfaces</a:t>
+            </a:r>
+          </a:p>
+          <a:p>
+            <a:pPr marL="285750" indent="-285750">
+              <a:buFont typeface="Arial" panose="020B0604020202020204" pitchFamily="34" charset="0"/>
+              <a:buChar char="•"/>
+            </a:pPr>
+            <a:r>
+              <a:rPr lang="en-GB" sz="2000" dirty="0" smtClean="0">
+                <a:latin typeface="Calibri" panose="020F0502020204030204" pitchFamily="34" charset="0"/>
+              </a:rPr>
+              <a:t>Correction for small intersections</a:t>
+            </a:r>
+            <a:endParaRPr lang="en-GB" sz="2000" dirty="0">
+              <a:latin typeface="Calibri" panose="020F0502020204030204" pitchFamily="34" charset="0"/>
+            </a:endParaRPr>
+          </a:p>
+        </p:txBody>
+      </p:sp>
+      <p:pic>
+        <p:nvPicPr>
+          <p:cNvPr id="4" name="Picture 3" descr="DryFibre.png"/>
+          <p:cNvPicPr>
+            <a:picLocks noChangeAspect="1"/>
+          </p:cNvPicPr>
+          <p:nvPr/>
+        </p:nvPicPr>
+        <p:blipFill>
+          <a:blip r:embed="rId2" cstate="print"/>
+          <a:stretch>
+            <a:fillRect/>
+          </a:stretch>
+        </p:blipFill>
+        <p:spPr>
+          <a:xfrm>
+            <a:off x="3882108" y="2927816"/>
+            <a:ext cx="4320480" cy="2373010"/>
+          </a:xfrm>
+          <a:prstGeom prst="rect">
+            <a:avLst/>
+          </a:prstGeom>
+        </p:spPr>
+      </p:pic>
+      <p:pic>
+        <p:nvPicPr>
+          <p:cNvPr id="5" name="Picture 4"/>
+          <p:cNvPicPr>
+            <a:picLocks noChangeAspect="1"/>
+          </p:cNvPicPr>
+          <p:nvPr/>
+        </p:nvPicPr>
+        <p:blipFill>
+          <a:blip r:embed="rId3">
+            <a:extLst>
+              <a:ext uri="{28A0092B-C50C-407E-A947-70E740481C1C}">
+                <a14:useLocalDpi xmlns:a14="http://schemas.microsoft.com/office/drawing/2010/main" val="0"/>
+              </a:ext>
+            </a:extLst>
+          </a:blip>
+          <a:stretch>
+            <a:fillRect/>
+          </a:stretch>
+        </p:blipFill>
+        <p:spPr>
+          <a:xfrm>
+            <a:off x="1214250" y="3236288"/>
+            <a:ext cx="2206949" cy="1756067"/>
+          </a:xfrm>
+          <a:prstGeom prst="rect">
+            <a:avLst/>
+          </a:prstGeom>
+        </p:spPr>
+      </p:pic>
+    </p:spTree>
+    <p:extLst>
+      <p:ext uri="{BB962C8B-B14F-4D97-AF65-F5344CB8AC3E}">
+        <p14:creationId xmlns:p14="http://schemas.microsoft.com/office/powerpoint/2010/main" val="1637510433"/>
+      </p:ext>
+    </p:extLst>
+  </p:cSld>
+  <p:clrMapOvr>
+    <a:masterClrMapping/>
+  </p:clrMapOvr>
+  <mc:AlternateContent xmlns:mc="http://schemas.openxmlformats.org/markup-compatibility/2006" xmlns:p14="http://schemas.microsoft.com/office/powerpoint/2010/main">
+    <mc:Choice Requires="p14">
+      <p:transition spd="med" p14:dur="700">
+        <p:fade/>
+      </p:transition>
+    </mc:Choice>
+    <mc:Fallback xmlns="">
+      <p:transition spd="med">
+        <p:fade/>
+      </p:transition>
+    </mc:Fallback>
+  </mc:AlternateContent>
+  <p:timing>
+    <p:tnLst>
+      <p:par>
+        <p:cTn id="1" dur="indefinite" restart="never" nodeType="tmRoot"/>
+      </p:par>
+    </p:tnLst>
+  </p:timing>
+</p:sld>
+</file>
+
+<file path=ppt/slides/slide18.xml><?xml version="1.0" encoding="utf-8"?>
+<p:sld xmlns:a="http://schemas.openxmlformats.org/drawingml/2006/main" xmlns:r="http://schemas.openxmlformats.org/officeDocument/2006/relationships" xmlns:p="http://schemas.openxmlformats.org/presentationml/2006/main">
+  <p:cSld>
+    <p:spTree>
+      <p:nvGrpSpPr>
+        <p:cNvPr id="1" name=""/>
+        <p:cNvGrpSpPr/>
+        <p:nvPr/>
+      </p:nvGrpSpPr>
+      <p:grpSpPr>
+        <a:xfrm>
+          <a:off x="0" y="0"/>
+          <a:ext cx="0" cy="0"/>
+          <a:chOff x="0" y="0"/>
+          <a:chExt cx="0" cy="0"/>
+        </a:xfrm>
+      </p:grpSpPr>
+      <p:sp>
+        <p:nvSpPr>
+          <p:cNvPr id="2" name="Title 1"/>
+          <p:cNvSpPr>
+            <a:spLocks noGrp="1"/>
+          </p:cNvSpPr>
+          <p:nvPr>
+            <p:ph type="title"/>
+          </p:nvPr>
+        </p:nvSpPr>
+        <p:spPr/>
+        <p:txBody>
+          <a:bodyPr/>
+          <a:lstStyle/>
+          <a:p>
+            <a:r>
+              <a:rPr lang="en-GB" dirty="0" smtClean="0"/>
+              <a:t>Conformal Mesh</a:t>
+            </a:r>
+            <a:endParaRPr lang="en-GB" dirty="0"/>
+          </a:p>
+        </p:txBody>
+      </p:sp>
+      <p:pic>
+        <p:nvPicPr>
+          <p:cNvPr id="3" name="Shape 138"/>
+          <p:cNvPicPr preferRelativeResize="0"/>
+          <p:nvPr/>
+        </p:nvPicPr>
+        <p:blipFill rotWithShape="1">
+          <a:blip r:embed="rId2">
+            <a:alphaModFix/>
+          </a:blip>
+          <a:srcRect/>
+          <a:stretch/>
+        </p:blipFill>
+        <p:spPr>
+          <a:xfrm>
+            <a:off x="6409134" y="850021"/>
+            <a:ext cx="2163366" cy="3160006"/>
+          </a:xfrm>
+          <a:prstGeom prst="rect">
+            <a:avLst/>
+          </a:prstGeom>
+          <a:noFill/>
+          <a:ln>
+            <a:noFill/>
+          </a:ln>
+        </p:spPr>
+      </p:pic>
+      <p:sp>
+        <p:nvSpPr>
+          <p:cNvPr id="4" name="Rectangle 3"/>
+          <p:cNvSpPr/>
+          <p:nvPr/>
+        </p:nvSpPr>
+        <p:spPr>
+          <a:xfrm>
+            <a:off x="342900" y="921919"/>
+            <a:ext cx="4514693" cy="1508105"/>
+          </a:xfrm>
+          <a:prstGeom prst="rect">
+            <a:avLst/>
+          </a:prstGeom>
+        </p:spPr>
+        <p:txBody>
+          <a:bodyPr wrap="square">
+            <a:spAutoFit/>
+          </a:bodyPr>
+          <a:lstStyle/>
+          <a:p>
+            <a:r>
+              <a:rPr lang="en-GB" sz="2000" b="1" dirty="0" smtClean="0">
+                <a:latin typeface="Calibri" panose="020F0502020204030204" pitchFamily="34" charset="0"/>
+              </a:rPr>
+              <a:t>Volume Mesh</a:t>
+            </a:r>
+          </a:p>
+          <a:p>
+            <a:r>
+              <a:rPr lang="en-GB" b="1" dirty="0" smtClean="0">
+                <a:latin typeface="Calibri" panose="020F0502020204030204" pitchFamily="34" charset="0"/>
+              </a:rPr>
+              <a:t>GUI</a:t>
+            </a:r>
+            <a:r>
+              <a:rPr lang="en-GB" b="1" dirty="0">
+                <a:latin typeface="Calibri" panose="020F0502020204030204" pitchFamily="34" charset="0"/>
+              </a:rPr>
+              <a:t>: </a:t>
+            </a:r>
+            <a:r>
+              <a:rPr lang="en-GB" dirty="0">
+                <a:latin typeface="Calibri" panose="020F0502020204030204" pitchFamily="34" charset="0"/>
+              </a:rPr>
+              <a:t>Select </a:t>
+            </a:r>
+            <a:r>
+              <a:rPr lang="en-GB" i="1" dirty="0">
+                <a:latin typeface="Calibri" panose="020F0502020204030204" pitchFamily="34" charset="0"/>
+              </a:rPr>
+              <a:t>File -&gt; Export -&gt; </a:t>
+            </a:r>
+            <a:r>
+              <a:rPr lang="en-GB" i="1" dirty="0" smtClean="0">
+                <a:latin typeface="Calibri" panose="020F0502020204030204" pitchFamily="34" charset="0"/>
+              </a:rPr>
+              <a:t>Volume Mesh</a:t>
+            </a:r>
+            <a:endParaRPr lang="en-GB" dirty="0">
+              <a:latin typeface="Calibri" panose="020F0502020204030204" pitchFamily="34" charset="0"/>
+            </a:endParaRPr>
+          </a:p>
+          <a:p>
+            <a:pPr marL="285750" indent="-285750">
+              <a:buFont typeface="Arial" panose="020B0604020202020204" pitchFamily="34" charset="0"/>
+              <a:buChar char="•"/>
+            </a:pPr>
+            <a:r>
+              <a:rPr lang="en-GB" dirty="0">
+                <a:latin typeface="Calibri" panose="020F0502020204030204" pitchFamily="34" charset="0"/>
+              </a:rPr>
+              <a:t>T</a:t>
+            </a:r>
+            <a:r>
+              <a:rPr lang="en-GB" dirty="0" smtClean="0">
+                <a:latin typeface="Calibri" panose="020F0502020204030204" pitchFamily="34" charset="0"/>
+              </a:rPr>
+              <a:t>etrahedral elements</a:t>
+            </a:r>
+          </a:p>
+          <a:p>
+            <a:pPr marL="285750" indent="-285750">
+              <a:buFont typeface="Arial" panose="020B0604020202020204" pitchFamily="34" charset="0"/>
+              <a:buChar char="•"/>
+            </a:pPr>
+            <a:r>
+              <a:rPr lang="en-GB" dirty="0" smtClean="0">
+                <a:latin typeface="Calibri" panose="020F0502020204030204" pitchFamily="34" charset="0"/>
+              </a:rPr>
+              <a:t>Save as ABAQUS .</a:t>
+            </a:r>
+            <a:r>
+              <a:rPr lang="en-GB" dirty="0" err="1" smtClean="0">
+                <a:latin typeface="Calibri" panose="020F0502020204030204" pitchFamily="34" charset="0"/>
+              </a:rPr>
+              <a:t>inp</a:t>
+            </a:r>
+            <a:r>
+              <a:rPr lang="en-GB" dirty="0" smtClean="0">
+                <a:latin typeface="Calibri" panose="020F0502020204030204" pitchFamily="34" charset="0"/>
+              </a:rPr>
+              <a:t> file or .</a:t>
+            </a:r>
+            <a:r>
+              <a:rPr lang="en-GB" dirty="0" err="1" smtClean="0">
+                <a:latin typeface="Calibri" panose="020F0502020204030204" pitchFamily="34" charset="0"/>
+              </a:rPr>
+              <a:t>vtu</a:t>
+            </a:r>
+            <a:endParaRPr lang="en-GB" dirty="0" smtClean="0">
+              <a:latin typeface="Calibri" panose="020F0502020204030204" pitchFamily="34" charset="0"/>
+            </a:endParaRPr>
+          </a:p>
+          <a:p>
+            <a:pPr marL="285750" indent="-285750">
+              <a:buFont typeface="Arial" panose="020B0604020202020204" pitchFamily="34" charset="0"/>
+              <a:buChar char="•"/>
+            </a:pPr>
+            <a:r>
+              <a:rPr lang="en-GB" dirty="0" smtClean="0">
+                <a:latin typeface="Calibri" panose="020F0502020204030204" pitchFamily="34" charset="0"/>
+              </a:rPr>
+              <a:t>Works best for 2D weaves</a:t>
+            </a:r>
+            <a:endParaRPr lang="en-GB" dirty="0">
+              <a:latin typeface="Calibri" panose="020F0502020204030204" pitchFamily="34" charset="0"/>
+            </a:endParaRPr>
+          </a:p>
+        </p:txBody>
+      </p:sp>
+      <p:pic>
+        <p:nvPicPr>
+          <p:cNvPr id="5" name="Picture 4"/>
+          <p:cNvPicPr>
+            <a:picLocks noChangeAspect="1"/>
+          </p:cNvPicPr>
+          <p:nvPr/>
+        </p:nvPicPr>
+        <p:blipFill>
+          <a:blip r:embed="rId3">
+            <a:extLst>
+              <a:ext uri="{28A0092B-C50C-407E-A947-70E740481C1C}">
+                <a14:useLocalDpi xmlns:a14="http://schemas.microsoft.com/office/drawing/2010/main" val="0"/>
+              </a:ext>
+            </a:extLst>
+          </a:blip>
+          <a:stretch>
+            <a:fillRect/>
+          </a:stretch>
+        </p:blipFill>
+        <p:spPr>
+          <a:xfrm>
+            <a:off x="4661454" y="850021"/>
+            <a:ext cx="1436927" cy="2720679"/>
+          </a:xfrm>
+          <a:prstGeom prst="rect">
+            <a:avLst/>
+          </a:prstGeom>
+        </p:spPr>
+      </p:pic>
+      <p:pic>
+        <p:nvPicPr>
+          <p:cNvPr id="6" name="Picture 5"/>
+          <p:cNvPicPr>
+            <a:picLocks noChangeAspect="1"/>
+          </p:cNvPicPr>
+          <p:nvPr/>
+        </p:nvPicPr>
+        <p:blipFill>
+          <a:blip r:embed="rId4" cstate="print">
+            <a:extLst>
+              <a:ext uri="{28A0092B-C50C-407E-A947-70E740481C1C}">
+                <a14:useLocalDpi xmlns:a14="http://schemas.microsoft.com/office/drawing/2010/main" val="0"/>
+              </a:ext>
+            </a:extLst>
+          </a:blip>
+          <a:stretch>
+            <a:fillRect/>
+          </a:stretch>
+        </p:blipFill>
+        <p:spPr>
+          <a:xfrm>
+            <a:off x="442913" y="3353368"/>
+            <a:ext cx="2667000" cy="1845553"/>
+          </a:xfrm>
+          <a:prstGeom prst="rect">
+            <a:avLst/>
+          </a:prstGeom>
+        </p:spPr>
+      </p:pic>
+      <p:pic>
+        <p:nvPicPr>
+          <p:cNvPr id="7" name="Picture 6"/>
+          <p:cNvPicPr>
+            <a:picLocks noChangeAspect="1"/>
+          </p:cNvPicPr>
+          <p:nvPr/>
+        </p:nvPicPr>
+        <p:blipFill>
+          <a:blip r:embed="rId5" cstate="print">
+            <a:extLst>
+              <a:ext uri="{28A0092B-C50C-407E-A947-70E740481C1C}">
+                <a14:useLocalDpi xmlns:a14="http://schemas.microsoft.com/office/drawing/2010/main" val="0"/>
+              </a:ext>
+            </a:extLst>
+          </a:blip>
+          <a:stretch>
+            <a:fillRect/>
+          </a:stretch>
+        </p:blipFill>
+        <p:spPr>
+          <a:xfrm>
+            <a:off x="542926" y="4922303"/>
+            <a:ext cx="2466974" cy="1707136"/>
+          </a:xfrm>
+          <a:prstGeom prst="rect">
+            <a:avLst/>
+          </a:prstGeom>
+        </p:spPr>
+      </p:pic>
+      <p:pic>
+        <p:nvPicPr>
+          <p:cNvPr id="8" name="Picture 7"/>
+          <p:cNvPicPr>
+            <a:picLocks noChangeAspect="1"/>
+          </p:cNvPicPr>
+          <p:nvPr/>
+        </p:nvPicPr>
+        <p:blipFill>
+          <a:blip r:embed="rId6">
+            <a:extLst>
+              <a:ext uri="{28A0092B-C50C-407E-A947-70E740481C1C}">
+                <a14:useLocalDpi xmlns:a14="http://schemas.microsoft.com/office/drawing/2010/main" val="0"/>
+              </a:ext>
+            </a:extLst>
+          </a:blip>
+          <a:stretch>
+            <a:fillRect/>
+          </a:stretch>
+        </p:blipFill>
+        <p:spPr>
+          <a:xfrm>
+            <a:off x="3209926" y="4558033"/>
+            <a:ext cx="1795531" cy="1217838"/>
+          </a:xfrm>
+          <a:prstGeom prst="rect">
+            <a:avLst/>
+          </a:prstGeom>
+        </p:spPr>
+      </p:pic>
+      <p:sp>
+        <p:nvSpPr>
+          <p:cNvPr id="9" name="TextBox 8"/>
+          <p:cNvSpPr txBox="1"/>
+          <p:nvPr/>
+        </p:nvSpPr>
+        <p:spPr>
+          <a:xfrm>
+            <a:off x="5205483" y="3850019"/>
+            <a:ext cx="3738492" cy="2616101"/>
+          </a:xfrm>
+          <a:prstGeom prst="rect">
+            <a:avLst/>
+          </a:prstGeom>
+          <a:noFill/>
+        </p:spPr>
+        <p:txBody>
+          <a:bodyPr wrap="square" rtlCol="0">
+            <a:spAutoFit/>
+          </a:bodyPr>
+          <a:lstStyle/>
+          <a:p>
+            <a:r>
+              <a:rPr lang="en-GB" sz="2000" b="1" dirty="0" err="1" smtClean="0">
+                <a:latin typeface="Calibri" panose="020F0502020204030204" pitchFamily="34" charset="0"/>
+              </a:rPr>
+              <a:t>Tetgen</a:t>
+            </a:r>
+            <a:r>
+              <a:rPr lang="en-GB" sz="2000" b="1" dirty="0" smtClean="0">
+                <a:latin typeface="Calibri" panose="020F0502020204030204" pitchFamily="34" charset="0"/>
+              </a:rPr>
+              <a:t> Export</a:t>
+            </a:r>
+          </a:p>
+          <a:p>
+            <a:pPr marL="342900" indent="-342900">
+              <a:buFont typeface="Arial" panose="020B0604020202020204" pitchFamily="34" charset="0"/>
+              <a:buChar char="•"/>
+            </a:pPr>
+            <a:r>
+              <a:rPr lang="en-GB" dirty="0" smtClean="0">
+                <a:latin typeface="Calibri" panose="020F0502020204030204" pitchFamily="34" charset="0"/>
+              </a:rPr>
+              <a:t>Tetrahedral elements</a:t>
+            </a:r>
+          </a:p>
+          <a:p>
+            <a:pPr marL="342900" indent="-342900">
+              <a:buFont typeface="Arial" panose="020B0604020202020204" pitchFamily="34" charset="0"/>
+              <a:buChar char="•"/>
+            </a:pPr>
+            <a:r>
+              <a:rPr lang="en-GB" dirty="0" smtClean="0">
+                <a:latin typeface="Calibri" panose="020F0502020204030204" pitchFamily="34" charset="0"/>
+              </a:rPr>
+              <a:t>Save as ABAQUS .</a:t>
+            </a:r>
+            <a:r>
+              <a:rPr lang="en-GB" dirty="0" err="1" smtClean="0">
+                <a:latin typeface="Calibri" panose="020F0502020204030204" pitchFamily="34" charset="0"/>
+              </a:rPr>
+              <a:t>inp</a:t>
+            </a:r>
+            <a:r>
+              <a:rPr lang="en-GB" dirty="0" smtClean="0">
+                <a:latin typeface="Calibri" panose="020F0502020204030204" pitchFamily="34" charset="0"/>
+              </a:rPr>
+              <a:t> file</a:t>
+            </a:r>
+          </a:p>
+          <a:p>
+            <a:pPr marL="342900" indent="-342900">
+              <a:buFont typeface="Arial" panose="020B0604020202020204" pitchFamily="34" charset="0"/>
+              <a:buChar char="•"/>
+            </a:pPr>
+            <a:r>
+              <a:rPr lang="en-GB" dirty="0" smtClean="0">
+                <a:latin typeface="Calibri" panose="020F0502020204030204" pitchFamily="34" charset="0"/>
+              </a:rPr>
+              <a:t>May need to introduce gap between yarns for export to be successful</a:t>
+            </a:r>
+          </a:p>
+          <a:p>
+            <a:pPr marL="342900" indent="-342900">
+              <a:buFont typeface="Arial" panose="020B0604020202020204" pitchFamily="34" charset="0"/>
+              <a:buChar char="•"/>
+            </a:pPr>
+            <a:r>
+              <a:rPr lang="en-GB" dirty="0" smtClean="0">
+                <a:latin typeface="Calibri" panose="020F0502020204030204" pitchFamily="34" charset="0"/>
+              </a:rPr>
+              <a:t>Uses </a:t>
+            </a:r>
+            <a:r>
+              <a:rPr lang="en-GB" dirty="0" err="1" smtClean="0">
+                <a:latin typeface="Calibri" panose="020F0502020204030204" pitchFamily="34" charset="0"/>
+              </a:rPr>
+              <a:t>Tetgen</a:t>
+            </a:r>
+            <a:r>
+              <a:rPr lang="en-GB" dirty="0">
+                <a:latin typeface="Calibri" panose="020F0502020204030204" pitchFamily="34" charset="0"/>
+              </a:rPr>
+              <a:t> </a:t>
+            </a:r>
+            <a:r>
+              <a:rPr lang="en-GB" dirty="0" smtClean="0">
+                <a:latin typeface="Calibri" panose="020F0502020204030204" pitchFamily="34" charset="0"/>
+              </a:rPr>
+              <a:t>library: http</a:t>
+            </a:r>
+            <a:r>
+              <a:rPr lang="en-GB" dirty="0">
+                <a:latin typeface="Calibri" panose="020F0502020204030204" pitchFamily="34" charset="0"/>
+              </a:rPr>
+              <a:t>://wias-berlin.de/software/index.jsp?id=TetGen&amp;lang=1</a:t>
+            </a:r>
+            <a:endParaRPr lang="en-GB" dirty="0" smtClean="0">
+              <a:latin typeface="Calibri" panose="020F0502020204030204" pitchFamily="34" charset="0"/>
+            </a:endParaRPr>
+          </a:p>
+        </p:txBody>
+      </p:sp>
+    </p:spTree>
+    <p:extLst>
+      <p:ext uri="{BB962C8B-B14F-4D97-AF65-F5344CB8AC3E}">
+        <p14:creationId xmlns:p14="http://schemas.microsoft.com/office/powerpoint/2010/main" val="534297391"/>
       </p:ext>
     </p:extLst>
   </p:cSld>
@@ -5912,6 +8499,700 @@
           <a:lstStyle/>
           <a:p>
             <a:r>
+              <a:rPr lang="en-GB" dirty="0" smtClean="0"/>
+              <a:t>Implementation</a:t>
+            </a:r>
+            <a:endParaRPr lang="en-GB" dirty="0"/>
+          </a:p>
+        </p:txBody>
+      </p:sp>
+      <p:pic>
+        <p:nvPicPr>
+          <p:cNvPr id="3" name="Picture 2" descr="texgenmodules.dot.png"/>
+          <p:cNvPicPr>
+            <a:picLocks noChangeAspect="1"/>
+          </p:cNvPicPr>
+          <p:nvPr/>
+        </p:nvPicPr>
+        <p:blipFill>
+          <a:blip r:embed="rId2"/>
+          <a:stretch>
+            <a:fillRect/>
+          </a:stretch>
+        </p:blipFill>
+        <p:spPr>
+          <a:xfrm>
+            <a:off x="1460500" y="2095500"/>
+            <a:ext cx="7324725" cy="3990975"/>
+          </a:xfrm>
+          <a:prstGeom prst="rect">
+            <a:avLst/>
+          </a:prstGeom>
+          <a:solidFill>
+            <a:schemeClr val="accent5"/>
+          </a:solidFill>
+        </p:spPr>
+      </p:pic>
+      <p:sp>
+        <p:nvSpPr>
+          <p:cNvPr id="4" name="TextBox 3"/>
+          <p:cNvSpPr txBox="1"/>
+          <p:nvPr/>
+        </p:nvSpPr>
+        <p:spPr>
+          <a:xfrm>
+            <a:off x="336550" y="1264463"/>
+            <a:ext cx="4338638" cy="1200329"/>
+          </a:xfrm>
+          <a:prstGeom prst="rect">
+            <a:avLst/>
+          </a:prstGeom>
+          <a:noFill/>
+        </p:spPr>
+        <p:txBody>
+          <a:bodyPr>
+            <a:spAutoFit/>
+          </a:bodyPr>
+          <a:lstStyle>
+            <a:lvl1pPr algn="ctr" eaLnBrk="0" hangingPunct="0">
+              <a:spcBef>
+                <a:spcPct val="50000"/>
+              </a:spcBef>
+              <a:defRPr>
+                <a:solidFill>
+                  <a:srgbClr val="333399"/>
+                </a:solidFill>
+                <a:latin typeface="Verdana" pitchFamily="34" charset="0"/>
+              </a:defRPr>
+            </a:lvl1pPr>
+            <a:lvl2pPr marL="742950" indent="-285750" algn="ctr" eaLnBrk="0" hangingPunct="0">
+              <a:spcBef>
+                <a:spcPct val="50000"/>
+              </a:spcBef>
+              <a:defRPr>
+                <a:solidFill>
+                  <a:srgbClr val="333399"/>
+                </a:solidFill>
+                <a:latin typeface="Verdana" pitchFamily="34" charset="0"/>
+              </a:defRPr>
+            </a:lvl2pPr>
+            <a:lvl3pPr marL="1143000" indent="-228600" algn="ctr" eaLnBrk="0" hangingPunct="0">
+              <a:spcBef>
+                <a:spcPct val="50000"/>
+              </a:spcBef>
+              <a:defRPr>
+                <a:solidFill>
+                  <a:srgbClr val="333399"/>
+                </a:solidFill>
+                <a:latin typeface="Verdana" pitchFamily="34" charset="0"/>
+              </a:defRPr>
+            </a:lvl3pPr>
+            <a:lvl4pPr marL="1600200" indent="-228600" algn="ctr" eaLnBrk="0" hangingPunct="0">
+              <a:spcBef>
+                <a:spcPct val="50000"/>
+              </a:spcBef>
+              <a:defRPr>
+                <a:solidFill>
+                  <a:srgbClr val="333399"/>
+                </a:solidFill>
+                <a:latin typeface="Verdana" pitchFamily="34" charset="0"/>
+              </a:defRPr>
+            </a:lvl4pPr>
+            <a:lvl5pPr marL="2057400" indent="-228600" algn="ctr" eaLnBrk="0" hangingPunct="0">
+              <a:spcBef>
+                <a:spcPct val="50000"/>
+              </a:spcBef>
+              <a:defRPr>
+                <a:solidFill>
+                  <a:srgbClr val="333399"/>
+                </a:solidFill>
+                <a:latin typeface="Verdana" pitchFamily="34" charset="0"/>
+              </a:defRPr>
+            </a:lvl5pPr>
+            <a:lvl6pPr marL="2514600" indent="-228600" algn="ctr" eaLnBrk="0" fontAlgn="base" hangingPunct="0">
+              <a:spcBef>
+                <a:spcPct val="50000"/>
+              </a:spcBef>
+              <a:spcAft>
+                <a:spcPct val="0"/>
+              </a:spcAft>
+              <a:defRPr>
+                <a:solidFill>
+                  <a:srgbClr val="333399"/>
+                </a:solidFill>
+                <a:latin typeface="Verdana" pitchFamily="34" charset="0"/>
+              </a:defRPr>
+            </a:lvl6pPr>
+            <a:lvl7pPr marL="2971800" indent="-228600" algn="ctr" eaLnBrk="0" fontAlgn="base" hangingPunct="0">
+              <a:spcBef>
+                <a:spcPct val="50000"/>
+              </a:spcBef>
+              <a:spcAft>
+                <a:spcPct val="0"/>
+              </a:spcAft>
+              <a:defRPr>
+                <a:solidFill>
+                  <a:srgbClr val="333399"/>
+                </a:solidFill>
+                <a:latin typeface="Verdana" pitchFamily="34" charset="0"/>
+              </a:defRPr>
+            </a:lvl7pPr>
+            <a:lvl8pPr marL="3429000" indent="-228600" algn="ctr" eaLnBrk="0" fontAlgn="base" hangingPunct="0">
+              <a:spcBef>
+                <a:spcPct val="50000"/>
+              </a:spcBef>
+              <a:spcAft>
+                <a:spcPct val="0"/>
+              </a:spcAft>
+              <a:defRPr>
+                <a:solidFill>
+                  <a:srgbClr val="333399"/>
+                </a:solidFill>
+                <a:latin typeface="Verdana" pitchFamily="34" charset="0"/>
+              </a:defRPr>
+            </a:lvl8pPr>
+            <a:lvl9pPr marL="3886200" indent="-228600" algn="ctr" eaLnBrk="0" fontAlgn="base" hangingPunct="0">
+              <a:spcBef>
+                <a:spcPct val="50000"/>
+              </a:spcBef>
+              <a:spcAft>
+                <a:spcPct val="0"/>
+              </a:spcAft>
+              <a:defRPr>
+                <a:solidFill>
+                  <a:srgbClr val="333399"/>
+                </a:solidFill>
+                <a:latin typeface="Verdana" pitchFamily="34" charset="0"/>
+              </a:defRPr>
+            </a:lvl9pPr>
+          </a:lstStyle>
+          <a:p>
+            <a:pPr algn="l" eaLnBrk="1" hangingPunct="1">
+              <a:defRPr/>
+            </a:pPr>
+            <a:r>
+              <a:rPr lang="en-GB" b="1" dirty="0" smtClean="0">
+                <a:solidFill>
+                  <a:schemeClr val="tx1"/>
+                </a:solidFill>
+                <a:latin typeface="Calibri" panose="020F0502020204030204" pitchFamily="34" charset="0"/>
+              </a:rPr>
+              <a:t>Modular -</a:t>
+            </a:r>
+            <a:r>
+              <a:rPr lang="en-GB" dirty="0" smtClean="0">
+                <a:solidFill>
+                  <a:schemeClr val="tx1"/>
+                </a:solidFill>
+                <a:latin typeface="Calibri" panose="020F0502020204030204" pitchFamily="34" charset="0"/>
+              </a:rPr>
+              <a:t>Core functionality is in the core module, graphics are in a renderer module; if not using visualisation, the renderer doesn’t need to be built.</a:t>
+            </a:r>
+          </a:p>
+        </p:txBody>
+      </p:sp>
+      <p:sp>
+        <p:nvSpPr>
+          <p:cNvPr id="5" name="TextBox 4"/>
+          <p:cNvSpPr txBox="1"/>
+          <p:nvPr/>
+        </p:nvSpPr>
+        <p:spPr>
+          <a:xfrm>
+            <a:off x="336550" y="3970338"/>
+            <a:ext cx="3825875" cy="923330"/>
+          </a:xfrm>
+          <a:prstGeom prst="rect">
+            <a:avLst/>
+          </a:prstGeom>
+          <a:noFill/>
+        </p:spPr>
+        <p:txBody>
+          <a:bodyPr>
+            <a:spAutoFit/>
+          </a:bodyPr>
+          <a:lstStyle/>
+          <a:p>
+            <a:pPr>
+              <a:spcBef>
+                <a:spcPct val="50000"/>
+              </a:spcBef>
+              <a:defRPr/>
+            </a:pPr>
+            <a:r>
+              <a:rPr lang="en-GB" b="1" dirty="0">
+                <a:latin typeface="Calibri" panose="020F0502020204030204" pitchFamily="34" charset="0"/>
+              </a:rPr>
+              <a:t>Platform independent </a:t>
+            </a:r>
+            <a:r>
+              <a:rPr lang="en-GB" dirty="0">
+                <a:latin typeface="Calibri" panose="020F0502020204030204" pitchFamily="34" charset="0"/>
+              </a:rPr>
+              <a:t>– Can be run on most  operating systems supported by the </a:t>
+            </a:r>
+            <a:r>
+              <a:rPr lang="en-GB" dirty="0" err="1">
+                <a:latin typeface="Calibri" panose="020F0502020204030204" pitchFamily="34" charset="0"/>
+              </a:rPr>
+              <a:t>Cmake</a:t>
+            </a:r>
+            <a:r>
+              <a:rPr lang="en-GB" dirty="0">
+                <a:latin typeface="Calibri" panose="020F0502020204030204" pitchFamily="34" charset="0"/>
+              </a:rPr>
+              <a:t> build system.</a:t>
+            </a:r>
+            <a:r>
+              <a:rPr lang="en-GB" b="1" dirty="0">
+                <a:latin typeface="Calibri" panose="020F0502020204030204" pitchFamily="34" charset="0"/>
+              </a:rPr>
+              <a:t> </a:t>
+            </a:r>
+          </a:p>
+        </p:txBody>
+      </p:sp>
+      <p:sp>
+        <p:nvSpPr>
+          <p:cNvPr id="6" name="TextBox 5"/>
+          <p:cNvSpPr txBox="1"/>
+          <p:nvPr/>
+        </p:nvSpPr>
+        <p:spPr>
+          <a:xfrm>
+            <a:off x="336550" y="2755900"/>
+            <a:ext cx="4059238" cy="923330"/>
+          </a:xfrm>
+          <a:prstGeom prst="rect">
+            <a:avLst/>
+          </a:prstGeom>
+          <a:noFill/>
+        </p:spPr>
+        <p:txBody>
+          <a:bodyPr>
+            <a:spAutoFit/>
+          </a:bodyPr>
+          <a:lstStyle>
+            <a:lvl1pPr algn="ctr" eaLnBrk="0" hangingPunct="0">
+              <a:spcBef>
+                <a:spcPct val="50000"/>
+              </a:spcBef>
+              <a:defRPr>
+                <a:solidFill>
+                  <a:srgbClr val="333399"/>
+                </a:solidFill>
+                <a:latin typeface="Verdana" pitchFamily="34" charset="0"/>
+              </a:defRPr>
+            </a:lvl1pPr>
+            <a:lvl2pPr marL="742950" indent="-285750" algn="ctr" eaLnBrk="0" hangingPunct="0">
+              <a:spcBef>
+                <a:spcPct val="50000"/>
+              </a:spcBef>
+              <a:defRPr>
+                <a:solidFill>
+                  <a:srgbClr val="333399"/>
+                </a:solidFill>
+                <a:latin typeface="Verdana" pitchFamily="34" charset="0"/>
+              </a:defRPr>
+            </a:lvl2pPr>
+            <a:lvl3pPr marL="1143000" indent="-228600" algn="ctr" eaLnBrk="0" hangingPunct="0">
+              <a:spcBef>
+                <a:spcPct val="50000"/>
+              </a:spcBef>
+              <a:defRPr>
+                <a:solidFill>
+                  <a:srgbClr val="333399"/>
+                </a:solidFill>
+                <a:latin typeface="Verdana" pitchFamily="34" charset="0"/>
+              </a:defRPr>
+            </a:lvl3pPr>
+            <a:lvl4pPr marL="1600200" indent="-228600" algn="ctr" eaLnBrk="0" hangingPunct="0">
+              <a:spcBef>
+                <a:spcPct val="50000"/>
+              </a:spcBef>
+              <a:defRPr>
+                <a:solidFill>
+                  <a:srgbClr val="333399"/>
+                </a:solidFill>
+                <a:latin typeface="Verdana" pitchFamily="34" charset="0"/>
+              </a:defRPr>
+            </a:lvl4pPr>
+            <a:lvl5pPr marL="2057400" indent="-228600" algn="ctr" eaLnBrk="0" hangingPunct="0">
+              <a:spcBef>
+                <a:spcPct val="50000"/>
+              </a:spcBef>
+              <a:defRPr>
+                <a:solidFill>
+                  <a:srgbClr val="333399"/>
+                </a:solidFill>
+                <a:latin typeface="Verdana" pitchFamily="34" charset="0"/>
+              </a:defRPr>
+            </a:lvl5pPr>
+            <a:lvl6pPr marL="2514600" indent="-228600" algn="ctr" eaLnBrk="0" fontAlgn="base" hangingPunct="0">
+              <a:spcBef>
+                <a:spcPct val="50000"/>
+              </a:spcBef>
+              <a:spcAft>
+                <a:spcPct val="0"/>
+              </a:spcAft>
+              <a:defRPr>
+                <a:solidFill>
+                  <a:srgbClr val="333399"/>
+                </a:solidFill>
+                <a:latin typeface="Verdana" pitchFamily="34" charset="0"/>
+              </a:defRPr>
+            </a:lvl6pPr>
+            <a:lvl7pPr marL="2971800" indent="-228600" algn="ctr" eaLnBrk="0" fontAlgn="base" hangingPunct="0">
+              <a:spcBef>
+                <a:spcPct val="50000"/>
+              </a:spcBef>
+              <a:spcAft>
+                <a:spcPct val="0"/>
+              </a:spcAft>
+              <a:defRPr>
+                <a:solidFill>
+                  <a:srgbClr val="333399"/>
+                </a:solidFill>
+                <a:latin typeface="Verdana" pitchFamily="34" charset="0"/>
+              </a:defRPr>
+            </a:lvl7pPr>
+            <a:lvl8pPr marL="3429000" indent="-228600" algn="ctr" eaLnBrk="0" fontAlgn="base" hangingPunct="0">
+              <a:spcBef>
+                <a:spcPct val="50000"/>
+              </a:spcBef>
+              <a:spcAft>
+                <a:spcPct val="0"/>
+              </a:spcAft>
+              <a:defRPr>
+                <a:solidFill>
+                  <a:srgbClr val="333399"/>
+                </a:solidFill>
+                <a:latin typeface="Verdana" pitchFamily="34" charset="0"/>
+              </a:defRPr>
+            </a:lvl8pPr>
+            <a:lvl9pPr marL="3886200" indent="-228600" algn="ctr" eaLnBrk="0" fontAlgn="base" hangingPunct="0">
+              <a:spcBef>
+                <a:spcPct val="50000"/>
+              </a:spcBef>
+              <a:spcAft>
+                <a:spcPct val="0"/>
+              </a:spcAft>
+              <a:defRPr>
+                <a:solidFill>
+                  <a:srgbClr val="333399"/>
+                </a:solidFill>
+                <a:latin typeface="Verdana" pitchFamily="34" charset="0"/>
+              </a:defRPr>
+            </a:lvl9pPr>
+          </a:lstStyle>
+          <a:p>
+            <a:pPr algn="l" eaLnBrk="1" hangingPunct="1">
+              <a:defRPr/>
+            </a:pPr>
+            <a:r>
+              <a:rPr lang="en-GB" b="1" dirty="0" smtClean="0">
+                <a:solidFill>
+                  <a:schemeClr val="tx1"/>
+                </a:solidFill>
+                <a:latin typeface="Calibri" panose="020F0502020204030204" pitchFamily="34" charset="0"/>
+              </a:rPr>
+              <a:t>Flexible</a:t>
+            </a:r>
+            <a:r>
+              <a:rPr lang="en-GB" b="1" dirty="0" smtClean="0">
+                <a:solidFill>
+                  <a:schemeClr val="tx1"/>
+                </a:solidFill>
+                <a:effectLst>
+                  <a:outerShdw blurRad="38100" dist="38100" dir="2700000" algn="tl">
+                    <a:srgbClr val="C0C0C0"/>
+                  </a:outerShdw>
+                </a:effectLst>
+                <a:latin typeface="Calibri" panose="020F0502020204030204" pitchFamily="34" charset="0"/>
+              </a:rPr>
+              <a:t> – </a:t>
+            </a:r>
+            <a:r>
+              <a:rPr lang="en-GB" dirty="0" smtClean="0">
+                <a:solidFill>
+                  <a:schemeClr val="tx1"/>
+                </a:solidFill>
+                <a:latin typeface="Calibri" panose="020F0502020204030204" pitchFamily="34" charset="0"/>
+              </a:rPr>
+              <a:t>Can be used with the GUI, using SWIG generated Python code or used as a library of C++ functions</a:t>
+            </a:r>
+            <a:endParaRPr lang="en-GB" b="1" dirty="0" smtClean="0">
+              <a:solidFill>
+                <a:schemeClr val="tx1"/>
+              </a:solidFill>
+              <a:effectLst>
+                <a:outerShdw blurRad="38100" dist="38100" dir="2700000" algn="tl">
+                  <a:srgbClr val="C0C0C0"/>
+                </a:outerShdw>
+              </a:effectLst>
+              <a:latin typeface="Calibri" panose="020F0502020204030204" pitchFamily="34" charset="0"/>
+            </a:endParaRPr>
+          </a:p>
+        </p:txBody>
+      </p:sp>
+    </p:spTree>
+    <p:extLst>
+      <p:ext uri="{BB962C8B-B14F-4D97-AF65-F5344CB8AC3E}">
+        <p14:creationId xmlns:p14="http://schemas.microsoft.com/office/powerpoint/2010/main" val="2047652197"/>
+      </p:ext>
+    </p:extLst>
+  </p:cSld>
+  <p:clrMapOvr>
+    <a:masterClrMapping/>
+  </p:clrMapOvr>
+  <mc:AlternateContent xmlns:mc="http://schemas.openxmlformats.org/markup-compatibility/2006" xmlns:p14="http://schemas.microsoft.com/office/powerpoint/2010/main">
+    <mc:Choice Requires="p14">
+      <p:transition spd="med" p14:dur="700">
+        <p:fade/>
+      </p:transition>
+    </mc:Choice>
+    <mc:Fallback xmlns="">
+      <p:transition spd="med">
+        <p:fade/>
+      </p:transition>
+    </mc:Fallback>
+  </mc:AlternateContent>
+  <p:timing>
+    <p:tnLst>
+      <p:par>
+        <p:cTn id="1" dur="indefinite" restart="never" nodeType="tmRoot">
+          <p:childTnLst>
+            <p:seq concurrent="1" nextAc="seek">
+              <p:cTn id="2" dur="indefinite" nodeType="mainSeq">
+                <p:childTnLst>
+                  <p:par>
+                    <p:cTn id="3" fill="hold">
+                      <p:stCondLst>
+                        <p:cond delay="indefinite"/>
+                        <p:cond evt="onBegin" delay="0">
+                          <p:tn val="2"/>
+                        </p:cond>
+                      </p:stCondLst>
+                      <p:childTnLst>
+                        <p:par>
+                          <p:cTn id="4" fill="hold">
+                            <p:stCondLst>
+                              <p:cond delay="0"/>
+                            </p:stCondLst>
+                            <p:childTnLst>
+                              <p:par>
+                                <p:cTn id="5" presetID="1" presetClass="entr" presetSubtype="0" fill="hold" nodeType="withEffect">
+                                  <p:stCondLst>
+                                    <p:cond delay="0"/>
+                                  </p:stCondLst>
+                                  <p:childTnLst>
+                                    <p:set>
+                                      <p:cBhvr>
+                                        <p:cTn id="6" dur="1" fill="hold">
+                                          <p:stCondLst>
+                                            <p:cond delay="0"/>
+                                          </p:stCondLst>
+                                        </p:cTn>
+                                        <p:tgtEl>
+                                          <p:spTgt spid="3"/>
+                                        </p:tgtEl>
+                                        <p:attrNameLst>
+                                          <p:attrName>style.visibility</p:attrName>
+                                        </p:attrNameLst>
+                                      </p:cBhvr>
+                                      <p:to>
+                                        <p:strVal val="visible"/>
+                                      </p:to>
+                                    </p:set>
+                                  </p:childTnLst>
+                                </p:cTn>
+                              </p:par>
+                              <p:par>
+                                <p:cTn id="7" presetID="1" presetClass="entr" presetSubtype="0" fill="hold" grpId="0" nodeType="withEffect">
+                                  <p:stCondLst>
+                                    <p:cond delay="0"/>
+                                  </p:stCondLst>
+                                  <p:childTnLst>
+                                    <p:set>
+                                      <p:cBhvr>
+                                        <p:cTn id="8" dur="1" fill="hold">
+                                          <p:stCondLst>
+                                            <p:cond delay="0"/>
+                                          </p:stCondLst>
+                                        </p:cTn>
+                                        <p:tgtEl>
+                                          <p:spTgt spid="4"/>
+                                        </p:tgtEl>
+                                        <p:attrNameLst>
+                                          <p:attrName>style.visibility</p:attrName>
+                                        </p:attrNameLst>
+                                      </p:cBhvr>
+                                      <p:to>
+                                        <p:strVal val="visible"/>
+                                      </p:to>
+                                    </p:set>
+                                  </p:childTnLst>
+                                </p:cTn>
+                              </p:par>
+                            </p:childTnLst>
+                          </p:cTn>
+                        </p:par>
+                      </p:childTnLst>
+                    </p:cTn>
+                  </p:par>
+                  <p:par>
+                    <p:cTn id="9" fill="hold">
+                      <p:stCondLst>
+                        <p:cond delay="indefinite"/>
+                      </p:stCondLst>
+                      <p:childTnLst>
+                        <p:par>
+                          <p:cTn id="10" fill="hold">
+                            <p:stCondLst>
+                              <p:cond delay="0"/>
+                            </p:stCondLst>
+                            <p:childTnLst>
+                              <p:par>
+                                <p:cTn id="11" presetID="1" presetClass="entr" presetSubtype="0" fill="hold" grpId="0" nodeType="clickEffect">
+                                  <p:stCondLst>
+                                    <p:cond delay="0"/>
+                                  </p:stCondLst>
+                                  <p:childTnLst>
+                                    <p:set>
+                                      <p:cBhvr>
+                                        <p:cTn id="12" dur="1" fill="hold">
+                                          <p:stCondLst>
+                                            <p:cond delay="0"/>
+                                          </p:stCondLst>
+                                        </p:cTn>
+                                        <p:tgtEl>
+                                          <p:spTgt spid="6"/>
+                                        </p:tgtEl>
+                                        <p:attrNameLst>
+                                          <p:attrName>style.visibility</p:attrName>
+                                        </p:attrNameLst>
+                                      </p:cBhvr>
+                                      <p:to>
+                                        <p:strVal val="visible"/>
+                                      </p:to>
+                                    </p:set>
+                                  </p:childTnLst>
+                                </p:cTn>
+                              </p:par>
+                            </p:childTnLst>
+                          </p:cTn>
+                        </p:par>
+                      </p:childTnLst>
+                    </p:cTn>
+                  </p:par>
+                  <p:par>
+                    <p:cTn id="13" fill="hold">
+                      <p:stCondLst>
+                        <p:cond delay="indefinite"/>
+                      </p:stCondLst>
+                      <p:childTnLst>
+                        <p:par>
+                          <p:cTn id="14" fill="hold">
+                            <p:stCondLst>
+                              <p:cond delay="0"/>
+                            </p:stCondLst>
+                            <p:childTnLst>
+                              <p:par>
+                                <p:cTn id="15" presetID="1" presetClass="entr" presetSubtype="0" fill="hold" grpId="0" nodeType="clickEffect">
+                                  <p:stCondLst>
+                                    <p:cond delay="0"/>
+                                  </p:stCondLst>
+                                  <p:childTnLst>
+                                    <p:set>
+                                      <p:cBhvr>
+                                        <p:cTn id="16" dur="1" fill="hold">
+                                          <p:stCondLst>
+                                            <p:cond delay="0"/>
+                                          </p:stCondLst>
+                                        </p:cTn>
+                                        <p:tgtEl>
+                                          <p:spTgt spid="5"/>
+                                        </p:tgtEl>
+                                        <p:attrNameLst>
+                                          <p:attrName>style.visibility</p:attrName>
+                                        </p:attrNameLst>
+                                      </p:cBhvr>
+                                      <p:to>
+                                        <p:strVal val="visible"/>
+                                      </p:to>
+                                    </p:set>
+                                  </p:childTnLst>
+                                </p:cTn>
+                              </p:par>
+                            </p:childTnLst>
+                          </p:cTn>
+                        </p:par>
+                      </p:childTnLst>
+                    </p:cTn>
+                  </p:par>
+                </p:childTnLst>
+              </p:cTn>
+              <p:prevCondLst>
+                <p:cond evt="onPrev" delay="0">
+                  <p:tgtEl>
+                    <p:sldTgt/>
+                  </p:tgtEl>
+                </p:cond>
+              </p:prevCondLst>
+              <p:nextCondLst>
+                <p:cond evt="onNext" delay="0">
+                  <p:tgtEl>
+                    <p:sldTgt/>
+                  </p:tgtEl>
+                </p:cond>
+              </p:nextCondLst>
+            </p:seq>
+          </p:childTnLst>
+        </p:cTn>
+      </p:par>
+    </p:tnLst>
+    <p:bldLst>
+      <p:bldP spid="4" grpId="0"/>
+      <p:bldP spid="5" grpId="0"/>
+      <p:bldP spid="6" grpId="0"/>
+    </p:bldLst>
+  </p:timing>
+</p:sld>
+</file>
+
+<file path=ppt/slides/slide4.xml><?xml version="1.0" encoding="utf-8"?>
+<p:sld xmlns:a="http://schemas.openxmlformats.org/drawingml/2006/main" xmlns:r="http://schemas.openxmlformats.org/officeDocument/2006/relationships" xmlns:p="http://schemas.openxmlformats.org/presentationml/2006/main">
+  <p:cSld>
+    <p:spTree>
+      <p:nvGrpSpPr>
+        <p:cNvPr id="1" name=""/>
+        <p:cNvGrpSpPr/>
+        <p:nvPr/>
+      </p:nvGrpSpPr>
+      <p:grpSpPr>
+        <a:xfrm>
+          <a:off x="0" y="0"/>
+          <a:ext cx="0" cy="0"/>
+          <a:chOff x="0" y="0"/>
+          <a:chExt cx="0" cy="0"/>
+        </a:xfrm>
+      </p:grpSpPr>
+      <p:sp>
+        <p:nvSpPr>
+          <p:cNvPr id="2" name="Title 1"/>
+          <p:cNvSpPr>
+            <a:spLocks noGrp="1"/>
+          </p:cNvSpPr>
+          <p:nvPr>
+            <p:ph type="title"/>
+          </p:nvPr>
+        </p:nvSpPr>
+        <p:spPr/>
+        <p:txBody>
+          <a:bodyPr/>
+          <a:lstStyle/>
+          <a:p>
+            <a:r>
               <a:rPr lang="en-GB" dirty="0" err="1" smtClean="0"/>
               <a:t>TexGen</a:t>
             </a:r>
@@ -5982,7 +9263,7 @@
 </p:sld>
 </file>
 
-<file path=ppt/slides/slide4.xml><?xml version="1.0" encoding="utf-8"?>
+<file path=ppt/slides/slide5.xml><?xml version="1.0" encoding="utf-8"?>
 <p:sld xmlns:a="http://schemas.openxmlformats.org/drawingml/2006/main" xmlns:r="http://schemas.openxmlformats.org/officeDocument/2006/relationships" xmlns:p="http://schemas.openxmlformats.org/presentationml/2006/main">
   <p:cSld>
     <p:spTree>
@@ -7755,257 +11036,6 @@
 </p:sld>
 </file>
 
-<file path=ppt/slides/slide5.xml><?xml version="1.0" encoding="utf-8"?>
-<p:sld xmlns:a="http://schemas.openxmlformats.org/drawingml/2006/main" xmlns:r="http://schemas.openxmlformats.org/officeDocument/2006/relationships" xmlns:p="http://schemas.openxmlformats.org/presentationml/2006/main">
-  <p:cSld>
-    <p:spTree>
-      <p:nvGrpSpPr>
-        <p:cNvPr id="1" name=""/>
-        <p:cNvGrpSpPr/>
-        <p:nvPr/>
-      </p:nvGrpSpPr>
-      <p:grpSpPr>
-        <a:xfrm>
-          <a:off x="0" y="0"/>
-          <a:ext cx="0" cy="0"/>
-          <a:chOff x="0" y="0"/>
-          <a:chExt cx="0" cy="0"/>
-        </a:xfrm>
-      </p:grpSpPr>
-      <p:sp>
-        <p:nvSpPr>
-          <p:cNvPr id="2" name="Title 1"/>
-          <p:cNvSpPr>
-            <a:spLocks noGrp="1"/>
-          </p:cNvSpPr>
-          <p:nvPr>
-            <p:ph type="title"/>
-          </p:nvPr>
-        </p:nvSpPr>
-        <p:spPr/>
-        <p:txBody>
-          <a:bodyPr/>
-          <a:lstStyle/>
-          <a:p>
-            <a:r>
-              <a:rPr lang="en-GB" dirty="0" smtClean="0"/>
-              <a:t>Create Textile</a:t>
-            </a:r>
-            <a:endParaRPr lang="en-GB" dirty="0"/>
-          </a:p>
-        </p:txBody>
-      </p:sp>
-      <p:sp>
-        <p:nvSpPr>
-          <p:cNvPr id="3" name="TextBox 2"/>
-          <p:cNvSpPr txBox="1"/>
-          <p:nvPr/>
-        </p:nvSpPr>
-        <p:spPr>
-          <a:xfrm>
-            <a:off x="866775" y="1638300"/>
-            <a:ext cx="6381750" cy="523220"/>
-          </a:xfrm>
-          <a:prstGeom prst="rect">
-            <a:avLst/>
-          </a:prstGeom>
-          <a:noFill/>
-        </p:spPr>
-        <p:txBody>
-          <a:bodyPr wrap="square" rtlCol="0">
-            <a:spAutoFit/>
-          </a:bodyPr>
-          <a:lstStyle/>
-          <a:p>
-            <a:r>
-              <a:rPr lang="en-GB" sz="2800" dirty="0" smtClean="0">
-                <a:latin typeface="Calibri" panose="020F0502020204030204" pitchFamily="34" charset="0"/>
-              </a:rPr>
-              <a:t>Each textile is created in a </a:t>
-            </a:r>
-            <a:r>
-              <a:rPr lang="en-GB" sz="2800" dirty="0" err="1" smtClean="0">
-                <a:latin typeface="Calibri" panose="020F0502020204030204" pitchFamily="34" charset="0"/>
-              </a:rPr>
-              <a:t>Ctextile</a:t>
-            </a:r>
-            <a:r>
-              <a:rPr lang="en-GB" sz="2800" dirty="0" smtClean="0">
-                <a:latin typeface="Calibri" panose="020F0502020204030204" pitchFamily="34" charset="0"/>
-              </a:rPr>
-              <a:t> object</a:t>
-            </a:r>
-          </a:p>
-        </p:txBody>
-      </p:sp>
-      <p:sp>
-        <p:nvSpPr>
-          <p:cNvPr id="4" name="TextBox 3"/>
-          <p:cNvSpPr txBox="1"/>
-          <p:nvPr/>
-        </p:nvSpPr>
-        <p:spPr>
-          <a:xfrm>
-            <a:off x="866775" y="4305300"/>
-            <a:ext cx="3943350" cy="461665"/>
-          </a:xfrm>
-          <a:prstGeom prst="rect">
-            <a:avLst/>
-          </a:prstGeom>
-          <a:solidFill>
-            <a:schemeClr val="bg1">
-              <a:lumMod val="85000"/>
-            </a:schemeClr>
-          </a:solidFill>
-        </p:spPr>
-        <p:txBody>
-          <a:bodyPr wrap="square" rtlCol="0">
-            <a:spAutoFit/>
-          </a:bodyPr>
-          <a:lstStyle/>
-          <a:p>
-            <a:r>
-              <a:rPr lang="en-GB" sz="2400" dirty="0">
-                <a:latin typeface="Courier New" panose="02070309020205020404" pitchFamily="49" charset="0"/>
-                <a:cs typeface="Courier New" panose="02070309020205020404" pitchFamily="49" charset="0"/>
-              </a:rPr>
-              <a:t>Textile = </a:t>
-            </a:r>
-            <a:r>
-              <a:rPr lang="en-GB" sz="2400" dirty="0" err="1">
-                <a:latin typeface="Courier New" panose="02070309020205020404" pitchFamily="49" charset="0"/>
-                <a:cs typeface="Courier New" panose="02070309020205020404" pitchFamily="49" charset="0"/>
-              </a:rPr>
-              <a:t>CTextile</a:t>
-            </a:r>
-            <a:r>
-              <a:rPr lang="en-GB" sz="2400" dirty="0" smtClean="0">
-                <a:latin typeface="Courier New" panose="02070309020205020404" pitchFamily="49" charset="0"/>
-                <a:cs typeface="Courier New" panose="02070309020205020404" pitchFamily="49" charset="0"/>
-              </a:rPr>
-              <a:t>()</a:t>
-            </a:r>
-            <a:endParaRPr lang="en-GB" sz="2400" dirty="0">
-              <a:latin typeface="Courier New" panose="02070309020205020404" pitchFamily="49" charset="0"/>
-              <a:cs typeface="Courier New" panose="02070309020205020404" pitchFamily="49" charset="0"/>
-            </a:endParaRPr>
-          </a:p>
-        </p:txBody>
-      </p:sp>
-      <p:sp>
-        <p:nvSpPr>
-          <p:cNvPr id="6" name="TextBox 5"/>
-          <p:cNvSpPr txBox="1"/>
-          <p:nvPr/>
-        </p:nvSpPr>
-        <p:spPr>
-          <a:xfrm>
-            <a:off x="866775" y="2740967"/>
-            <a:ext cx="6381750" cy="461665"/>
-          </a:xfrm>
-          <a:prstGeom prst="rect">
-            <a:avLst/>
-          </a:prstGeom>
-          <a:noFill/>
-        </p:spPr>
-        <p:txBody>
-          <a:bodyPr wrap="square" rtlCol="0">
-            <a:spAutoFit/>
-          </a:bodyPr>
-          <a:lstStyle/>
-          <a:p>
-            <a:r>
-              <a:rPr lang="en-GB" sz="2400" b="1" dirty="0" smtClean="0">
-                <a:latin typeface="Calibri" panose="020F0502020204030204" pitchFamily="34" charset="0"/>
-              </a:rPr>
-              <a:t>GUI: </a:t>
-            </a:r>
-            <a:r>
-              <a:rPr lang="en-GB" sz="2400" dirty="0" smtClean="0">
-                <a:latin typeface="Calibri" panose="020F0502020204030204" pitchFamily="34" charset="0"/>
-              </a:rPr>
-              <a:t>Select </a:t>
-            </a:r>
-            <a:r>
-              <a:rPr lang="en-GB" sz="2400" i="1" dirty="0">
-                <a:latin typeface="Calibri" panose="020F0502020204030204" pitchFamily="34" charset="0"/>
-              </a:rPr>
-              <a:t>Textiles -&gt; Create Empty   </a:t>
-            </a:r>
-            <a:r>
-              <a:rPr lang="en-GB" sz="2400" dirty="0">
-                <a:latin typeface="Calibri" panose="020F0502020204030204" pitchFamily="34" charset="0"/>
-              </a:rPr>
-              <a:t>( Step 1 </a:t>
-            </a:r>
-            <a:r>
-              <a:rPr lang="en-GB" sz="2400" dirty="0" smtClean="0">
-                <a:latin typeface="Calibri" panose="020F0502020204030204" pitchFamily="34" charset="0"/>
-              </a:rPr>
-              <a:t>)</a:t>
-            </a:r>
-            <a:endParaRPr lang="en-GB" sz="2400" dirty="0">
-              <a:latin typeface="Calibri" panose="020F0502020204030204" pitchFamily="34" charset="0"/>
-            </a:endParaRPr>
-          </a:p>
-        </p:txBody>
-      </p:sp>
-      <p:sp>
-        <p:nvSpPr>
-          <p:cNvPr id="7" name="TextBox 6"/>
-          <p:cNvSpPr txBox="1"/>
-          <p:nvPr/>
-        </p:nvSpPr>
-        <p:spPr>
-          <a:xfrm>
-            <a:off x="866775" y="3876675"/>
-            <a:ext cx="1743075" cy="461665"/>
-          </a:xfrm>
-          <a:prstGeom prst="rect">
-            <a:avLst/>
-          </a:prstGeom>
-          <a:noFill/>
-        </p:spPr>
-        <p:txBody>
-          <a:bodyPr wrap="square" rtlCol="0">
-            <a:spAutoFit/>
-          </a:bodyPr>
-          <a:lstStyle/>
-          <a:p>
-            <a:r>
-              <a:rPr lang="en-GB" sz="2400" b="1" dirty="0" smtClean="0">
-                <a:latin typeface="Calibri" panose="020F0502020204030204" pitchFamily="34" charset="0"/>
-              </a:rPr>
-              <a:t>Python:</a:t>
-            </a:r>
-          </a:p>
-        </p:txBody>
-      </p:sp>
-    </p:spTree>
-    <p:extLst>
-      <p:ext uri="{BB962C8B-B14F-4D97-AF65-F5344CB8AC3E}">
-        <p14:creationId xmlns:p14="http://schemas.microsoft.com/office/powerpoint/2010/main" val="2999887116"/>
-      </p:ext>
-    </p:extLst>
-  </p:cSld>
-  <p:clrMapOvr>
-    <a:masterClrMapping/>
-  </p:clrMapOvr>
-  <mc:AlternateContent xmlns:mc="http://schemas.openxmlformats.org/markup-compatibility/2006" xmlns:p14="http://schemas.microsoft.com/office/powerpoint/2010/main">
-    <mc:Choice Requires="p14">
-      <p:transition spd="med" p14:dur="700">
-        <p:fade/>
-      </p:transition>
-    </mc:Choice>
-    <mc:Fallback xmlns="">
-      <p:transition spd="med">
-        <p:fade/>
-      </p:transition>
-    </mc:Fallback>
-  </mc:AlternateContent>
-</p:sld>
-</file>
-
 <file path=ppt/slides/slide6.xml><?xml version="1.0" encoding="utf-8"?>
 <p:sld xmlns:a="http://schemas.openxmlformats.org/drawingml/2006/main" xmlns:r="http://schemas.openxmlformats.org/officeDocument/2006/relationships" xmlns:p="http://schemas.openxmlformats.org/presentationml/2006/main">
   <p:cSld>
@@ -8040,9 +11070,52 @@
           <a:p>
             <a:r>
               <a:rPr lang="en-GB" dirty="0" smtClean="0"/>
-              <a:t>Create Yarns</a:t>
+              <a:t>Create Textile</a:t>
             </a:r>
             <a:endParaRPr lang="en-GB" dirty="0"/>
+          </a:p>
+        </p:txBody>
+      </p:sp>
+      <p:sp>
+        <p:nvSpPr>
+          <p:cNvPr id="3" name="TextBox 2"/>
+          <p:cNvSpPr txBox="1"/>
+          <p:nvPr/>
+        </p:nvSpPr>
+        <p:spPr>
+          <a:xfrm>
+            <a:off x="866775" y="1638300"/>
+            <a:ext cx="6381750" cy="523220"/>
+          </a:xfrm>
+          <a:prstGeom prst="rect">
+            <a:avLst/>
+          </a:prstGeom>
+          <a:noFill/>
+        </p:spPr>
+        <p:txBody>
+          <a:bodyPr wrap="square" rtlCol="0">
+            <a:spAutoFit/>
+          </a:bodyPr>
+          <a:lstStyle/>
+          <a:p>
+            <a:r>
+              <a:rPr lang="en-GB" sz="2800" dirty="0" smtClean="0">
+                <a:latin typeface="Calibri" panose="020F0502020204030204" pitchFamily="34" charset="0"/>
+              </a:rPr>
+              <a:t>Each textile is created in a </a:t>
+            </a:r>
+            <a:r>
+              <a:rPr lang="en-GB" sz="2800" dirty="0" err="1" smtClean="0">
+                <a:latin typeface="Calibri" panose="020F0502020204030204" pitchFamily="34" charset="0"/>
+              </a:rPr>
+              <a:t>Ctextile</a:t>
+            </a:r>
+            <a:r>
+              <a:rPr lang="en-GB" sz="2800" dirty="0" smtClean="0">
+                <a:latin typeface="Calibri" panose="020F0502020204030204" pitchFamily="34" charset="0"/>
+              </a:rPr>
+              <a:t> object</a:t>
+            </a:r>
           </a:p>
         </p:txBody>
       </p:sp>
@@ -8054,8 +11127,8 @@
         </p:nvSpPr>
         <p:spPr>
           <a:xfrm>
-            <a:off x="494505" y="2959784"/>
-            <a:ext cx="4591845" cy="1200329"/>
+            <a:off x="866775" y="4305300"/>
+            <a:ext cx="3943350" cy="461665"/>
           </a:xfrm>
           <a:prstGeom prst="rect">
             <a:avLst/>
@@ -8073,205 +11146,43 @@
           <a:lstStyle/>
           <a:p>
             <a:r>
-              <a:rPr lang="en-GB" dirty="0" smtClean="0">
+              <a:rPr lang="en-GB" sz="2400" dirty="0">
                 <a:latin typeface="Courier New" panose="02070309020205020404" pitchFamily="49" charset="0"/>
                 <a:cs typeface="Courier New" panose="02070309020205020404" pitchFamily="49" charset="0"/>
               </a:rPr>
-              <a:t>Yarn = </a:t>
-            </a:r>
-            <a:r>
-              <a:rPr lang="en-GB" dirty="0" err="1" smtClean="0">
+              <a:t>Textile = </a:t>
+            </a:r>
+            <a:r>
+              <a:rPr lang="en-GB" sz="2400" dirty="0" err="1">
                 <a:latin typeface="Courier New" panose="02070309020205020404" pitchFamily="49" charset="0"/>
                 <a:cs typeface="Courier New" panose="02070309020205020404" pitchFamily="49" charset="0"/>
               </a:rPr>
-              <a:t>CYarn</a:t>
-            </a:r>
-            <a:r>
-              <a:rPr lang="en-GB" dirty="0" smtClean="0">
+              <a:t>CTextile</a:t>
+            </a:r>
+            <a:r>
+              <a:rPr lang="en-GB" sz="2400" dirty="0" smtClean="0">
                 <a:latin typeface="Courier New" panose="02070309020205020404" pitchFamily="49" charset="0"/>
                 <a:cs typeface="Courier New" panose="02070309020205020404" pitchFamily="49" charset="0"/>
               </a:rPr>
               <a:t>()</a:t>
             </a:r>
-          </a:p>
-          <a:p>
-            <a:r>
-              <a:rPr lang="en-GB" dirty="0" err="1" smtClean="0">
-                <a:latin typeface="Courier New" panose="02070309020205020404" pitchFamily="49" charset="0"/>
-                <a:cs typeface="Courier New" panose="02070309020205020404" pitchFamily="49" charset="0"/>
-              </a:rPr>
-              <a:t>Yarn.AddNode</a:t>
-            </a:r>
-            <a:r>
-              <a:rPr lang="en-GB" dirty="0" smtClean="0">
-                <a:latin typeface="Courier New" panose="02070309020205020404" pitchFamily="49" charset="0"/>
-                <a:cs typeface="Courier New" panose="02070309020205020404" pitchFamily="49" charset="0"/>
-              </a:rPr>
-              <a:t>(</a:t>
-            </a:r>
-            <a:r>
-              <a:rPr lang="en-GB" dirty="0" err="1" smtClean="0">
-                <a:latin typeface="Courier New" panose="02070309020205020404" pitchFamily="49" charset="0"/>
-                <a:cs typeface="Courier New" panose="02070309020205020404" pitchFamily="49" charset="0"/>
-              </a:rPr>
-              <a:t>CNode</a:t>
-            </a:r>
-            <a:r>
-              <a:rPr lang="en-GB" dirty="0" smtClean="0">
-                <a:latin typeface="Courier New" panose="02070309020205020404" pitchFamily="49" charset="0"/>
-                <a:cs typeface="Courier New" panose="02070309020205020404" pitchFamily="49" charset="0"/>
-              </a:rPr>
-              <a:t>(XYZ(0,0,0)))</a:t>
-            </a:r>
-          </a:p>
-          <a:p>
-            <a:r>
-              <a:rPr lang="en-GB" dirty="0" err="1" smtClean="0">
-                <a:latin typeface="Courier New" panose="02070309020205020404" pitchFamily="49" charset="0"/>
-                <a:cs typeface="Courier New" panose="02070309020205020404" pitchFamily="49" charset="0"/>
-              </a:rPr>
-              <a:t>Yarn.AddNode</a:t>
-            </a:r>
-            <a:r>
-              <a:rPr lang="en-GB" dirty="0" smtClean="0">
-                <a:latin typeface="Courier New" panose="02070309020205020404" pitchFamily="49" charset="0"/>
-                <a:cs typeface="Courier New" panose="02070309020205020404" pitchFamily="49" charset="0"/>
-              </a:rPr>
-              <a:t>(</a:t>
-            </a:r>
-            <a:r>
-              <a:rPr lang="en-GB" dirty="0" err="1" smtClean="0">
-                <a:latin typeface="Courier New" panose="02070309020205020404" pitchFamily="49" charset="0"/>
-                <a:cs typeface="Courier New" panose="02070309020205020404" pitchFamily="49" charset="0"/>
-              </a:rPr>
-              <a:t>CNode</a:t>
-            </a:r>
-            <a:r>
-              <a:rPr lang="en-GB" dirty="0" smtClean="0">
-                <a:latin typeface="Courier New" panose="02070309020205020404" pitchFamily="49" charset="0"/>
-                <a:cs typeface="Courier New" panose="02070309020205020404" pitchFamily="49" charset="0"/>
-              </a:rPr>
-              <a:t>(XYZ(5,0,1)))</a:t>
-            </a:r>
-          </a:p>
-          <a:p>
-            <a:r>
-              <a:rPr lang="en-GB" dirty="0" err="1" smtClean="0">
-                <a:latin typeface="Courier New" panose="02070309020205020404" pitchFamily="49" charset="0"/>
-                <a:cs typeface="Courier New" panose="02070309020205020404" pitchFamily="49" charset="0"/>
-              </a:rPr>
-              <a:t>Yarn.AddNode</a:t>
-            </a:r>
-            <a:r>
-              <a:rPr lang="en-GB" dirty="0" smtClean="0">
-                <a:latin typeface="Courier New" panose="02070309020205020404" pitchFamily="49" charset="0"/>
-                <a:cs typeface="Courier New" panose="02070309020205020404" pitchFamily="49" charset="0"/>
-              </a:rPr>
-              <a:t>(</a:t>
-            </a:r>
-            <a:r>
-              <a:rPr lang="en-GB" dirty="0" err="1" smtClean="0">
-                <a:latin typeface="Courier New" panose="02070309020205020404" pitchFamily="49" charset="0"/>
-                <a:cs typeface="Courier New" panose="02070309020205020404" pitchFamily="49" charset="0"/>
-              </a:rPr>
-              <a:t>CNode</a:t>
-            </a:r>
-            <a:r>
-              <a:rPr lang="en-GB" dirty="0" smtClean="0">
-                <a:latin typeface="Courier New" panose="02070309020205020404" pitchFamily="49" charset="0"/>
-                <a:cs typeface="Courier New" panose="02070309020205020404" pitchFamily="49" charset="0"/>
-              </a:rPr>
-              <a:t>(XYZ(10,0,0)))</a:t>
-            </a:r>
-            <a:endParaRPr lang="en-GB" dirty="0">
+            <a:endParaRPr lang="en-GB" sz="2400" dirty="0">
               <a:latin typeface="Courier New" panose="02070309020205020404" pitchFamily="49" charset="0"/>
               <a:cs typeface="Courier New" panose="02070309020205020404" pitchFamily="49" charset="0"/>
             </a:endParaRPr>
           </a:p>
         </p:txBody>
       </p:sp>
-      <p:pic>
-        <p:nvPicPr>
-          <p:cNvPr id="5" name="Picture 4" descr="CreateYarn.png"/>
-          <p:cNvPicPr>
-            <a:picLocks noChangeAspect="1"/>
-          </p:cNvPicPr>
-          <p:nvPr/>
-        </p:nvPicPr>
-        <p:blipFill>
-          <a:blip r:embed="rId2" cstate="print"/>
-          <a:stretch>
-            <a:fillRect/>
-          </a:stretch>
-        </p:blipFill>
-        <p:spPr>
-          <a:xfrm>
-            <a:off x="6387133" y="1682926"/>
-            <a:ext cx="2084707" cy="1078524"/>
-          </a:xfrm>
-          <a:prstGeom prst="rect">
-            <a:avLst/>
-          </a:prstGeom>
-        </p:spPr>
-      </p:pic>
-      <p:pic>
-        <p:nvPicPr>
-          <p:cNvPr id="6" name="Picture 5" descr="StraightYarn.png"/>
-          <p:cNvPicPr>
-            <a:picLocks noChangeAspect="1"/>
-          </p:cNvPicPr>
-          <p:nvPr/>
-        </p:nvPicPr>
-        <p:blipFill>
-          <a:blip r:embed="rId3" cstate="print"/>
-          <a:stretch>
-            <a:fillRect/>
-          </a:stretch>
-        </p:blipFill>
-        <p:spPr>
-          <a:xfrm>
-            <a:off x="494506" y="4869160"/>
-            <a:ext cx="3889461" cy="1368152"/>
-          </a:xfrm>
-          <a:prstGeom prst="rect">
-            <a:avLst/>
-          </a:prstGeom>
-        </p:spPr>
-      </p:pic>
-      <p:pic>
-        <p:nvPicPr>
-          <p:cNvPr id="7" name="Picture 6" descr="MoveNode.png"/>
-          <p:cNvPicPr>
-            <a:picLocks noChangeAspect="1"/>
-          </p:cNvPicPr>
-          <p:nvPr/>
-        </p:nvPicPr>
-        <p:blipFill>
-          <a:blip r:embed="rId4" cstate="print"/>
-          <a:stretch>
-            <a:fillRect/>
-          </a:stretch>
-        </p:blipFill>
-        <p:spPr>
-          <a:xfrm>
-            <a:off x="5086350" y="4655635"/>
-            <a:ext cx="3744416" cy="1795202"/>
-          </a:xfrm>
-          <a:prstGeom prst="rect">
-            <a:avLst/>
-          </a:prstGeom>
-        </p:spPr>
-      </p:pic>
       <p:sp>
         <p:nvSpPr>
-          <p:cNvPr id="8" name="TextBox 7"/>
+          <p:cNvPr id="6" name="TextBox 5"/>
           <p:cNvSpPr txBox="1"/>
           <p:nvPr/>
         </p:nvSpPr>
         <p:spPr>
           <a:xfrm>
-            <a:off x="467544" y="1082761"/>
-            <a:ext cx="6580956" cy="523220"/>
+            <a:off x="866775" y="2740967"/>
+            <a:ext cx="6381750" cy="461665"/>
           </a:xfrm>
           <a:prstGeom prst="rect">
             <a:avLst/>
@@ -8285,12 +11196,36 @@
           <a:lstStyle/>
           <a:p>
             <a:r>
-              <a:rPr lang="en-GB" sz="2800" dirty="0" smtClean="0">
-                <a:latin typeface="Calibri" panose="020F0502020204030204" pitchFamily="34" charset="0"/>
-              </a:rPr>
-              <a:t>Yarns are denotes by a set of Master Nodes</a:t>
-            </a:r>
-            <a:endParaRPr lang="en-GB" sz="2800" dirty="0">
+              <a:rPr lang="en-GB" sz="2400" b="1" dirty="0" smtClean="0">
+                <a:latin typeface="Calibri" panose="020F0502020204030204" pitchFamily="34" charset="0"/>
+              </a:rPr>
+              <a:t>GUI: </a:t>
+            </a:r>
+            <a:r>
+              <a:rPr lang="en-GB" sz="2400" dirty="0" smtClean="0">
+                <a:latin typeface="Calibri" panose="020F0502020204030204" pitchFamily="34" charset="0"/>
+              </a:rPr>
+              <a:t>Select </a:t>
+            </a:r>
+            <a:r>
+              <a:rPr lang="en-GB" sz="2400" i="1" dirty="0">
+                <a:latin typeface="Calibri" panose="020F0502020204030204" pitchFamily="34" charset="0"/>
+              </a:rPr>
+              <a:t>Textiles -&gt; Create Empty   </a:t>
+            </a:r>
+            <a:r>
+              <a:rPr lang="en-GB" sz="2400" dirty="0">
+                <a:latin typeface="Calibri" panose="020F0502020204030204" pitchFamily="34" charset="0"/>
+              </a:rPr>
+              <a:t>( Step 1 </a:t>
+            </a:r>
+            <a:r>
+              <a:rPr lang="en-GB" sz="2400" dirty="0" smtClean="0">
+                <a:latin typeface="Calibri" panose="020F0502020204030204" pitchFamily="34" charset="0"/>
+              </a:rPr>
+              <a:t>)</a:t>
+            </a:r>
+            <a:endParaRPr lang="en-GB" sz="2400" dirty="0">
               <a:latin typeface="Calibri" panose="020F0502020204030204" pitchFamily="34" charset="0"/>
             </a:endParaRPr>
           </a:p>
@@ -8298,14 +11233,14 @@
       </p:sp>
       <p:sp>
         <p:nvSpPr>
-          <p:cNvPr id="9" name="TextBox 8"/>
+          <p:cNvPr id="7" name="TextBox 6"/>
           <p:cNvSpPr txBox="1"/>
           <p:nvPr/>
         </p:nvSpPr>
         <p:spPr>
           <a:xfrm>
-            <a:off x="494506" y="1828493"/>
-            <a:ext cx="6381750" cy="461665"/>
+            <a:off x="866775" y="3876675"/>
+            <a:ext cx="1743075" cy="461665"/>
           </a:xfrm>
           <a:prstGeom prst="rect">
             <a:avLst/>
@@ -8322,70 +11257,6 @@
               <a:rPr lang="en-GB" sz="2400" b="1" dirty="0" smtClean="0">
                 <a:latin typeface="Calibri" panose="020F0502020204030204" pitchFamily="34" charset="0"/>
               </a:rPr>
-              <a:t>GUI: </a:t>
-            </a:r>
-            <a:r>
-              <a:rPr lang="en-GB" sz="2400" dirty="0" smtClean="0">
-                <a:latin typeface="Calibri" panose="020F0502020204030204" pitchFamily="34" charset="0"/>
-              </a:rPr>
-              <a:t>Select </a:t>
-            </a:r>
-            <a:r>
-              <a:rPr lang="en-GB" sz="2400" i="1" dirty="0" smtClean="0">
-                <a:latin typeface="Calibri" panose="020F0502020204030204" pitchFamily="34" charset="0"/>
-              </a:rPr>
-              <a:t>Modeller-&gt;Create Yarn </a:t>
-            </a:r>
-            <a:r>
-              <a:rPr lang="en-GB" sz="2400" dirty="0" smtClean="0">
-                <a:latin typeface="Calibri" panose="020F0502020204030204" pitchFamily="34" charset="0"/>
-              </a:rPr>
-              <a:t>( </a:t>
-            </a:r>
-            <a:r>
-              <a:rPr lang="en-GB" sz="2400" dirty="0">
-                <a:latin typeface="Calibri" panose="020F0502020204030204" pitchFamily="34" charset="0"/>
-              </a:rPr>
-              <a:t>Step </a:t>
-            </a:r>
-            <a:r>
-              <a:rPr lang="en-GB" sz="2400" dirty="0" smtClean="0">
-                <a:latin typeface="Calibri" panose="020F0502020204030204" pitchFamily="34" charset="0"/>
-              </a:rPr>
-              <a:t>2 )</a:t>
-            </a:r>
-            <a:endParaRPr lang="en-GB" sz="2400" dirty="0">
-              <a:latin typeface="Calibri" panose="020F0502020204030204" pitchFamily="34" charset="0"/>
-            </a:endParaRPr>
-          </a:p>
-        </p:txBody>
-      </p:sp>
-      <p:sp>
-        <p:nvSpPr>
-          <p:cNvPr id="11" name="TextBox 10"/>
-          <p:cNvSpPr txBox="1"/>
-          <p:nvPr/>
-        </p:nvSpPr>
-        <p:spPr>
-          <a:xfrm>
-            <a:off x="494506" y="2564123"/>
-            <a:ext cx="1743075" cy="461665"/>
-          </a:xfrm>
-          <a:prstGeom prst="rect">
-            <a:avLst/>
-          </a:prstGeom>
-          <a:noFill/>
-        </p:spPr>
-        <p:txBody>
-          <a:bodyPr wrap="square" rtlCol="0">
-            <a:spAutoFit/>
-          </a:bodyPr>
-          <a:lstStyle/>
-          <a:p>
-            <a:r>
-              <a:rPr lang="en-GB" sz="2400" b="1" dirty="0" smtClean="0">
-                <a:latin typeface="Calibri" panose="020F0502020204030204" pitchFamily="34" charset="0"/>
-              </a:rPr>
               <a:t>Python:</a:t>
             </a:r>
           </a:p>
@@ -8394,7 +11265,7 @@
     </p:spTree>
     <p:extLst>
       <p:ext uri="{BB962C8B-B14F-4D97-AF65-F5344CB8AC3E}">
-        <p14:creationId xmlns:p14="http://schemas.microsoft.com/office/powerpoint/2010/main" val="3409737907"/>
+        <p14:creationId xmlns:p14="http://schemas.microsoft.com/office/powerpoint/2010/main" val="2999887116"/>
       </p:ext>
     </p:extLst>
   </p:cSld>
@@ -8450,15 +11321,159 @@
           <a:p>
             <a:r>
               <a:rPr lang="en-GB" dirty="0" smtClean="0"/>
-              <a:t>Interpolation Between Nodes</a:t>
+              <a:t>Create Yarns</a:t>
             </a:r>
             <a:endParaRPr lang="en-GB" dirty="0"/>
+          </a:p>
+        </p:txBody>
+      </p:sp>
+      <p:sp>
+        <p:nvSpPr>
+          <p:cNvPr id="4" name="TextBox 3"/>
+          <p:cNvSpPr txBox="1"/>
+          <p:nvPr/>
+        </p:nvSpPr>
+        <p:spPr>
+          <a:xfrm>
+            <a:off x="494505" y="2959784"/>
+            <a:ext cx="4591845" cy="1200329"/>
+          </a:xfrm>
+          <a:prstGeom prst="rect">
+            <a:avLst/>
+          </a:prstGeom>
+          <a:solidFill>
+            <a:schemeClr val="bg1">
+              <a:lumMod val="85000"/>
+            </a:schemeClr>
+          </a:solidFill>
+        </p:spPr>
+        <p:txBody>
+          <a:bodyPr wrap="square" rtlCol="0">
+            <a:spAutoFit/>
+          </a:bodyPr>
+          <a:lstStyle/>
+          <a:p>
+            <a:r>
+              <a:rPr lang="en-GB" dirty="0" smtClean="0">
+                <a:latin typeface="Courier New" panose="02070309020205020404" pitchFamily="49" charset="0"/>
+                <a:cs typeface="Courier New" panose="02070309020205020404" pitchFamily="49" charset="0"/>
+              </a:rPr>
+              <a:t>Yarn = </a:t>
+            </a:r>
+            <a:r>
+              <a:rPr lang="en-GB" dirty="0" err="1" smtClean="0">
+                <a:latin typeface="Courier New" panose="02070309020205020404" pitchFamily="49" charset="0"/>
+                <a:cs typeface="Courier New" panose="02070309020205020404" pitchFamily="49" charset="0"/>
+              </a:rPr>
+              <a:t>CYarn</a:t>
+            </a:r>
+            <a:r>
+              <a:rPr lang="en-GB" dirty="0" smtClean="0">
+                <a:latin typeface="Courier New" panose="02070309020205020404" pitchFamily="49" charset="0"/>
+                <a:cs typeface="Courier New" panose="02070309020205020404" pitchFamily="49" charset="0"/>
+              </a:rPr>
+              <a:t>()</a:t>
+            </a:r>
+          </a:p>
+          <a:p>
+            <a:r>
+              <a:rPr lang="en-GB" dirty="0" err="1" smtClean="0">
+                <a:latin typeface="Courier New" panose="02070309020205020404" pitchFamily="49" charset="0"/>
+                <a:cs typeface="Courier New" panose="02070309020205020404" pitchFamily="49" charset="0"/>
+              </a:rPr>
+              <a:t>Yarn.AddNode</a:t>
+            </a:r>
+            <a:r>
+              <a:rPr lang="en-GB" dirty="0" smtClean="0">
+                <a:latin typeface="Courier New" panose="02070309020205020404" pitchFamily="49" charset="0"/>
+                <a:cs typeface="Courier New" panose="02070309020205020404" pitchFamily="49" charset="0"/>
+              </a:rPr>
+              <a:t>(</a:t>
+            </a:r>
+            <a:r>
+              <a:rPr lang="en-GB" dirty="0" err="1" smtClean="0">
+                <a:latin typeface="Courier New" panose="02070309020205020404" pitchFamily="49" charset="0"/>
+                <a:cs typeface="Courier New" panose="02070309020205020404" pitchFamily="49" charset="0"/>
+              </a:rPr>
+              <a:t>CNode</a:t>
+            </a:r>
+            <a:r>
+              <a:rPr lang="en-GB" dirty="0" smtClean="0">
+                <a:latin typeface="Courier New" panose="02070309020205020404" pitchFamily="49" charset="0"/>
+                <a:cs typeface="Courier New" panose="02070309020205020404" pitchFamily="49" charset="0"/>
+              </a:rPr>
+              <a:t>(XYZ(0,0,0)))</a:t>
+            </a:r>
+          </a:p>
+          <a:p>
+            <a:r>
+              <a:rPr lang="en-GB" dirty="0" err="1" smtClean="0">
+                <a:latin typeface="Courier New" panose="02070309020205020404" pitchFamily="49" charset="0"/>
+                <a:cs typeface="Courier New" panose="02070309020205020404" pitchFamily="49" charset="0"/>
+              </a:rPr>
+              <a:t>Yarn.AddNode</a:t>
+            </a:r>
+            <a:r>
+              <a:rPr lang="en-GB" dirty="0" smtClean="0">
+                <a:latin typeface="Courier New" panose="02070309020205020404" pitchFamily="49" charset="0"/>
+                <a:cs typeface="Courier New" panose="02070309020205020404" pitchFamily="49" charset="0"/>
+              </a:rPr>
+              <a:t>(</a:t>
+            </a:r>
+            <a:r>
+              <a:rPr lang="en-GB" dirty="0" err="1" smtClean="0">
+                <a:latin typeface="Courier New" panose="02070309020205020404" pitchFamily="49" charset="0"/>
+                <a:cs typeface="Courier New" panose="02070309020205020404" pitchFamily="49" charset="0"/>
+              </a:rPr>
+              <a:t>CNode</a:t>
+            </a:r>
+            <a:r>
+              <a:rPr lang="en-GB" dirty="0" smtClean="0">
+                <a:latin typeface="Courier New" panose="02070309020205020404" pitchFamily="49" charset="0"/>
+                <a:cs typeface="Courier New" panose="02070309020205020404" pitchFamily="49" charset="0"/>
+              </a:rPr>
+              <a:t>(XYZ(5,0,1)))</a:t>
+            </a:r>
+          </a:p>
+          <a:p>
+            <a:r>
+              <a:rPr lang="en-GB" dirty="0" err="1" smtClean="0">
+                <a:latin typeface="Courier New" panose="02070309020205020404" pitchFamily="49" charset="0"/>
+                <a:cs typeface="Courier New" panose="02070309020205020404" pitchFamily="49" charset="0"/>
+              </a:rPr>
+              <a:t>Yarn.AddNode</a:t>
+            </a:r>
+            <a:r>
+              <a:rPr lang="en-GB" dirty="0" smtClean="0">
+                <a:latin typeface="Courier New" panose="02070309020205020404" pitchFamily="49" charset="0"/>
+                <a:cs typeface="Courier New" panose="02070309020205020404" pitchFamily="49" charset="0"/>
+              </a:rPr>
+              <a:t>(</a:t>
+            </a:r>
+            <a:r>
+              <a:rPr lang="en-GB" dirty="0" err="1" smtClean="0">
+                <a:latin typeface="Courier New" panose="02070309020205020404" pitchFamily="49" charset="0"/>
+                <a:cs typeface="Courier New" panose="02070309020205020404" pitchFamily="49" charset="0"/>
+              </a:rPr>
+              <a:t>CNode</a:t>
+            </a:r>
+            <a:r>
+              <a:rPr lang="en-GB" dirty="0" smtClean="0">
+                <a:latin typeface="Courier New" panose="02070309020205020404" pitchFamily="49" charset="0"/>
+                <a:cs typeface="Courier New" panose="02070309020205020404" pitchFamily="49" charset="0"/>
+              </a:rPr>
+              <a:t>(XYZ(10,0,0)))</a:t>
+            </a:r>
+            <a:endParaRPr lang="en-GB" dirty="0">
+              <a:latin typeface="Courier New" panose="02070309020205020404" pitchFamily="49" charset="0"/>
+              <a:cs typeface="Courier New" panose="02070309020205020404" pitchFamily="49" charset="0"/>
+            </a:endParaRPr>
           </a:p>
         </p:txBody>
       </p:sp>
       <p:pic>
         <p:nvPicPr>
-          <p:cNvPr id="3" name="Picture 2" descr="Bezier.png"/>
+          <p:cNvPr id="5" name="Picture 4" descr="CreateYarn.png"/>
           <p:cNvPicPr>
             <a:picLocks noChangeAspect="1"/>
           </p:cNvPicPr>
@@ -8472,8 +11487,8 @@
         </p:blipFill>
         <p:spPr>
           <a:xfrm>
-            <a:off x="4792794" y="1844824"/>
-            <a:ext cx="4176464" cy="1243838"/>
+            <a:off x="6387133" y="1682926"/>
+            <a:ext cx="2084707" cy="1078524"/>
           </a:xfrm>
           <a:prstGeom prst="rect">
             <a:avLst/>
@@ -8482,7 +11497,7 @@
       </p:pic>
       <p:pic>
         <p:nvPicPr>
-          <p:cNvPr id="4" name="Picture 3" descr="BezierPeriodic.png"/>
+          <p:cNvPr id="6" name="Picture 5" descr="StraightYarn.png"/>
           <p:cNvPicPr>
             <a:picLocks noChangeAspect="1"/>
           </p:cNvPicPr>
@@ -8496,8 +11511,32 @@
         </p:blipFill>
         <p:spPr>
           <a:xfrm>
-            <a:off x="4792794" y="3510858"/>
-            <a:ext cx="4176464" cy="1248895"/>
+            <a:off x="494506" y="4869160"/>
+            <a:ext cx="3889461" cy="1368152"/>
+          </a:xfrm>
+          <a:prstGeom prst="rect">
+            <a:avLst/>
+          </a:prstGeom>
+        </p:spPr>
+      </p:pic>
+      <p:pic>
+        <p:nvPicPr>
+          <p:cNvPr id="7" name="Picture 6" descr="MoveNode.png"/>
+          <p:cNvPicPr>
+            <a:picLocks noChangeAspect="1"/>
+          </p:cNvPicPr>
+          <p:nvPr/>
+        </p:nvPicPr>
+        <p:blipFill>
+          <a:blip r:embed="rId4" cstate="print"/>
+          <a:stretch>
+            <a:fillRect/>
+          </a:stretch>
+        </p:blipFill>
+        <p:spPr>
+          <a:xfrm>
+            <a:off x="5086350" y="4655635"/>
+            <a:ext cx="3744416" cy="1795202"/>
           </a:xfrm>
           <a:prstGeom prst="rect">
             <a:avLst/>
@@ -8506,23 +11545,19 @@
       </p:pic>
       <p:sp>
         <p:nvSpPr>
-          <p:cNvPr id="5" name="TextBox 4"/>
+          <p:cNvPr id="8" name="TextBox 7"/>
           <p:cNvSpPr txBox="1"/>
           <p:nvPr/>
         </p:nvSpPr>
         <p:spPr>
           <a:xfrm>
-            <a:off x="395536" y="5157192"/>
-            <a:ext cx="6662489" cy="369332"/>
-          </a:xfrm>
-          <a:prstGeom prst="rect">
-            <a:avLst/>
-          </a:prstGeom>
-          <a:solidFill>
-            <a:schemeClr val="bg1">
-              <a:lumMod val="85000"/>
-            </a:schemeClr>
-          </a:solidFill>
+            <a:off x="467544" y="1082761"/>
+            <a:ext cx="6580956" cy="523220"/>
+          </a:xfrm>
+          <a:prstGeom prst="rect">
+            <a:avLst/>
+          </a:prstGeom>
+          <a:noFill/>
         </p:spPr>
         <p:txBody>
           <a:bodyPr wrap="square" rtlCol="0">
@@ -8531,304 +11566,13 @@
           <a:lstStyle/>
           <a:p>
             <a:r>
-              <a:rPr lang="en-GB" dirty="0" err="1" smtClean="0">
-                <a:latin typeface="Courier New" panose="02070309020205020404" pitchFamily="49" charset="0"/>
-                <a:cs typeface="Courier New" panose="02070309020205020404" pitchFamily="49" charset="0"/>
-              </a:rPr>
-              <a:t>Yarn.AssignInterpolation</a:t>
-            </a:r>
-            <a:r>
-              <a:rPr lang="en-GB" dirty="0" smtClean="0">
-                <a:latin typeface="Courier New" panose="02070309020205020404" pitchFamily="49" charset="0"/>
-                <a:cs typeface="Courier New" panose="02070309020205020404" pitchFamily="49" charset="0"/>
-              </a:rPr>
-              <a:t>(</a:t>
-            </a:r>
-            <a:r>
-              <a:rPr lang="en-GB" dirty="0" err="1" smtClean="0">
-                <a:latin typeface="Courier New" panose="02070309020205020404" pitchFamily="49" charset="0"/>
-                <a:cs typeface="Courier New" panose="02070309020205020404" pitchFamily="49" charset="0"/>
-              </a:rPr>
-              <a:t>CInterpolationCubic</a:t>
-            </a:r>
-            <a:r>
-              <a:rPr lang="en-GB" dirty="0" smtClean="0">
-                <a:latin typeface="Courier New" panose="02070309020205020404" pitchFamily="49" charset="0"/>
-                <a:cs typeface="Courier New" panose="02070309020205020404" pitchFamily="49" charset="0"/>
-              </a:rPr>
-              <a:t>())</a:t>
-            </a:r>
-          </a:p>
-        </p:txBody>
-      </p:sp>
-      <p:sp>
-        <p:nvSpPr>
-          <p:cNvPr id="6" name="TextBox 5"/>
-          <p:cNvSpPr txBox="1"/>
-          <p:nvPr/>
-        </p:nvSpPr>
-        <p:spPr>
-          <a:xfrm>
-            <a:off x="149324" y="2016614"/>
-            <a:ext cx="4365526" cy="2554545"/>
-          </a:xfrm>
-          <a:prstGeom prst="rect">
-            <a:avLst/>
-          </a:prstGeom>
-          <a:noFill/>
-        </p:spPr>
-        <p:txBody>
-          <a:bodyPr wrap="square" rtlCol="0">
-            <a:spAutoFit/>
-          </a:bodyPr>
-          <a:lstStyle/>
-          <a:p>
-            <a:pPr>
-              <a:buClr>
-                <a:schemeClr val="accent2">
-                  <a:lumMod val="75000"/>
-                </a:schemeClr>
-              </a:buClr>
-            </a:pPr>
-            <a:r>
-              <a:rPr lang="en-GB" sz="2000" b="1" dirty="0">
-                <a:latin typeface="Calibri" panose="020F0502020204030204" pitchFamily="34" charset="0"/>
-              </a:rPr>
-              <a:t>GUI: </a:t>
-            </a:r>
-            <a:r>
-              <a:rPr lang="en-GB" sz="2000" dirty="0" smtClean="0">
-                <a:latin typeface="Calibri" panose="020F0502020204030204" pitchFamily="34" charset="0"/>
-              </a:rPr>
-              <a:t>Select </a:t>
-            </a:r>
-            <a:r>
-              <a:rPr lang="en-GB" sz="2000" i="1" dirty="0" smtClean="0">
-                <a:latin typeface="Calibri" panose="020F0502020204030204" pitchFamily="34" charset="0"/>
-              </a:rPr>
-              <a:t>Modeller -&gt; Interpolation</a:t>
-            </a:r>
-          </a:p>
-          <a:p>
-            <a:pPr>
-              <a:buClr>
-                <a:schemeClr val="accent2">
-                  <a:lumMod val="75000"/>
-                </a:schemeClr>
-              </a:buClr>
-              <a:buFont typeface="Arial" pitchFamily="34" charset="0"/>
-              <a:buChar char="•"/>
-            </a:pPr>
-            <a:endParaRPr lang="en-GB" sz="2000" dirty="0" smtClean="0">
+              <a:rPr lang="en-GB" sz="2800" dirty="0" smtClean="0">
+                <a:latin typeface="Calibri" panose="020F0502020204030204" pitchFamily="34" charset="0"/>
+              </a:rPr>
+              <a:t>Yarns are denotes by a set of Master Nodes</a:t>
+            </a:r>
+            <a:endParaRPr lang="en-GB" sz="2800" dirty="0">
               <a:latin typeface="Calibri" panose="020F0502020204030204" pitchFamily="34" charset="0"/>
-            </a:endParaRPr>
-          </a:p>
-          <a:p>
-            <a:pPr lvl="1">
-              <a:buClr>
-                <a:schemeClr val="accent2">
-                  <a:lumMod val="75000"/>
-                </a:schemeClr>
-              </a:buClr>
-              <a:buFont typeface="Arial" pitchFamily="34" charset="0"/>
-              <a:buChar char="•"/>
-            </a:pPr>
-            <a:r>
-              <a:rPr lang="en-GB" sz="2000" dirty="0" smtClean="0">
-                <a:latin typeface="Calibri" panose="020F0502020204030204" pitchFamily="34" charset="0"/>
-              </a:rPr>
-              <a:t> Bezier </a:t>
-            </a:r>
-            <a:r>
-              <a:rPr lang="en-GB" sz="2000" dirty="0" err="1" smtClean="0">
-                <a:latin typeface="Calibri" panose="020F0502020204030204" pitchFamily="34" charset="0"/>
-              </a:rPr>
-              <a:t>spline</a:t>
-            </a:r>
-            <a:endParaRPr lang="en-GB" sz="2000" dirty="0" smtClean="0">
-              <a:latin typeface="Calibri" panose="020F0502020204030204" pitchFamily="34" charset="0"/>
-            </a:endParaRPr>
-          </a:p>
-          <a:p>
-            <a:pPr lvl="1">
-              <a:buClr>
-                <a:schemeClr val="accent2">
-                  <a:lumMod val="75000"/>
-                </a:schemeClr>
-              </a:buClr>
-              <a:buFont typeface="Arial" pitchFamily="34" charset="0"/>
-              <a:buChar char="•"/>
-            </a:pPr>
-            <a:r>
-              <a:rPr lang="en-GB" sz="2000" dirty="0" smtClean="0">
-                <a:latin typeface="Calibri" panose="020F0502020204030204" pitchFamily="34" charset="0"/>
-              </a:rPr>
-              <a:t> Natural cubic </a:t>
-            </a:r>
-            <a:r>
-              <a:rPr lang="en-GB" sz="2000" dirty="0" err="1" smtClean="0">
-                <a:latin typeface="Calibri" panose="020F0502020204030204" pitchFamily="34" charset="0"/>
-              </a:rPr>
-              <a:t>spline</a:t>
-            </a:r>
-            <a:endParaRPr lang="en-GB" sz="2000" dirty="0" smtClean="0">
-              <a:latin typeface="Calibri" panose="020F0502020204030204" pitchFamily="34" charset="0"/>
-            </a:endParaRPr>
-          </a:p>
-          <a:p>
-            <a:pPr lvl="1">
-              <a:buClr>
-                <a:schemeClr val="accent2">
-                  <a:lumMod val="75000"/>
-                </a:schemeClr>
-              </a:buClr>
-              <a:buFont typeface="Arial" pitchFamily="34" charset="0"/>
-              <a:buChar char="•"/>
-            </a:pPr>
-            <a:r>
-              <a:rPr lang="en-GB" sz="2000" dirty="0" smtClean="0">
-                <a:latin typeface="Calibri" panose="020F0502020204030204" pitchFamily="34" charset="0"/>
-              </a:rPr>
-              <a:t> Linear </a:t>
-            </a:r>
-            <a:r>
-              <a:rPr lang="en-GB" sz="2000" dirty="0" err="1" smtClean="0">
-                <a:latin typeface="Calibri" panose="020F0502020204030204" pitchFamily="34" charset="0"/>
-              </a:rPr>
-              <a:t>spline</a:t>
-            </a:r>
-            <a:endParaRPr lang="en-GB" sz="2000" dirty="0" smtClean="0">
-              <a:latin typeface="Calibri" panose="020F0502020204030204" pitchFamily="34" charset="0"/>
-            </a:endParaRPr>
-          </a:p>
-          <a:p>
-            <a:pPr lvl="1">
-              <a:buClr>
-                <a:schemeClr val="accent2">
-                  <a:lumMod val="75000"/>
-                </a:schemeClr>
-              </a:buClr>
-              <a:buFont typeface="Arial" pitchFamily="34" charset="0"/>
-              <a:buChar char="•"/>
-            </a:pPr>
-            <a:endParaRPr lang="en-GB" sz="2000" dirty="0" smtClean="0">
-              <a:latin typeface="Calibri" panose="020F0502020204030204" pitchFamily="34" charset="0"/>
-            </a:endParaRPr>
-          </a:p>
-          <a:p>
-            <a:pPr lvl="1">
-              <a:buClr>
-                <a:schemeClr val="accent2">
-                  <a:lumMod val="75000"/>
-                </a:schemeClr>
-              </a:buClr>
-              <a:buFont typeface="Arial" pitchFamily="34" charset="0"/>
-              <a:buChar char="•"/>
-            </a:pPr>
-            <a:r>
-              <a:rPr lang="en-GB" sz="2000" dirty="0" smtClean="0">
-                <a:latin typeface="Calibri" panose="020F0502020204030204" pitchFamily="34" charset="0"/>
-              </a:rPr>
-              <a:t> Periodic – select to maintain continuity across yarn repeats</a:t>
-            </a:r>
-            <a:endParaRPr lang="en-GB" sz="2000" dirty="0">
-              <a:latin typeface="Calibri" panose="020F0502020204030204" pitchFamily="34" charset="0"/>
-            </a:endParaRPr>
-          </a:p>
-        </p:txBody>
-      </p:sp>
-      <p:sp>
-        <p:nvSpPr>
-          <p:cNvPr id="7" name="TextBox 6"/>
-          <p:cNvSpPr txBox="1"/>
-          <p:nvPr/>
-        </p:nvSpPr>
-        <p:spPr>
-          <a:xfrm>
-            <a:off x="257175" y="952500"/>
-            <a:ext cx="8039100" cy="954107"/>
-          </a:xfrm>
-          <a:prstGeom prst="rect">
-            <a:avLst/>
-          </a:prstGeom>
-          <a:noFill/>
-        </p:spPr>
-        <p:txBody>
-          <a:bodyPr wrap="square" rtlCol="0">
-            <a:spAutoFit/>
-          </a:bodyPr>
-          <a:lstStyle/>
-          <a:p>
-            <a:r>
-              <a:rPr lang="en-GB" sz="2800" dirty="0" smtClean="0">
-                <a:latin typeface="Calibri" panose="020F0502020204030204" pitchFamily="34" charset="0"/>
-              </a:rPr>
-              <a:t>A path is generated between the master nodes by an interpolation function</a:t>
-            </a:r>
-          </a:p>
-        </p:txBody>
-      </p:sp>
-      <p:sp>
-        <p:nvSpPr>
-          <p:cNvPr id="8" name="Right Arrow 7"/>
-          <p:cNvSpPr/>
-          <p:nvPr/>
-        </p:nvSpPr>
-        <p:spPr>
-          <a:xfrm>
-            <a:off x="3977547" y="4038600"/>
-            <a:ext cx="676275" cy="304800"/>
-          </a:xfrm>
-          <a:prstGeom prst="rightArrow">
-            <a:avLst/>
-          </a:prstGeom>
-          <a:gradFill flip="none" rotWithShape="1">
-            <a:gsLst>
-              <a:gs pos="70000">
-                <a:srgbClr val="00487E">
-                  <a:lumMod val="85000"/>
-                  <a:lumOff val="15000"/>
-                </a:srgbClr>
-              </a:gs>
-              <a:gs pos="17000">
-                <a:schemeClr val="accent1"/>
-              </a:gs>
-              <a:gs pos="100000">
-                <a:schemeClr val="accent1">
-                  <a:lumMod val="75000"/>
-                </a:schemeClr>
-              </a:gs>
-            </a:gsLst>
-            <a:lin ang="0" scaled="1"/>
-            <a:tileRect/>
-          </a:gradFill>
-          <a:ln>
-            <a:noFill/>
-          </a:ln>
-        </p:spPr>
-        <p:style>
-          <a:lnRef idx="2">
-            <a:schemeClr val="accent1">
-              <a:shade val="50000"/>
-            </a:schemeClr>
-          </a:lnRef>
-          <a:fillRef idx="1">
-            <a:schemeClr val="accent1"/>
-          </a:fillRef>
-          <a:effectRef idx="0">
-            <a:schemeClr val="accent1"/>
-          </a:effectRef>
-          <a:fontRef idx="minor">
-            <a:schemeClr val="lt1"/>
-          </a:fontRef>
-        </p:style>
-        <p:txBody>
-          <a:bodyPr rtlCol="0" anchor="ctr"/>
-          <a:lstStyle/>
-          <a:p>
-            <a:pPr algn="ctr"/>
-            <a:endParaRPr lang="en-GB" sz="2400" b="1" dirty="0">
-              <a:latin typeface="+mj-lt"/>
             </a:endParaRPr>
           </a:p>
         </p:txBody>
@@ -8841,8 +11585,8 @@
         </p:nvSpPr>
         <p:spPr>
           <a:xfrm>
-            <a:off x="395536" y="4695527"/>
-            <a:ext cx="1743075" cy="461665"/>
+            <a:off x="494506" y="1828493"/>
+            <a:ext cx="6381750" cy="461665"/>
           </a:xfrm>
           <a:prstGeom prst="rect">
             <a:avLst/>
@@ -8859,21 +11603,54 @@
               <a:rPr lang="en-GB" sz="2400" b="1" dirty="0" smtClean="0">
                 <a:latin typeface="Calibri" panose="020F0502020204030204" pitchFamily="34" charset="0"/>
               </a:rPr>
-              <a:t>Python:</a:t>
-            </a:r>
+              <a:t>GUI: </a:t>
+            </a:r>
+            <a:r>
+              <a:rPr lang="en-GB" sz="2400" dirty="0" smtClean="0">
+                <a:latin typeface="Calibri" panose="020F0502020204030204" pitchFamily="34" charset="0"/>
+              </a:rPr>
+              <a:t>Select </a:t>
+            </a:r>
+            <a:r>
+              <a:rPr lang="en-GB" sz="2400" i="1" dirty="0" smtClean="0">
+                <a:latin typeface="Calibri" panose="020F0502020204030204" pitchFamily="34" charset="0"/>
+              </a:rPr>
+              <a:t>Modeller-&gt;Create Yarn </a:t>
+            </a:r>
+            <a:r>
+              <a:rPr lang="en-GB" sz="2400" dirty="0" smtClean="0">
+                <a:latin typeface="Calibri" panose="020F0502020204030204" pitchFamily="34" charset="0"/>
+              </a:rPr>
+              <a:t>( </a:t>
+            </a:r>
+            <a:r>
+              <a:rPr lang="en-GB" sz="2400" dirty="0">
+                <a:latin typeface="Calibri" panose="020F0502020204030204" pitchFamily="34" charset="0"/>
+              </a:rPr>
+              <a:t>Step </a:t>
+            </a:r>
+            <a:r>
+              <a:rPr lang="en-GB" sz="2400" dirty="0" smtClean="0">
+                <a:latin typeface="Calibri" panose="020F0502020204030204" pitchFamily="34" charset="0"/>
+              </a:rPr>
+              <a:t>2 )</a:t>
+            </a:r>
+            <a:endParaRPr lang="en-GB" sz="2400" dirty="0">
+              <a:latin typeface="Calibri" panose="020F0502020204030204" pitchFamily="34" charset="0"/>
+            </a:endParaRPr>
           </a:p>
         </p:txBody>
       </p:sp>
       <p:sp>
         <p:nvSpPr>
-          <p:cNvPr id="10" name="TextBox 9"/>
+          <p:cNvPr id="11" name="TextBox 10"/>
           <p:cNvSpPr txBox="1"/>
           <p:nvPr/>
         </p:nvSpPr>
         <p:spPr>
           <a:xfrm>
-            <a:off x="395536" y="5657500"/>
-            <a:ext cx="7900739" cy="707886"/>
+            <a:off x="494506" y="2564123"/>
+            <a:ext cx="1743075" cy="461665"/>
           </a:xfrm>
           <a:prstGeom prst="rect">
             <a:avLst/>
@@ -8887,65 +11664,18 @@
           <a:lstStyle/>
           <a:p>
             <a:r>
-              <a:rPr lang="en-GB" sz="2000" dirty="0" smtClean="0">
-                <a:latin typeface="Calibri" panose="020F0502020204030204" pitchFamily="34" charset="0"/>
-                <a:cs typeface="Courier New" panose="02070309020205020404" pitchFamily="49" charset="0"/>
-              </a:rPr>
-              <a:t>Defaults </a:t>
-            </a:r>
-            <a:r>
-              <a:rPr lang="en-GB" sz="2000" dirty="0">
-                <a:latin typeface="Calibri" panose="020F0502020204030204" pitchFamily="34" charset="0"/>
-                <a:cs typeface="Courier New" panose="02070309020205020404" pitchFamily="49" charset="0"/>
-              </a:rPr>
-              <a:t>to periodic, send </a:t>
-            </a:r>
-            <a:r>
-              <a:rPr lang="en-GB" sz="2000" dirty="0" smtClean="0">
-                <a:latin typeface="Calibri" panose="020F0502020204030204" pitchFamily="34" charset="0"/>
-                <a:cs typeface="Courier New" panose="02070309020205020404" pitchFamily="49" charset="0"/>
-              </a:rPr>
-              <a:t>False as parameter to </a:t>
-            </a:r>
-            <a:r>
-              <a:rPr lang="en-GB" sz="2000" dirty="0" err="1" smtClean="0">
-                <a:latin typeface="Calibri" panose="020F0502020204030204" pitchFamily="34" charset="0"/>
-                <a:cs typeface="Courier New" panose="02070309020205020404" pitchFamily="49" charset="0"/>
-              </a:rPr>
-              <a:t>CInterpolationCubic</a:t>
-            </a:r>
-            <a:r>
-              <a:rPr lang="en-GB" sz="2000" dirty="0" smtClean="0">
-                <a:latin typeface="Calibri" panose="020F0502020204030204" pitchFamily="34" charset="0"/>
-                <a:cs typeface="Courier New" panose="02070309020205020404" pitchFamily="49" charset="0"/>
-              </a:rPr>
-              <a:t>() for </a:t>
-            </a:r>
-            <a:r>
-              <a:rPr lang="en-GB" sz="2000" dirty="0">
-                <a:latin typeface="Calibri" panose="020F0502020204030204" pitchFamily="34" charset="0"/>
-                <a:cs typeface="Courier New" panose="02070309020205020404" pitchFamily="49" charset="0"/>
-              </a:rPr>
-              <a:t>non-periodic </a:t>
-            </a:r>
-            <a:r>
-              <a:rPr lang="en-GB" sz="2000" dirty="0" smtClean="0">
-                <a:latin typeface="Calibri" panose="020F0502020204030204" pitchFamily="34" charset="0"/>
-                <a:cs typeface="Courier New" panose="02070309020205020404" pitchFamily="49" charset="0"/>
-              </a:rPr>
-              <a:t>interpolation</a:t>
-            </a:r>
-            <a:endParaRPr lang="en-GB" sz="2000" dirty="0">
-              <a:latin typeface="Calibri" panose="020F0502020204030204" pitchFamily="34" charset="0"/>
-              <a:cs typeface="Courier New" panose="02070309020205020404" pitchFamily="49" charset="0"/>
-            </a:endParaRPr>
+              <a:rPr lang="en-GB" sz="2400" b="1" dirty="0" smtClean="0">
+                <a:latin typeface="Calibri" panose="020F0502020204030204" pitchFamily="34" charset="0"/>
+              </a:rPr>
+              <a:t>Python:</a:t>
+            </a:r>
           </a:p>
         </p:txBody>
       </p:sp>
     </p:spTree>
     <p:extLst>
       <p:ext uri="{BB962C8B-B14F-4D97-AF65-F5344CB8AC3E}">
-        <p14:creationId xmlns:p14="http://schemas.microsoft.com/office/powerpoint/2010/main" val="123175329"/>
+        <p14:creationId xmlns:p14="http://schemas.microsoft.com/office/powerpoint/2010/main" val="3409737907"/>
       </p:ext>
     </p:extLst>
   </p:cSld>
@@ -9001,27 +11731,79 @@
           <a:p>
             <a:r>
               <a:rPr lang="en-GB" dirty="0" smtClean="0"/>
-              <a:t>Yarn Cross-Sections - Interpolation</a:t>
+              <a:t>Interpolation Between Nodes</a:t>
             </a:r>
             <a:endParaRPr lang="en-GB" dirty="0"/>
           </a:p>
         </p:txBody>
       </p:sp>
+      <p:pic>
+        <p:nvPicPr>
+          <p:cNvPr id="3" name="Picture 2" descr="Bezier.png"/>
+          <p:cNvPicPr>
+            <a:picLocks noChangeAspect="1"/>
+          </p:cNvPicPr>
+          <p:nvPr/>
+        </p:nvPicPr>
+        <p:blipFill>
+          <a:blip r:embed="rId2" cstate="print"/>
+          <a:stretch>
+            <a:fillRect/>
+          </a:stretch>
+        </p:blipFill>
+        <p:spPr>
+          <a:xfrm>
+            <a:off x="4792794" y="1844824"/>
+            <a:ext cx="4176464" cy="1243838"/>
+          </a:xfrm>
+          <a:prstGeom prst="rect">
+            <a:avLst/>
+          </a:prstGeom>
+        </p:spPr>
+      </p:pic>
+      <p:pic>
+        <p:nvPicPr>
+          <p:cNvPr id="4" name="Picture 3" descr="BezierPeriodic.png"/>
+          <p:cNvPicPr>
+            <a:picLocks noChangeAspect="1"/>
+          </p:cNvPicPr>
+          <p:nvPr/>
+        </p:nvPicPr>
+        <p:blipFill>
+          <a:blip r:embed="rId3" cstate="print"/>
+          <a:stretch>
+            <a:fillRect/>
+          </a:stretch>
+        </p:blipFill>
+        <p:spPr>
+          <a:xfrm>
+            <a:off x="4792794" y="3510858"/>
+            <a:ext cx="4176464" cy="1248895"/>
+          </a:xfrm>
+          <a:prstGeom prst="rect">
+            <a:avLst/>
+          </a:prstGeom>
+        </p:spPr>
+      </p:pic>
       <p:sp>
         <p:nvSpPr>
-          <p:cNvPr id="3" name="TextBox 2"/>
+          <p:cNvPr id="5" name="TextBox 4"/>
           <p:cNvSpPr txBox="1"/>
           <p:nvPr/>
         </p:nvSpPr>
         <p:spPr>
           <a:xfrm>
-            <a:off x="257175" y="952500"/>
-            <a:ext cx="8039100" cy="2677656"/>
-          </a:xfrm>
-          <a:prstGeom prst="rect">
-            <a:avLst/>
-          </a:prstGeom>
-          <a:noFill/>
+            <a:off x="395536" y="5157192"/>
+            <a:ext cx="6662489" cy="369332"/>
+          </a:xfrm>
+          <a:prstGeom prst="rect">
+            <a:avLst/>
+          </a:prstGeom>
+          <a:solidFill>
+            <a:schemeClr val="bg1">
+              <a:lumMod val="85000"/>
+            </a:schemeClr>
+          </a:solidFill>
         </p:spPr>
         <p:txBody>
           <a:bodyPr wrap="square" rtlCol="0">
@@ -9030,44 +11812,54 @@
           <a:lstStyle/>
           <a:p>
             <a:r>
-              <a:rPr lang="en-GB" sz="2800" dirty="0" smtClean="0">
-                <a:latin typeface="Calibri" panose="020F0502020204030204" pitchFamily="34" charset="0"/>
-              </a:rPr>
-              <a:t>Yarn cross-sections are specified as 2D sections perpendicular to the yarn tangent</a:t>
-            </a:r>
-          </a:p>
-          <a:p>
-            <a:endParaRPr lang="en-GB" sz="2800" dirty="0">
-              <a:latin typeface="Calibri" panose="020F0502020204030204" pitchFamily="34" charset="0"/>
-            </a:endParaRPr>
-          </a:p>
-          <a:p>
-            <a:r>
-              <a:rPr lang="en-GB" sz="2800" dirty="0" smtClean="0">
-                <a:latin typeface="Calibri" panose="020F0502020204030204" pitchFamily="34" charset="0"/>
-              </a:rPr>
-              <a:t>By default the cross-section is constant along the length of the yarn or an interpolation method can be chosen</a:t>
+              <a:rPr lang="en-GB" dirty="0" err="1" smtClean="0">
+                <a:latin typeface="Courier New" panose="02070309020205020404" pitchFamily="49" charset="0"/>
+                <a:cs typeface="Courier New" panose="02070309020205020404" pitchFamily="49" charset="0"/>
+              </a:rPr>
+              <a:t>Yarn.AssignInterpolation</a:t>
+            </a:r>
+            <a:r>
+              <a:rPr lang="en-GB" dirty="0" smtClean="0">
+                <a:latin typeface="Courier New" panose="02070309020205020404" pitchFamily="49" charset="0"/>
+                <a:cs typeface="Courier New" panose="02070309020205020404" pitchFamily="49" charset="0"/>
+              </a:rPr>
+              <a:t>(</a:t>
+            </a:r>
+            <a:r>
+              <a:rPr lang="en-GB" dirty="0" err="1" smtClean="0">
+                <a:latin typeface="Courier New" panose="02070309020205020404" pitchFamily="49" charset="0"/>
+                <a:cs typeface="Courier New" panose="02070309020205020404" pitchFamily="49" charset="0"/>
+              </a:rPr>
+              <a:t>CInterpolationCubic</a:t>
+            </a:r>
+            <a:r>
+              <a:rPr lang="en-GB" dirty="0" smtClean="0">
+                <a:latin typeface="Courier New" panose="02070309020205020404" pitchFamily="49" charset="0"/>
+                <a:cs typeface="Courier New" panose="02070309020205020404" pitchFamily="49" charset="0"/>
+              </a:rPr>
+              <a:t>())</a:t>
             </a:r>
           </a:p>
         </p:txBody>
       </p:sp>
       <p:sp>
         <p:nvSpPr>
-          <p:cNvPr id="4" name="Rectangle 3"/>
-          <p:cNvSpPr/>
+          <p:cNvPr id="6" name="TextBox 5"/>
+          <p:cNvSpPr txBox="1"/>
           <p:nvPr/>
         </p:nvSpPr>
         <p:spPr>
           <a:xfrm>
-            <a:off x="257175" y="3996571"/>
-            <a:ext cx="4572000" cy="1938992"/>
-          </a:xfrm>
-          <a:prstGeom prst="rect">
-            <a:avLst/>
-          </a:prstGeom>
+            <a:off x="149324" y="2016614"/>
+            <a:ext cx="4365526" cy="2554545"/>
+          </a:xfrm>
+          <a:prstGeom prst="rect">
+            <a:avLst/>
+          </a:prstGeom>
+          <a:noFill/>
         </p:spPr>
         <p:txBody>
-          <a:bodyPr>
+          <a:bodyPr wrap="square" rtlCol="0">
             <a:spAutoFit/>
           </a:bodyPr>
           <a:lstStyle/>
@@ -9092,10 +11884,10 @@
               <a:t>Select </a:t>
             </a:r>
             <a:r>
-              <a:rPr lang="en-GB" sz="2000" i="1" dirty="0">
-                <a:latin typeface="Calibri" panose="020F0502020204030204" pitchFamily="34" charset="0"/>
-              </a:rPr>
-              <a:t>Modeller -&gt; Assign Section</a:t>
+              <a:rPr lang="en-GB" sz="2000" i="1" dirty="0" smtClean="0">
+                <a:latin typeface="Calibri" panose="020F0502020204030204" pitchFamily="34" charset="0"/>
+              </a:rPr>
+              <a:t>Modeller -&gt; Interpolation</a:t>
             </a:r>
           </a:p>
           <a:p>
@@ -9108,7 +11900,7 @@
               <a:buFont typeface="Arial" pitchFamily="34" charset="0"/>
               <a:buChar char="•"/>
             </a:pPr>
-            <a:endParaRPr lang="en-GB" sz="2000" dirty="0">
+            <a:endParaRPr lang="en-GB" sz="2000" dirty="0" smtClean="0">
               <a:latin typeface="Calibri" panose="020F0502020204030204" pitchFamily="34" charset="0"/>
             </a:endParaRPr>
           </a:p>
@@ -9123,14 +11915,23 @@
               <a:buChar char="•"/>
             </a:pPr>
             <a:r>
-              <a:rPr lang="en-GB" sz="2000" dirty="0">
-                <a:latin typeface="Calibri" panose="020F0502020204030204" pitchFamily="34" charset="0"/>
-              </a:rPr>
-              <a:t> Select interpolation</a:t>
-            </a:r>
-          </a:p>
-          <a:p>
-            <a:pPr lvl="2">
+              <a:rPr lang="en-GB" sz="2000" dirty="0" smtClean="0">
+                <a:latin typeface="Calibri" panose="020F0502020204030204" pitchFamily="34" charset="0"/>
+              </a:rPr>
+              <a:t> Bezier </a:t>
+            </a:r>
+            <a:r>
+              <a:rPr lang="en-GB" sz="2000" dirty="0" err="1" smtClean="0">
+                <a:latin typeface="Calibri" panose="020F0502020204030204" pitchFamily="34" charset="0"/>
+              </a:rPr>
+              <a:t>spline</a:t>
+            </a:r>
+            <a:endParaRPr lang="en-GB" sz="2000" dirty="0" smtClean="0">
+              <a:latin typeface="Calibri" panose="020F0502020204030204" pitchFamily="34" charset="0"/>
+            </a:endParaRPr>
+          </a:p>
+          <a:p>
+            <a:pPr lvl="1">
               <a:buClr>
                 <a:schemeClr val="accent2">
                   <a:lumMod val="75000"/>
@@ -9140,14 +11941,23 @@
               <a:buChar char="•"/>
             </a:pPr>
             <a:r>
-              <a:rPr lang="en-GB" sz="2000" dirty="0">
-                <a:latin typeface="Calibri" panose="020F0502020204030204" pitchFamily="34" charset="0"/>
-              </a:rPr>
-              <a:t> Constant </a:t>
-            </a:r>
-          </a:p>
-          <a:p>
-            <a:pPr lvl="2">
+              <a:rPr lang="en-GB" sz="2000" dirty="0" smtClean="0">
+                <a:latin typeface="Calibri" panose="020F0502020204030204" pitchFamily="34" charset="0"/>
+              </a:rPr>
+              <a:t> Natural cubic </a:t>
+            </a:r>
+            <a:r>
+              <a:rPr lang="en-GB" sz="2000" dirty="0" err="1" smtClean="0">
+                <a:latin typeface="Calibri" panose="020F0502020204030204" pitchFamily="34" charset="0"/>
+              </a:rPr>
+              <a:t>spline</a:t>
+            </a:r>
+            <a:endParaRPr lang="en-GB" sz="2000" dirty="0" smtClean="0">
+              <a:latin typeface="Calibri" panose="020F0502020204030204" pitchFamily="34" charset="0"/>
+            </a:endParaRPr>
+          </a:p>
+          <a:p>
+            <a:pPr lvl="1">
               <a:buClr>
                 <a:schemeClr val="accent2">
                   <a:lumMod val="75000"/>
@@ -9157,14 +11967,23 @@
               <a:buChar char="•"/>
             </a:pPr>
             <a:r>
-              <a:rPr lang="en-GB" sz="2000" dirty="0">
-                <a:latin typeface="Calibri" panose="020F0502020204030204" pitchFamily="34" charset="0"/>
-              </a:rPr>
-              <a:t> Interpolate between nodes </a:t>
-            </a:r>
-          </a:p>
-          <a:p>
-            <a:pPr lvl="2">
+              <a:rPr lang="en-GB" sz="2000" dirty="0" smtClean="0">
+                <a:latin typeface="Calibri" panose="020F0502020204030204" pitchFamily="34" charset="0"/>
+              </a:rPr>
+              <a:t> Linear </a:t>
+            </a:r>
+            <a:r>
+              <a:rPr lang="en-GB" sz="2000" dirty="0" err="1" smtClean="0">
+                <a:latin typeface="Calibri" panose="020F0502020204030204" pitchFamily="34" charset="0"/>
+              </a:rPr>
+              <a:t>spline</a:t>
+            </a:r>
+            <a:endParaRPr lang="en-GB" sz="2000" dirty="0" smtClean="0">
+              <a:latin typeface="Calibri" panose="020F0502020204030204" pitchFamily="34" charset="0"/>
+            </a:endParaRPr>
+          </a:p>
+          <a:p>
+            <a:pPr lvl="1">
               <a:buClr>
                 <a:schemeClr val="accent2">
                   <a:lumMod val="75000"/>
@@ -9173,79 +11992,241 @@
               <a:buFont typeface="Arial" pitchFamily="34" charset="0"/>
               <a:buChar char="•"/>
             </a:pPr>
-            <a:r>
-              <a:rPr lang="en-GB" sz="2000" dirty="0">
-                <a:latin typeface="Calibri" panose="020F0502020204030204" pitchFamily="34" charset="0"/>
-              </a:rPr>
-              <a:t> Interpolate between positions</a:t>
-            </a:r>
+            <a:endParaRPr lang="en-GB" sz="2000" dirty="0" smtClean="0">
+              <a:latin typeface="Calibri" panose="020F0502020204030204" pitchFamily="34" charset="0"/>
+            </a:endParaRPr>
+          </a:p>
+          <a:p>
+            <a:pPr lvl="1">
+              <a:buClr>
+                <a:schemeClr val="accent2">
+                  <a:lumMod val="75000"/>
+                </a:schemeClr>
+              </a:buClr>
+              <a:buFont typeface="Arial" pitchFamily="34" charset="0"/>
+              <a:buChar char="•"/>
+            </a:pPr>
+            <a:r>
+              <a:rPr lang="en-GB" sz="2000" dirty="0" smtClean="0">
+                <a:latin typeface="Calibri" panose="020F0502020204030204" pitchFamily="34" charset="0"/>
+              </a:rPr>
+              <a:t> Periodic – select to maintain continuity across yarn repeats</a:t>
+            </a:r>
+            <a:endParaRPr lang="en-GB" sz="2000" dirty="0">
+              <a:latin typeface="Calibri" panose="020F0502020204030204" pitchFamily="34" charset="0"/>
+            </a:endParaRPr>
           </a:p>
         </p:txBody>
       </p:sp>
-      <p:pic>
-        <p:nvPicPr>
-          <p:cNvPr id="7" name="Picture 6"/>
-          <p:cNvPicPr>
-            <a:picLocks noChangeAspect="1"/>
-          </p:cNvPicPr>
+      <p:sp>
+        <p:nvSpPr>
+          <p:cNvPr id="7" name="TextBox 6"/>
+          <p:cNvSpPr txBox="1"/>
           <p:nvPr/>
-        </p:nvPicPr>
-        <p:blipFill>
-          <a:blip r:embed="rId2">
-            <a:extLst>
-              <a:ext uri="{28A0092B-C50C-407E-A947-70E740481C1C}">
-                <a14:useLocalDpi xmlns:a14="http://schemas.microsoft.com/office/drawing/2010/main" val="0"/>
-              </a:ext>
-            </a:extLst>
-          </a:blip>
-          <a:stretch>
-            <a:fillRect/>
-          </a:stretch>
-        </p:blipFill>
-        <p:spPr>
-          <a:xfrm>
-            <a:off x="4658002" y="3996571"/>
-            <a:ext cx="2038073" cy="1856521"/>
-          </a:xfrm>
-          <a:prstGeom prst="rect">
-            <a:avLst/>
-          </a:prstGeom>
-        </p:spPr>
-      </p:pic>
-      <p:pic>
-        <p:nvPicPr>
-          <p:cNvPr id="8" name="Picture 7"/>
-          <p:cNvPicPr>
-            <a:picLocks noChangeAspect="1"/>
-          </p:cNvPicPr>
+        </p:nvSpPr>
+        <p:spPr>
+          <a:xfrm>
+            <a:off x="257175" y="952500"/>
+            <a:ext cx="8039100" cy="954107"/>
+          </a:xfrm>
+          <a:prstGeom prst="rect">
+            <a:avLst/>
+          </a:prstGeom>
+          <a:noFill/>
+        </p:spPr>
+        <p:txBody>
+          <a:bodyPr wrap="square" rtlCol="0">
+            <a:spAutoFit/>
+          </a:bodyPr>
+          <a:lstStyle/>
+          <a:p>
+            <a:r>
+              <a:rPr lang="en-GB" sz="2800" dirty="0" smtClean="0">
+                <a:latin typeface="Calibri" panose="020F0502020204030204" pitchFamily="34" charset="0"/>
+              </a:rPr>
+              <a:t>A path is generated between the master nodes by an interpolation function</a:t>
+            </a:r>
+          </a:p>
+        </p:txBody>
+      </p:sp>
+      <p:sp>
+        <p:nvSpPr>
+          <p:cNvPr id="8" name="Right Arrow 7"/>
+          <p:cNvSpPr/>
           <p:nvPr/>
-        </p:nvPicPr>
-        <p:blipFill>
-          <a:blip r:embed="rId3">
-            <a:extLst>
-              <a:ext uri="{28A0092B-C50C-407E-A947-70E740481C1C}">
-                <a14:useLocalDpi xmlns:a14="http://schemas.microsoft.com/office/drawing/2010/main" val="0"/>
-              </a:ext>
-            </a:extLst>
-          </a:blip>
-          <a:stretch>
-            <a:fillRect/>
-          </a:stretch>
-        </p:blipFill>
-        <p:spPr>
-          <a:xfrm>
-            <a:off x="6899630" y="3996570"/>
-            <a:ext cx="2038073" cy="1856521"/>
-          </a:xfrm>
-          <a:prstGeom prst="rect">
-            <a:avLst/>
-          </a:prstGeom>
-        </p:spPr>
-      </p:pic>
+        </p:nvSpPr>
+        <p:spPr>
+          <a:xfrm>
+            <a:off x="3977547" y="4038600"/>
+            <a:ext cx="676275" cy="304800"/>
+          </a:xfrm>
+          <a:prstGeom prst="rightArrow">
+            <a:avLst/>
+          </a:prstGeom>
+          <a:gradFill flip="none" rotWithShape="1">
+            <a:gsLst>
+              <a:gs pos="70000">
+                <a:srgbClr val="00487E">
+                  <a:lumMod val="85000"/>
+                  <a:lumOff val="15000"/>
+                </a:srgbClr>
+              </a:gs>
+              <a:gs pos="17000">
+                <a:schemeClr val="accent1"/>
+              </a:gs>
+              <a:gs pos="100000">
+                <a:schemeClr val="accent1">
+                  <a:lumMod val="75000"/>
+                </a:schemeClr>
+              </a:gs>
+            </a:gsLst>
+            <a:lin ang="0" scaled="1"/>
+            <a:tileRect/>
+          </a:gradFill>
+          <a:ln>
+            <a:noFill/>
+          </a:ln>
+        </p:spPr>
+        <p:style>
+          <a:lnRef idx="2">
+            <a:schemeClr val="accent1">
+              <a:shade val="50000"/>
+            </a:schemeClr>
+          </a:lnRef>
+          <a:fillRef idx="1">
+            <a:schemeClr val="accent1"/>
+          </a:fillRef>
+          <a:effectRef idx="0">
+            <a:schemeClr val="accent1"/>
+          </a:effectRef>
+          <a:fontRef idx="minor">
+            <a:schemeClr val="lt1"/>
+          </a:fontRef>
+        </p:style>
+        <p:txBody>
+          <a:bodyPr rtlCol="0" anchor="ctr"/>
+          <a:lstStyle/>
+          <a:p>
+            <a:pPr algn="ctr"/>
+            <a:endParaRPr lang="en-GB" sz="2400" b="1" dirty="0">
+              <a:latin typeface="+mj-lt"/>
+            </a:endParaRPr>
+          </a:p>
+        </p:txBody>
+      </p:sp>
+      <p:sp>
+        <p:nvSpPr>
+          <p:cNvPr id="9" name="TextBox 8"/>
+          <p:cNvSpPr txBox="1"/>
+          <p:nvPr/>
+        </p:nvSpPr>
+        <p:spPr>
+          <a:xfrm>
+            <a:off x="395536" y="4695527"/>
+            <a:ext cx="1743075" cy="461665"/>
+          </a:xfrm>
+          <a:prstGeom prst="rect">
+            <a:avLst/>
+          </a:prstGeom>
+          <a:noFill/>
+        </p:spPr>
+        <p:txBody>
+          <a:bodyPr wrap="square" rtlCol="0">
+            <a:spAutoFit/>
+          </a:bodyPr>
+          <a:lstStyle/>
+          <a:p>
+            <a:r>
+              <a:rPr lang="en-GB" sz="2400" b="1" dirty="0" smtClean="0">
+                <a:latin typeface="Calibri" panose="020F0502020204030204" pitchFamily="34" charset="0"/>
+              </a:rPr>
+              <a:t>Python:</a:t>
+            </a:r>
+          </a:p>
+        </p:txBody>
+      </p:sp>
+      <p:sp>
+        <p:nvSpPr>
+          <p:cNvPr id="10" name="TextBox 9"/>
+          <p:cNvSpPr txBox="1"/>
+          <p:nvPr/>
+        </p:nvSpPr>
+        <p:spPr>
+          <a:xfrm>
+            <a:off x="395536" y="5657500"/>
+            <a:ext cx="7900739" cy="707886"/>
+          </a:xfrm>
+          <a:prstGeom prst="rect">
+            <a:avLst/>
+          </a:prstGeom>
+          <a:noFill/>
+        </p:spPr>
+        <p:txBody>
+          <a:bodyPr wrap="square" rtlCol="0">
+            <a:spAutoFit/>
+          </a:bodyPr>
+          <a:lstStyle/>
+          <a:p>
+            <a:r>
+              <a:rPr lang="en-GB" sz="2000" dirty="0" smtClean="0">
+                <a:latin typeface="Calibri" panose="020F0502020204030204" pitchFamily="34" charset="0"/>
+                <a:cs typeface="Courier New" panose="02070309020205020404" pitchFamily="49" charset="0"/>
+              </a:rPr>
+              <a:t>Defaults </a:t>
+            </a:r>
+            <a:r>
+              <a:rPr lang="en-GB" sz="2000" dirty="0">
+                <a:latin typeface="Calibri" panose="020F0502020204030204" pitchFamily="34" charset="0"/>
+                <a:cs typeface="Courier New" panose="02070309020205020404" pitchFamily="49" charset="0"/>
+              </a:rPr>
+              <a:t>to periodic, send </a:t>
+            </a:r>
+            <a:r>
+              <a:rPr lang="en-GB" sz="2000" dirty="0" smtClean="0">
+                <a:latin typeface="Calibri" panose="020F0502020204030204" pitchFamily="34" charset="0"/>
+                <a:cs typeface="Courier New" panose="02070309020205020404" pitchFamily="49" charset="0"/>
+              </a:rPr>
+              <a:t>False as parameter to </a:t>
+            </a:r>
+            <a:r>
+              <a:rPr lang="en-GB" sz="2000" dirty="0" err="1" smtClean="0">
+                <a:latin typeface="Calibri" panose="020F0502020204030204" pitchFamily="34" charset="0"/>
+                <a:cs typeface="Courier New" panose="02070309020205020404" pitchFamily="49" charset="0"/>
+              </a:rPr>
+              <a:t>CInterpolationCubic</a:t>
+            </a:r>
+            <a:r>
+              <a:rPr lang="en-GB" sz="2000" dirty="0" smtClean="0">
+                <a:latin typeface="Calibri" panose="020F0502020204030204" pitchFamily="34" charset="0"/>
+                <a:cs typeface="Courier New" panose="02070309020205020404" pitchFamily="49" charset="0"/>
+              </a:rPr>
+              <a:t>() for </a:t>
+            </a:r>
+            <a:r>
+              <a:rPr lang="en-GB" sz="2000" dirty="0">
+                <a:latin typeface="Calibri" panose="020F0502020204030204" pitchFamily="34" charset="0"/>
+                <a:cs typeface="Courier New" panose="02070309020205020404" pitchFamily="49" charset="0"/>
+              </a:rPr>
+              <a:t>non-periodic </a:t>
+            </a:r>
+            <a:r>
+              <a:rPr lang="en-GB" sz="2000" dirty="0" smtClean="0">
+                <a:latin typeface="Calibri" panose="020F0502020204030204" pitchFamily="34" charset="0"/>
+                <a:cs typeface="Courier New" panose="02070309020205020404" pitchFamily="49" charset="0"/>
+              </a:rPr>
+              <a:t>interpolation</a:t>
+            </a:r>
+            <a:endParaRPr lang="en-GB" sz="2000" dirty="0">
+              <a:latin typeface="Calibri" panose="020F0502020204030204" pitchFamily="34" charset="0"/>
+              <a:cs typeface="Courier New" panose="02070309020205020404" pitchFamily="49" charset="0"/>
+            </a:endParaRPr>
+          </a:p>
+        </p:txBody>
+      </p:sp>
     </p:spTree>
     <p:extLst>
       <p:ext uri="{BB962C8B-B14F-4D97-AF65-F5344CB8AC3E}">
-        <p14:creationId xmlns:p14="http://schemas.microsoft.com/office/powerpoint/2010/main" val="1791773447"/>
+        <p14:creationId xmlns:p14="http://schemas.microsoft.com/office/powerpoint/2010/main" val="123175329"/>
       </p:ext>
     </p:extLst>
   </p:cSld>
@@ -9301,7 +12282,7 @@
           <a:p>
             <a:r>
               <a:rPr lang="en-GB" dirty="0" smtClean="0"/>
-              <a:t>Yarn Cross-Sections – Section Specification</a:t>
+              <a:t>Yarn Cross-Sections - Interpolation</a:t>
             </a:r>
             <a:endParaRPr lang="en-GB" dirty="0"/>
           </a:p>
@@ -9309,14 +12290,14 @@
       </p:sp>
       <p:sp>
         <p:nvSpPr>
-          <p:cNvPr id="4" name="TextBox 3"/>
+          <p:cNvPr id="3" name="TextBox 2"/>
           <p:cNvSpPr txBox="1"/>
           <p:nvPr/>
         </p:nvSpPr>
         <p:spPr>
           <a:xfrm>
-            <a:off x="533400" y="923925"/>
-            <a:ext cx="7543800" cy="830997"/>
+            <a:off x="257175" y="952500"/>
+            <a:ext cx="8039100" cy="2677656"/>
           </a:xfrm>
           <a:prstGeom prst="rect">
             <a:avLst/>
@@ -9330,17 +12311,161 @@
           <a:lstStyle/>
           <a:p>
             <a:r>
-              <a:rPr lang="en-GB" sz="2400" dirty="0" smtClean="0">
-                <a:latin typeface="Calibri" panose="020F0502020204030204" pitchFamily="34" charset="0"/>
-              </a:rPr>
-              <a:t>Cross-sections are specified at the locations given by the section interpolation </a:t>
+              <a:rPr lang="en-GB" sz="2800" dirty="0" smtClean="0">
+                <a:latin typeface="Calibri" panose="020F0502020204030204" pitchFamily="34" charset="0"/>
+              </a:rPr>
+              <a:t>Yarn cross-sections are specified as 2D sections perpendicular to the yarn tangent</a:t>
+            </a:r>
+          </a:p>
+          <a:p>
+            <a:endParaRPr lang="en-GB" sz="2800" dirty="0">
+              <a:latin typeface="Calibri" panose="020F0502020204030204" pitchFamily="34" charset="0"/>
+            </a:endParaRPr>
+          </a:p>
+          <a:p>
+            <a:r>
+              <a:rPr lang="en-GB" sz="2800" dirty="0" smtClean="0">
+                <a:latin typeface="Calibri" panose="020F0502020204030204" pitchFamily="34" charset="0"/>
+              </a:rPr>
+              <a:t>By default the cross-section is constant along the length of the yarn or an interpolation method can be chosen</a:t>
+            </a:r>
+          </a:p>
+        </p:txBody>
+      </p:sp>
+      <p:sp>
+        <p:nvSpPr>
+          <p:cNvPr id="4" name="Rectangle 3"/>
+          <p:cNvSpPr/>
+          <p:nvPr/>
+        </p:nvSpPr>
+        <p:spPr>
+          <a:xfrm>
+            <a:off x="257175" y="3996571"/>
+            <a:ext cx="4572000" cy="1938992"/>
+          </a:xfrm>
+          <a:prstGeom prst="rect">
+            <a:avLst/>
+          </a:prstGeom>
+        </p:spPr>
+        <p:txBody>
+          <a:bodyPr>
+            <a:spAutoFit/>
+          </a:bodyPr>
+          <a:lstStyle/>
+          <a:p>
+            <a:pPr>
+              <a:buClr>
+                <a:schemeClr val="accent2">
+                  <a:lumMod val="75000"/>
+                </a:schemeClr>
+              </a:buClr>
+            </a:pPr>
+            <a:r>
+              <a:rPr lang="en-GB" sz="2000" b="1" dirty="0">
+                <a:latin typeface="Calibri" panose="020F0502020204030204" pitchFamily="34" charset="0"/>
+              </a:rPr>
+              <a:t>GUI: </a:t>
+            </a:r>
+            <a:r>
+              <a:rPr lang="en-GB" sz="2000" dirty="0" smtClean="0">
+                <a:latin typeface="Calibri" panose="020F0502020204030204" pitchFamily="34" charset="0"/>
+              </a:rPr>
+              <a:t>Select </a:t>
+            </a:r>
+            <a:r>
+              <a:rPr lang="en-GB" sz="2000" i="1" dirty="0">
+                <a:latin typeface="Calibri" panose="020F0502020204030204" pitchFamily="34" charset="0"/>
+              </a:rPr>
+              <a:t>Modeller -&gt; Assign Section</a:t>
+            </a:r>
+          </a:p>
+          <a:p>
+            <a:pPr>
+              <a:buClr>
+                <a:schemeClr val="accent2">
+                  <a:lumMod val="75000"/>
+                </a:schemeClr>
+              </a:buClr>
+              <a:buFont typeface="Arial" pitchFamily="34" charset="0"/>
+              <a:buChar char="•"/>
+            </a:pPr>
+            <a:endParaRPr lang="en-GB" sz="2000" dirty="0">
+              <a:latin typeface="Calibri" panose="020F0502020204030204" pitchFamily="34" charset="0"/>
+            </a:endParaRPr>
+          </a:p>
+          <a:p>
+            <a:pPr lvl="1">
+              <a:buClr>
+                <a:schemeClr val="accent2">
+                  <a:lumMod val="75000"/>
+                </a:schemeClr>
+              </a:buClr>
+              <a:buFont typeface="Arial" pitchFamily="34" charset="0"/>
+              <a:buChar char="•"/>
+            </a:pPr>
+            <a:r>
+              <a:rPr lang="en-GB" sz="2000" dirty="0">
+                <a:latin typeface="Calibri" panose="020F0502020204030204" pitchFamily="34" charset="0"/>
+              </a:rPr>
+              <a:t> Select interpolation</a:t>
+            </a:r>
+          </a:p>
+          <a:p>
+            <a:pPr lvl="2">
+              <a:buClr>
+                <a:schemeClr val="accent2">
+                  <a:lumMod val="75000"/>
+                </a:schemeClr>
+              </a:buClr>
+              <a:buFont typeface="Arial" pitchFamily="34" charset="0"/>
+              <a:buChar char="•"/>
+            </a:pPr>
+            <a:r>
+              <a:rPr lang="en-GB" sz="2000" dirty="0">
+                <a:latin typeface="Calibri" panose="020F0502020204030204" pitchFamily="34" charset="0"/>
+              </a:rPr>
+              <a:t> Constant </a:t>
+            </a:r>
+          </a:p>
+          <a:p>
+            <a:pPr lvl="2">
+              <a:buClr>
+                <a:schemeClr val="accent2">
+                  <a:lumMod val="75000"/>
+                </a:schemeClr>
+              </a:buClr>
+              <a:buFont typeface="Arial" pitchFamily="34" charset="0"/>
+              <a:buChar char="•"/>
+            </a:pPr>
+            <a:r>
+              <a:rPr lang="en-GB" sz="2000" dirty="0">
+                <a:latin typeface="Calibri" panose="020F0502020204030204" pitchFamily="34" charset="0"/>
+              </a:rPr>
+              <a:t> Interpolate between nodes </a:t>
+            </a:r>
+          </a:p>
+          <a:p>
+            <a:pPr lvl="2">
+              <a:buClr>
+                <a:schemeClr val="accent2">
+                  <a:lumMod val="75000"/>
+                </a:schemeClr>
+              </a:buClr>
+              <a:buFont typeface="Arial" pitchFamily="34" charset="0"/>
+              <a:buChar char="•"/>
+            </a:pPr>
+            <a:r>
+              <a:rPr lang="en-GB" sz="2000" dirty="0">
+                <a:latin typeface="Calibri" panose="020F0502020204030204" pitchFamily="34" charset="0"/>
+              </a:rPr>
+              <a:t> Interpolate between positions</a:t>
             </a:r>
           </a:p>
         </p:txBody>
       </p:sp>
       <p:pic>
         <p:nvPicPr>
-          <p:cNvPr id="5" name="Picture 4"/>
+          <p:cNvPr id="7" name="Picture 6"/>
           <p:cNvPicPr>
             <a:picLocks noChangeAspect="1"/>
           </p:cNvPicPr>
@@ -9360,56 +12485,8 @@
         </p:blipFill>
         <p:spPr>
           <a:xfrm>
-            <a:off x="4686496" y="1746649"/>
-            <a:ext cx="1780980" cy="2186407"/>
-          </a:xfrm>
-          <a:prstGeom prst="rect">
-            <a:avLst/>
-          </a:prstGeom>
-        </p:spPr>
-      </p:pic>
-      <p:pic>
-        <p:nvPicPr>
-          <p:cNvPr id="6" name="Picture 5" descr="PowerEllipse.png"/>
-          <p:cNvPicPr>
-            <a:picLocks noChangeAspect="1"/>
-          </p:cNvPicPr>
-          <p:nvPr/>
-        </p:nvPicPr>
-        <p:blipFill>
-          <a:blip r:embed="rId3" cstate="print"/>
-          <a:stretch>
-            <a:fillRect/>
-          </a:stretch>
-        </p:blipFill>
-        <p:spPr>
-          <a:xfrm>
-            <a:off x="6685756" y="1754922"/>
-            <a:ext cx="1758843" cy="2178134"/>
-          </a:xfrm>
-          <a:prstGeom prst="rect">
-            <a:avLst/>
-          </a:prstGeom>
-        </p:spPr>
-      </p:pic>
-      <p:pic>
-        <p:nvPicPr>
-          <p:cNvPr id="7" name="Picture 6" descr="Hybrid.png"/>
-          <p:cNvPicPr>
-            <a:picLocks noChangeAspect="1"/>
-          </p:cNvPicPr>
-          <p:nvPr/>
-        </p:nvPicPr>
-        <p:blipFill>
-          <a:blip r:embed="rId4" cstate="print"/>
-          <a:stretch>
-            <a:fillRect/>
-          </a:stretch>
-        </p:blipFill>
-        <p:spPr>
-          <a:xfrm>
-            <a:off x="4686497" y="4147975"/>
-            <a:ext cx="1780980" cy="2206867"/>
+            <a:off x="4658002" y="3996571"/>
+            <a:ext cx="2038073" cy="1856521"/>
           </a:xfrm>
           <a:prstGeom prst="rect">
             <a:avLst/>
@@ -9425,7 +12502,7 @@
           <p:nvPr/>
         </p:nvPicPr>
         <p:blipFill>
-          <a:blip r:embed="rId5">
+          <a:blip r:embed="rId3">
             <a:extLst>
               <a:ext uri="{28A0092B-C50C-407E-A947-70E740481C1C}">
                 <a14:useLocalDpi xmlns:a14="http://schemas.microsoft.com/office/drawing/2010/main" val="0"/>
@@ -9438,215 +12515,18 @@
         </p:blipFill>
         <p:spPr>
           <a:xfrm>
-            <a:off x="6685756" y="4147977"/>
-            <a:ext cx="1795467" cy="2179436"/>
+            <a:off x="6899630" y="3996570"/>
+            <a:ext cx="2038073" cy="1856521"/>
           </a:xfrm>
           <a:prstGeom prst="rect">
             <a:avLst/>
           </a:prstGeom>
         </p:spPr>
       </p:pic>
-      <p:sp>
-        <p:nvSpPr>
-          <p:cNvPr id="9" name="TextBox 8"/>
-          <p:cNvSpPr txBox="1"/>
-          <p:nvPr/>
-        </p:nvSpPr>
-        <p:spPr>
-          <a:xfrm>
-            <a:off x="238124" y="2057400"/>
-            <a:ext cx="4230092" cy="3477875"/>
-          </a:xfrm>
-          <a:prstGeom prst="rect">
-            <a:avLst/>
-          </a:prstGeom>
-          <a:noFill/>
-        </p:spPr>
-        <p:txBody>
-          <a:bodyPr wrap="square" rtlCol="0">
-            <a:spAutoFit/>
-          </a:bodyPr>
-          <a:lstStyle/>
-          <a:p>
-            <a:r>
-              <a:rPr lang="en-GB" sz="2000" dirty="0" smtClean="0">
-                <a:latin typeface="Calibri" panose="020F0502020204030204" pitchFamily="34" charset="0"/>
-              </a:rPr>
-              <a:t>Available cross-sections:</a:t>
-            </a:r>
-          </a:p>
-          <a:p>
-            <a:pPr lvl="1">
-              <a:buClr>
-                <a:schemeClr val="accent2">
-                  <a:lumMod val="75000"/>
-                </a:schemeClr>
-              </a:buClr>
-              <a:buFont typeface="Arial" pitchFamily="34" charset="0"/>
-              <a:buChar char="•"/>
-            </a:pPr>
-            <a:r>
-              <a:rPr lang="en-GB" dirty="0">
-                <a:latin typeface="Calibri" panose="020F0502020204030204" pitchFamily="34" charset="0"/>
-              </a:rPr>
-              <a:t>Ellipse</a:t>
-            </a:r>
-          </a:p>
-          <a:p>
-            <a:pPr lvl="1">
-              <a:buClr>
-                <a:schemeClr val="accent2">
-                  <a:lumMod val="75000"/>
-                </a:schemeClr>
-              </a:buClr>
-              <a:buFont typeface="Arial" pitchFamily="34" charset="0"/>
-              <a:buChar char="•"/>
-            </a:pPr>
-            <a:r>
-              <a:rPr lang="en-GB" dirty="0">
-                <a:latin typeface="Calibri" panose="020F0502020204030204" pitchFamily="34" charset="0"/>
-              </a:rPr>
-              <a:t>Lenticular</a:t>
-            </a:r>
-          </a:p>
-          <a:p>
-            <a:pPr lvl="1">
-              <a:buClr>
-                <a:schemeClr val="accent2">
-                  <a:lumMod val="75000"/>
-                </a:schemeClr>
-              </a:buClr>
-              <a:buFont typeface="Arial" pitchFamily="34" charset="0"/>
-              <a:buChar char="•"/>
-            </a:pPr>
-            <a:r>
-              <a:rPr lang="en-GB" dirty="0">
-                <a:latin typeface="Calibri" panose="020F0502020204030204" pitchFamily="34" charset="0"/>
-              </a:rPr>
-              <a:t>Power ellipse</a:t>
-            </a:r>
-          </a:p>
-          <a:p>
-            <a:pPr lvl="1">
-              <a:buClr>
-                <a:schemeClr val="accent2">
-                  <a:lumMod val="75000"/>
-                </a:schemeClr>
-              </a:buClr>
-              <a:buFont typeface="Arial" pitchFamily="34" charset="0"/>
-              <a:buChar char="•"/>
-            </a:pPr>
-            <a:r>
-              <a:rPr lang="en-GB" dirty="0">
-                <a:latin typeface="Calibri" panose="020F0502020204030204" pitchFamily="34" charset="0"/>
-              </a:rPr>
-              <a:t>Hybrid</a:t>
-            </a:r>
-          </a:p>
-          <a:p>
-            <a:pPr lvl="1">
-              <a:buClr>
-                <a:schemeClr val="accent2">
-                  <a:lumMod val="75000"/>
-                </a:schemeClr>
-              </a:buClr>
-              <a:buFont typeface="Arial" pitchFamily="34" charset="0"/>
-              <a:buChar char="•"/>
-            </a:pPr>
-            <a:r>
-              <a:rPr lang="en-GB" dirty="0" smtClean="0">
-                <a:latin typeface="Calibri" panose="020F0502020204030204" pitchFamily="34" charset="0"/>
-              </a:rPr>
-              <a:t>Rectangle</a:t>
-            </a:r>
-          </a:p>
-          <a:p>
-            <a:pPr lvl="2">
-              <a:buClr>
-                <a:schemeClr val="accent2">
-                  <a:lumMod val="75000"/>
-                </a:schemeClr>
-              </a:buClr>
-              <a:buFont typeface="Arial" pitchFamily="34" charset="0"/>
-              <a:buChar char="•"/>
-            </a:pPr>
-            <a:r>
-              <a:rPr lang="en-GB" dirty="0" smtClean="0">
-                <a:latin typeface="Calibri" panose="020F0502020204030204" pitchFamily="34" charset="0"/>
-              </a:rPr>
-              <a:t>Use rather than power ellipse with power = 0 to generate uniform section meshes</a:t>
-            </a:r>
-            <a:endParaRPr lang="en-GB" dirty="0">
-              <a:latin typeface="Calibri" panose="020F0502020204030204" pitchFamily="34" charset="0"/>
-            </a:endParaRPr>
-          </a:p>
-          <a:p>
-            <a:pPr lvl="1">
-              <a:buClr>
-                <a:schemeClr val="accent2">
-                  <a:lumMod val="75000"/>
-                </a:schemeClr>
-              </a:buClr>
-              <a:buFont typeface="Arial" pitchFamily="34" charset="0"/>
-              <a:buChar char="•"/>
-            </a:pPr>
-            <a:r>
-              <a:rPr lang="en-GB" dirty="0">
-                <a:latin typeface="Calibri" panose="020F0502020204030204" pitchFamily="34" charset="0"/>
-              </a:rPr>
-              <a:t>Polygon </a:t>
-            </a:r>
-            <a:endParaRPr lang="en-GB" dirty="0" smtClean="0">
-              <a:latin typeface="Calibri" panose="020F0502020204030204" pitchFamily="34" charset="0"/>
-            </a:endParaRPr>
-          </a:p>
-          <a:p>
-            <a:pPr lvl="2">
-              <a:buClr>
-                <a:schemeClr val="accent2">
-                  <a:lumMod val="75000"/>
-                </a:schemeClr>
-              </a:buClr>
-              <a:buFont typeface="Arial" pitchFamily="34" charset="0"/>
-              <a:buChar char="•"/>
-            </a:pPr>
-            <a:r>
-              <a:rPr lang="en-GB" dirty="0" smtClean="0">
-                <a:latin typeface="Calibri" panose="020F0502020204030204" pitchFamily="34" charset="0"/>
-              </a:rPr>
-              <a:t>Only </a:t>
-            </a:r>
-            <a:r>
-              <a:rPr lang="en-GB" dirty="0">
-                <a:latin typeface="Calibri" panose="020F0502020204030204" pitchFamily="34" charset="0"/>
-              </a:rPr>
-              <a:t>by </a:t>
-            </a:r>
-            <a:r>
-              <a:rPr lang="en-GB" dirty="0" smtClean="0">
-                <a:latin typeface="Calibri" panose="020F0502020204030204" pitchFamily="34" charset="0"/>
-              </a:rPr>
-              <a:t>scripting</a:t>
-            </a:r>
-            <a:endParaRPr lang="en-GB" dirty="0">
-              <a:latin typeface="Calibri" panose="020F0502020204030204" pitchFamily="34" charset="0"/>
-            </a:endParaRPr>
-          </a:p>
-          <a:p>
-            <a:pPr marL="342900" indent="-342900">
-              <a:buFont typeface="Arial" panose="020B0604020202020204" pitchFamily="34" charset="0"/>
-              <a:buChar char="•"/>
-            </a:pPr>
-            <a:endParaRPr lang="en-GB" sz="2000" dirty="0" err="1" smtClean="0">
-              <a:latin typeface="Calibri" panose="020F0502020204030204" pitchFamily="34" charset="0"/>
-            </a:endParaRPr>
-          </a:p>
-        </p:txBody>
-      </p:sp>
     </p:spTree>
     <p:extLst>
       <p:ext uri="{BB962C8B-B14F-4D97-AF65-F5344CB8AC3E}">
-        <p14:creationId xmlns:p14="http://schemas.microsoft.com/office/powerpoint/2010/main" val="2157575016"/>
+        <p14:creationId xmlns:p14="http://schemas.microsoft.com/office/powerpoint/2010/main" val="1791773447"/>
       </p:ext>
     </p:extLst>
   </p:cSld>

--- a/ICMAC TexGen workshop 2018.pptx
+++ b/ICMAC TexGen workshop 2018.pptx
@@ -5,10 +5,10 @@
     <p:sldMasterId id="2147483648" r:id="rId1"/>
   </p:sldMasterIdLst>
   <p:notesMasterIdLst>
-    <p:notesMasterId r:id="rId20"/>
+    <p:notesMasterId r:id="rId23"/>
   </p:notesMasterIdLst>
   <p:handoutMasterIdLst>
-    <p:handoutMasterId r:id="rId21"/>
+    <p:handoutMasterId r:id="rId24"/>
   </p:handoutMasterIdLst>
   <p:sldIdLst>
     <p:sldId id="289" r:id="rId2"/>
@@ -29,6 +29,9 @@
     <p:sldId id="316" r:id="rId17"/>
     <p:sldId id="317" r:id="rId18"/>
     <p:sldId id="318" r:id="rId19"/>
+    <p:sldId id="319" r:id="rId20"/>
+    <p:sldId id="320" r:id="rId21"/>
+    <p:sldId id="321" r:id="rId22"/>
   </p:sldIdLst>
   <p:sldSz cx="9144000" cy="6858000" type="screen4x3"/>
   <p:notesSz cx="6858000" cy="9144000"/>
@@ -150,6 +153,9 @@
             <p14:sldId id="316"/>
             <p14:sldId id="317"/>
             <p14:sldId id="318"/>
+            <p14:sldId id="319"/>
+            <p14:sldId id="320"/>
+            <p14:sldId id="321"/>
           </p14:sldIdLst>
         </p14:section>
       </p14:sectionLst>
@@ -261,7 +267,7 @@
           <a:p>
             <a:fld id="{B08732D1-0119-4424-ADB1-6A88624C9257}" type="datetimeFigureOut">
               <a:rPr lang="en-GB" smtClean="0"/>
-              <a:t>26/06/2018</a:t>
+              <a:t>28/06/2018</a:t>
             </a:fld>
             <a:endParaRPr lang="en-GB"/>
           </a:p>
@@ -426,7 +432,7 @@
           <a:p>
             <a:fld id="{E3654FE6-3F31-4904-9137-AFF662B7D702}" type="datetimeFigureOut">
               <a:rPr lang="en-GB" smtClean="0"/>
-              <a:t>26/06/2018</a:t>
+              <a:t>28/06/2018</a:t>
             </a:fld>
             <a:endParaRPr lang="en-GB"/>
           </a:p>
@@ -2861,7 +2867,7 @@
           <a:p>
             <a:fld id="{114E112F-1B58-4F80-8548-230F871317D2}" type="datetimeFigureOut">
               <a:rPr lang="en-GB" smtClean="0"/>
-              <a:t>26/06/2018</a:t>
+              <a:t>28/06/2018</a:t>
             </a:fld>
             <a:endParaRPr lang="en-GB"/>
           </a:p>
@@ -3417,6 +3423,13 @@
       </p:transition>
     </mc:Fallback>
   </mc:AlternateContent>
+  <p:timing>
+    <p:tnLst>
+      <p:par>
+        <p:cTn id="1" dur="indefinite" restart="never" nodeType="tmRoot"/>
+      </p:par>
+    </p:tnLst>
+  </p:timing>
 </p:sld>
 </file>
 
@@ -4951,6 +4964,13 @@
       </p:transition>
     </mc:Fallback>
   </mc:AlternateContent>
+  <p:timing>
+    <p:tnLst>
+      <p:par>
+        <p:cTn id="1" dur="indefinite" restart="never" nodeType="tmRoot"/>
+      </p:par>
+    </p:tnLst>
+  </p:timing>
 </p:sld>
 </file>
 
@@ -5063,9 +5083,6 @@
               </a:rPr>
               <a:t> as a base class. They are used to input weave pattern information which then automatically generate the yarns. </a:t>
             </a:r>
-            <a:endParaRPr lang="en-GB" sz="2400" dirty="0" smtClean="0">
-              <a:latin typeface="Calibri" panose="020F0502020204030204" pitchFamily="34" charset="0"/>
-            </a:endParaRPr>
           </a:p>
         </p:txBody>
       </p:sp>
@@ -5091,6 +5108,13 @@
       </p:transition>
     </mc:Fallback>
   </mc:AlternateContent>
+  <p:timing>
+    <p:tnLst>
+      <p:par>
+        <p:cTn id="1" dur="indefinite" restart="never" nodeType="tmRoot"/>
+      </p:par>
+    </p:tnLst>
+  </p:timing>
 </p:sld>
 </file>
 
@@ -5174,9 +5198,6 @@
               </a:rPr>
               <a:t> GUI creates weaves using the CTextileWeave2D class</a:t>
             </a:r>
-            <a:endParaRPr lang="en-GB" sz="2400" dirty="0" smtClean="0">
-              <a:latin typeface="Calibri" panose="020F0502020204030204" pitchFamily="34" charset="0"/>
-            </a:endParaRPr>
           </a:p>
         </p:txBody>
       </p:sp>
@@ -5814,9 +5835,6 @@
               </a:rPr>
               <a:t> position</a:t>
             </a:r>
-            <a:endParaRPr lang="en-GB" sz="2000" dirty="0" smtClean="0">
-              <a:latin typeface="+mj-lt"/>
-            </a:endParaRPr>
           </a:p>
         </p:txBody>
       </p:sp>
@@ -5848,9 +5866,6 @@
               </a:rPr>
               <a:t>x, y position</a:t>
             </a:r>
-            <a:endParaRPr lang="en-GB" sz="2000" dirty="0" smtClean="0">
-              <a:latin typeface="+mj-lt"/>
-            </a:endParaRPr>
           </a:p>
         </p:txBody>
       </p:sp>
@@ -5923,9 +5938,6 @@
               </a:rPr>
               <a:t>(Weft down, warp up)</a:t>
             </a:r>
-            <a:endParaRPr lang="en-GB" sz="2000" dirty="0" smtClean="0">
-              <a:latin typeface="+mj-lt"/>
-            </a:endParaRPr>
           </a:p>
         </p:txBody>
       </p:sp>
@@ -6282,9 +6294,6 @@
               </a:rPr>
               <a:t>http://texgen.sourceforge.net/index.php/Extraction_of_Material_Properties_using_Voxel_Meshing_and_Abaqus</a:t>
             </a:r>
-            <a:endParaRPr lang="en-GB" sz="2000" dirty="0">
-              <a:latin typeface="Calibri" panose="020F0502020204030204" pitchFamily="34" charset="0"/>
-            </a:endParaRPr>
           </a:p>
         </p:txBody>
       </p:sp>
@@ -6911,7 +6920,7 @@
         </p:blipFill>
         <p:spPr>
           <a:xfrm>
-            <a:off x="442913" y="3353368"/>
+            <a:off x="232173" y="3321399"/>
             <a:ext cx="2667000" cy="1845553"/>
           </a:xfrm>
           <a:prstGeom prst="rect">
@@ -6941,7 +6950,7 @@
         </p:blipFill>
         <p:spPr>
           <a:xfrm>
-            <a:off x="542926" y="4922303"/>
+            <a:off x="332186" y="4922303"/>
             <a:ext cx="2466974" cy="1707136"/>
           </a:xfrm>
           <a:prstGeom prst="rect">
@@ -6971,7 +6980,7 @@
         </p:blipFill>
         <p:spPr>
           <a:xfrm>
-            <a:off x="3209926" y="4558033"/>
+            <a:off x="3062062" y="4549150"/>
             <a:ext cx="1795531" cy="1217838"/>
           </a:xfrm>
           <a:prstGeom prst="rect">
@@ -6987,8 +6996,8 @@
         </p:nvSpPr>
         <p:spPr>
           <a:xfrm>
-            <a:off x="5205483" y="3850019"/>
-            <a:ext cx="3738492" cy="2616101"/>
+            <a:off x="5020482" y="3850018"/>
+            <a:ext cx="4033767" cy="2616101"/>
           </a:xfrm>
           <a:prstGeom prst="rect">
             <a:avLst/>
@@ -7013,6 +7022,41 @@
               </a:rPr>
               <a:t> Export</a:t>
             </a:r>
+          </a:p>
+          <a:p>
+            <a:r>
+              <a:rPr lang="en-GB" b="1" dirty="0" smtClean="0">
+                <a:latin typeface="Calibri" panose="020F0502020204030204" pitchFamily="34" charset="0"/>
+              </a:rPr>
+              <a:t>GUI: </a:t>
+            </a:r>
+            <a:r>
+              <a:rPr lang="en-GB" dirty="0" smtClean="0">
+                <a:latin typeface="Calibri" panose="020F0502020204030204" pitchFamily="34" charset="0"/>
+              </a:rPr>
+              <a:t>Select </a:t>
+            </a:r>
+            <a:r>
+              <a:rPr lang="en-GB" i="1" dirty="0" smtClean="0">
+                <a:latin typeface="Calibri" panose="020F0502020204030204" pitchFamily="34" charset="0"/>
+              </a:rPr>
+              <a:t>File -&gt; Export -&gt; </a:t>
+            </a:r>
+            <a:r>
+              <a:rPr lang="en-GB" i="1" dirty="0" err="1" smtClean="0">
+                <a:latin typeface="Calibri" panose="020F0502020204030204" pitchFamily="34" charset="0"/>
+              </a:rPr>
+              <a:t>Tetgen</a:t>
+            </a:r>
+            <a:r>
+              <a:rPr lang="en-GB" i="1" dirty="0" smtClean="0">
+                <a:latin typeface="Calibri" panose="020F0502020204030204" pitchFamily="34" charset="0"/>
+              </a:rPr>
+              <a:t> Mesh</a:t>
+            </a:r>
+            <a:endParaRPr lang="en-GB" b="1" dirty="0" smtClean="0">
+              <a:latin typeface="Calibri" panose="020F0502020204030204" pitchFamily="34" charset="0"/>
+            </a:endParaRPr>
           </a:p>
           <a:p>
             <a:pPr marL="342900" indent="-342900">
@@ -7128,6 +7172,411 @@
 </p:sld>
 </file>
 
+<file path=ppt/slides/slide19.xml><?xml version="1.0" encoding="utf-8"?>
+<p:sld xmlns:a="http://schemas.openxmlformats.org/drawingml/2006/main" xmlns:r="http://schemas.openxmlformats.org/officeDocument/2006/relationships" xmlns:p="http://schemas.openxmlformats.org/presentationml/2006/main">
+  <p:cSld>
+    <p:spTree>
+      <p:nvGrpSpPr>
+        <p:cNvPr id="1" name=""/>
+        <p:cNvGrpSpPr/>
+        <p:nvPr/>
+      </p:nvGrpSpPr>
+      <p:grpSpPr>
+        <a:xfrm>
+          <a:off x="0" y="0"/>
+          <a:ext cx="0" cy="0"/>
+          <a:chOff x="0" y="0"/>
+          <a:chExt cx="0" cy="0"/>
+        </a:xfrm>
+      </p:grpSpPr>
+      <p:sp>
+        <p:nvSpPr>
+          <p:cNvPr id="2" name="Title 1"/>
+          <p:cNvSpPr>
+            <a:spLocks noGrp="1"/>
+          </p:cNvSpPr>
+          <p:nvPr>
+            <p:ph type="title"/>
+          </p:nvPr>
+        </p:nvSpPr>
+        <p:spPr/>
+        <p:txBody>
+          <a:bodyPr/>
+          <a:lstStyle/>
+          <a:p>
+            <a:r>
+              <a:rPr lang="en-GB" dirty="0" smtClean="0"/>
+              <a:t>Geometry Export	</a:t>
+            </a:r>
+            <a:endParaRPr lang="en-GB" dirty="0"/>
+          </a:p>
+        </p:txBody>
+      </p:sp>
+      <p:sp>
+        <p:nvSpPr>
+          <p:cNvPr id="3" name="TextBox 2"/>
+          <p:cNvSpPr txBox="1"/>
+          <p:nvPr/>
+        </p:nvSpPr>
+        <p:spPr>
+          <a:xfrm>
+            <a:off x="447675" y="876994"/>
+            <a:ext cx="7972425" cy="1200329"/>
+          </a:xfrm>
+          <a:prstGeom prst="rect">
+            <a:avLst/>
+          </a:prstGeom>
+          <a:noFill/>
+        </p:spPr>
+        <p:txBody>
+          <a:bodyPr wrap="square" rtlCol="0">
+            <a:spAutoFit/>
+          </a:bodyPr>
+          <a:lstStyle/>
+          <a:p>
+            <a:r>
+              <a:rPr lang="en-GB" sz="2400" dirty="0" smtClean="0">
+                <a:latin typeface="+mj-lt"/>
+              </a:rPr>
+              <a:t>The geometry alone can be exported in IGES, STEP or </a:t>
+            </a:r>
+            <a:r>
+              <a:rPr lang="en-GB" sz="2400" dirty="0" err="1" smtClean="0">
+                <a:latin typeface="+mj-lt"/>
+              </a:rPr>
+              <a:t>stl</a:t>
+            </a:r>
+            <a:r>
+              <a:rPr lang="en-GB" sz="2400" dirty="0" smtClean="0">
+                <a:latin typeface="+mj-lt"/>
+              </a:rPr>
+              <a:t> format. No orientations, volume fractions or properties are exported.</a:t>
+            </a:r>
+          </a:p>
+        </p:txBody>
+      </p:sp>
+      <p:sp>
+        <p:nvSpPr>
+          <p:cNvPr id="4" name="Rectangle 3"/>
+          <p:cNvSpPr/>
+          <p:nvPr/>
+        </p:nvSpPr>
+        <p:spPr>
+          <a:xfrm>
+            <a:off x="447675" y="2397495"/>
+            <a:ext cx="3957237" cy="707886"/>
+          </a:xfrm>
+          <a:prstGeom prst="rect">
+            <a:avLst/>
+          </a:prstGeom>
+        </p:spPr>
+        <p:txBody>
+          <a:bodyPr wrap="none">
+            <a:spAutoFit/>
+          </a:bodyPr>
+          <a:lstStyle/>
+          <a:p>
+            <a:r>
+              <a:rPr lang="en-GB" sz="2000" b="1" dirty="0">
+                <a:latin typeface="Calibri" panose="020F0502020204030204" pitchFamily="34" charset="0"/>
+              </a:rPr>
+              <a:t>GUI: </a:t>
+            </a:r>
+            <a:r>
+              <a:rPr lang="en-GB" sz="2000" dirty="0">
+                <a:latin typeface="Calibri" panose="020F0502020204030204" pitchFamily="34" charset="0"/>
+              </a:rPr>
+              <a:t>Select </a:t>
+            </a:r>
+            <a:r>
+              <a:rPr lang="en-GB" sz="2000" i="1" dirty="0">
+                <a:latin typeface="Calibri" panose="020F0502020204030204" pitchFamily="34" charset="0"/>
+              </a:rPr>
+              <a:t>File -&gt; Export -&gt; </a:t>
+            </a:r>
+            <a:r>
+              <a:rPr lang="en-GB" sz="2000" i="1" dirty="0" smtClean="0">
+                <a:latin typeface="Calibri" panose="020F0502020204030204" pitchFamily="34" charset="0"/>
+              </a:rPr>
+              <a:t>IGES File</a:t>
+            </a:r>
+          </a:p>
+          <a:p>
+            <a:r>
+              <a:rPr lang="en-GB" sz="2000" i="1" dirty="0">
+                <a:latin typeface="Calibri" panose="020F0502020204030204" pitchFamily="34" charset="0"/>
+              </a:rPr>
+              <a:t>	</a:t>
+            </a:r>
+            <a:r>
+              <a:rPr lang="en-GB" sz="2000" i="1" dirty="0" smtClean="0">
+                <a:latin typeface="Calibri" panose="020F0502020204030204" pitchFamily="34" charset="0"/>
+              </a:rPr>
+              <a:t>or -&gt; STEP File</a:t>
+            </a:r>
+            <a:endParaRPr lang="en-GB" sz="2000" dirty="0">
+              <a:latin typeface="Calibri" panose="020F0502020204030204" pitchFamily="34" charset="0"/>
+            </a:endParaRPr>
+          </a:p>
+        </p:txBody>
+      </p:sp>
+      <p:pic>
+        <p:nvPicPr>
+          <p:cNvPr id="5" name="Picture 4"/>
+          <p:cNvPicPr>
+            <a:picLocks noChangeAspect="1"/>
+          </p:cNvPicPr>
+          <p:nvPr/>
+        </p:nvPicPr>
+        <p:blipFill>
+          <a:blip r:embed="rId2">
+            <a:extLst>
+              <a:ext uri="{28A0092B-C50C-407E-A947-70E740481C1C}">
+                <a14:useLocalDpi xmlns:a14="http://schemas.microsoft.com/office/drawing/2010/main" val="0"/>
+              </a:ext>
+            </a:extLst>
+          </a:blip>
+          <a:stretch>
+            <a:fillRect/>
+          </a:stretch>
+        </p:blipFill>
+        <p:spPr>
+          <a:xfrm>
+            <a:off x="6619264" y="2077323"/>
+            <a:ext cx="1657962" cy="1729272"/>
+          </a:xfrm>
+          <a:prstGeom prst="rect">
+            <a:avLst/>
+          </a:prstGeom>
+        </p:spPr>
+      </p:pic>
+      <p:sp>
+        <p:nvSpPr>
+          <p:cNvPr id="6" name="TextBox 5"/>
+          <p:cNvSpPr txBox="1"/>
+          <p:nvPr/>
+        </p:nvSpPr>
+        <p:spPr>
+          <a:xfrm>
+            <a:off x="447675" y="3105381"/>
+            <a:ext cx="5924550" cy="1631216"/>
+          </a:xfrm>
+          <a:prstGeom prst="rect">
+            <a:avLst/>
+          </a:prstGeom>
+          <a:noFill/>
+        </p:spPr>
+        <p:txBody>
+          <a:bodyPr wrap="square" rtlCol="0">
+            <a:spAutoFit/>
+          </a:bodyPr>
+          <a:lstStyle/>
+          <a:p>
+            <a:pPr marL="342900" indent="-342900">
+              <a:buFont typeface="Arial" panose="020B0604020202020204" pitchFamily="34" charset="0"/>
+              <a:buChar char="•"/>
+            </a:pPr>
+            <a:r>
+              <a:rPr lang="en-GB" sz="2000" dirty="0" smtClean="0">
+                <a:latin typeface="Calibri" panose="020F0502020204030204" pitchFamily="34" charset="0"/>
+              </a:rPr>
+              <a:t>This option uses the </a:t>
+            </a:r>
+            <a:r>
+              <a:rPr lang="en-GB" sz="2000" dirty="0" err="1" smtClean="0">
+                <a:latin typeface="Calibri" panose="020F0502020204030204" pitchFamily="34" charset="0"/>
+              </a:rPr>
+              <a:t>OpenCASCADE</a:t>
+            </a:r>
+            <a:r>
+              <a:rPr lang="en-GB" sz="2000" dirty="0" smtClean="0">
+                <a:latin typeface="Calibri" panose="020F0502020204030204" pitchFamily="34" charset="0"/>
+              </a:rPr>
+              <a:t> library. </a:t>
+            </a:r>
+          </a:p>
+          <a:p>
+            <a:pPr marL="342900" indent="-342900">
+              <a:buFont typeface="Arial" panose="020B0604020202020204" pitchFamily="34" charset="0"/>
+              <a:buChar char="•"/>
+            </a:pPr>
+            <a:r>
+              <a:rPr lang="en-GB" sz="2000" dirty="0" smtClean="0">
+                <a:latin typeface="Calibri" panose="020F0502020204030204" pitchFamily="34" charset="0"/>
+              </a:rPr>
+              <a:t>The ‘Smooth’ option may be unsuccessful for more complex geometries</a:t>
+            </a:r>
+          </a:p>
+          <a:p>
+            <a:pPr marL="342900" indent="-342900">
+              <a:buFont typeface="Arial" panose="020B0604020202020204" pitchFamily="34" charset="0"/>
+              <a:buChar char="•"/>
+            </a:pPr>
+            <a:r>
+              <a:rPr lang="en-GB" sz="2000" dirty="0" smtClean="0">
+                <a:latin typeface="Calibri" panose="020F0502020204030204" pitchFamily="34" charset="0"/>
+              </a:rPr>
+              <a:t>‘Join Yarn Sections’ will remove joins at repeat boundaries but is </a:t>
+            </a:r>
+            <a:r>
+              <a:rPr lang="en-GB" sz="2000" u="sng" dirty="0" smtClean="0">
+                <a:latin typeface="Calibri" panose="020F0502020204030204" pitchFamily="34" charset="0"/>
+              </a:rPr>
+              <a:t>much</a:t>
+            </a:r>
+            <a:r>
+              <a:rPr lang="en-GB" sz="2000" dirty="0" smtClean="0">
+                <a:latin typeface="Calibri" panose="020F0502020204030204" pitchFamily="34" charset="0"/>
+              </a:rPr>
+              <a:t> slower</a:t>
+            </a:r>
+            <a:endParaRPr lang="en-GB" sz="2000" dirty="0" smtClean="0">
+              <a:latin typeface="Calibri" panose="020F0502020204030204" pitchFamily="34" charset="0"/>
+            </a:endParaRPr>
+          </a:p>
+        </p:txBody>
+      </p:sp>
+      <p:sp>
+        <p:nvSpPr>
+          <p:cNvPr id="7" name="TextBox 6"/>
+          <p:cNvSpPr txBox="1"/>
+          <p:nvPr/>
+        </p:nvSpPr>
+        <p:spPr>
+          <a:xfrm>
+            <a:off x="447674" y="5066294"/>
+            <a:ext cx="7829551" cy="1015663"/>
+          </a:xfrm>
+          <a:prstGeom prst="rect">
+            <a:avLst/>
+          </a:prstGeom>
+          <a:noFill/>
+        </p:spPr>
+        <p:txBody>
+          <a:bodyPr wrap="square" rtlCol="0">
+            <a:spAutoFit/>
+          </a:bodyPr>
+          <a:lstStyle/>
+          <a:p>
+            <a:r>
+              <a:rPr lang="en-GB" sz="2000" b="1" dirty="0">
+                <a:latin typeface="Calibri" panose="020F0502020204030204" pitchFamily="34" charset="0"/>
+              </a:rPr>
+              <a:t>GUI: </a:t>
+            </a:r>
+            <a:r>
+              <a:rPr lang="en-GB" sz="2000" dirty="0">
+                <a:latin typeface="Calibri" panose="020F0502020204030204" pitchFamily="34" charset="0"/>
+              </a:rPr>
+              <a:t>Select </a:t>
+            </a:r>
+            <a:r>
+              <a:rPr lang="en-GB" sz="2000" i="1" dirty="0">
+                <a:latin typeface="Calibri" panose="020F0502020204030204" pitchFamily="34" charset="0"/>
+              </a:rPr>
+              <a:t>File -&gt; Export -&gt; </a:t>
+            </a:r>
+            <a:r>
+              <a:rPr lang="en-GB" sz="2000" i="1" dirty="0" smtClean="0">
+                <a:latin typeface="Calibri" panose="020F0502020204030204" pitchFamily="34" charset="0"/>
+              </a:rPr>
+              <a:t>Surface Mesh</a:t>
+            </a:r>
+            <a:endParaRPr lang="en-GB" sz="2000" i="1" dirty="0">
+              <a:latin typeface="Calibri" panose="020F0502020204030204" pitchFamily="34" charset="0"/>
+            </a:endParaRPr>
+          </a:p>
+          <a:p>
+            <a:pPr marL="342900" indent="-342900">
+              <a:buFont typeface="Arial" panose="020B0604020202020204" pitchFamily="34" charset="0"/>
+              <a:buChar char="•"/>
+            </a:pPr>
+            <a:r>
+              <a:rPr lang="en-GB" sz="2000" dirty="0" smtClean="0">
+                <a:latin typeface="Calibri" panose="020F0502020204030204" pitchFamily="34" charset="0"/>
+              </a:rPr>
+              <a:t>Exports the surface mesh as displayed by </a:t>
+            </a:r>
+            <a:r>
+              <a:rPr lang="en-GB" sz="2000" i="1" dirty="0" smtClean="0">
+                <a:latin typeface="Calibri" panose="020F0502020204030204" pitchFamily="34" charset="0"/>
+              </a:rPr>
+              <a:t>Rendering -&gt; X-Ray</a:t>
+            </a:r>
+          </a:p>
+          <a:p>
+            <a:pPr marL="342900" indent="-342900">
+              <a:buFont typeface="Arial" panose="020B0604020202020204" pitchFamily="34" charset="0"/>
+              <a:buChar char="•"/>
+            </a:pPr>
+            <a:r>
+              <a:rPr lang="en-GB" sz="2000" dirty="0" smtClean="0">
+                <a:latin typeface="Calibri" panose="020F0502020204030204" pitchFamily="34" charset="0"/>
+              </a:rPr>
+              <a:t>Saves in .</a:t>
+            </a:r>
+            <a:r>
+              <a:rPr lang="en-GB" sz="2000" dirty="0" err="1" smtClean="0">
+                <a:latin typeface="Calibri" panose="020F0502020204030204" pitchFamily="34" charset="0"/>
+              </a:rPr>
+              <a:t>vtu</a:t>
+            </a:r>
+            <a:r>
+              <a:rPr lang="en-GB" sz="2000" dirty="0" smtClean="0">
+                <a:latin typeface="Calibri" panose="020F0502020204030204" pitchFamily="34" charset="0"/>
+              </a:rPr>
+              <a:t> or .</a:t>
+            </a:r>
+            <a:r>
+              <a:rPr lang="en-GB" sz="2000" dirty="0" err="1" smtClean="0">
+                <a:latin typeface="Calibri" panose="020F0502020204030204" pitchFamily="34" charset="0"/>
+              </a:rPr>
+              <a:t>stl</a:t>
+            </a:r>
+            <a:r>
+              <a:rPr lang="en-GB" sz="2000" dirty="0" smtClean="0">
+                <a:latin typeface="Calibri" panose="020F0502020204030204" pitchFamily="34" charset="0"/>
+              </a:rPr>
+              <a:t> format</a:t>
+            </a:r>
+            <a:endParaRPr lang="en-GB" sz="2000" dirty="0" smtClean="0">
+              <a:latin typeface="Calibri" panose="020F0502020204030204" pitchFamily="34" charset="0"/>
+            </a:endParaRPr>
+          </a:p>
+        </p:txBody>
+      </p:sp>
+    </p:spTree>
+    <p:extLst>
+      <p:ext uri="{BB962C8B-B14F-4D97-AF65-F5344CB8AC3E}">
+        <p14:creationId xmlns:p14="http://schemas.microsoft.com/office/powerpoint/2010/main" val="2759895364"/>
+      </p:ext>
+    </p:extLst>
+  </p:cSld>
+  <p:clrMapOvr>
+    <a:masterClrMapping/>
+  </p:clrMapOvr>
+  <mc:AlternateContent xmlns:mc="http://schemas.openxmlformats.org/markup-compatibility/2006" xmlns:p14="http://schemas.microsoft.com/office/powerpoint/2010/main">
+    <mc:Choice Requires="p14">
+      <p:transition spd="med" p14:dur="700">
+        <p:fade/>
+      </p:transition>
+    </mc:Choice>
+    <mc:Fallback xmlns="">
+      <p:transition spd="med">
+        <p:fade/>
+      </p:transition>
+    </mc:Fallback>
+  </mc:AlternateContent>
+  <p:timing>
+    <p:tnLst>
+      <p:par>
+        <p:cTn id="1" dur="indefinite" restart="never" nodeType="tmRoot"/>
+      </p:par>
+    </p:tnLst>
+  </p:timing>
+</p:sld>
+</file>
+
 <file path=ppt/slides/slide2.xml><?xml version="1.0" encoding="utf-8"?>
 <p:sld xmlns:a="http://schemas.openxmlformats.org/drawingml/2006/main" xmlns:r="http://schemas.openxmlformats.org/officeDocument/2006/relationships" xmlns:p="http://schemas.openxmlformats.org/presentationml/2006/main">
   <p:cSld>
@@ -8463,6 +8912,2080 @@
       </p:transition>
     </mc:Fallback>
   </mc:AlternateContent>
+  <p:timing>
+    <p:tnLst>
+      <p:par>
+        <p:cTn id="1" dur="indefinite" restart="never" nodeType="tmRoot"/>
+      </p:par>
+    </p:tnLst>
+  </p:timing>
+</p:sld>
+</file>
+
+<file path=ppt/slides/slide20.xml><?xml version="1.0" encoding="utf-8"?>
+<p:sld xmlns:a="http://schemas.openxmlformats.org/drawingml/2006/main" xmlns:r="http://schemas.openxmlformats.org/officeDocument/2006/relationships" xmlns:p="http://schemas.openxmlformats.org/presentationml/2006/main">
+  <p:cSld>
+    <p:spTree>
+      <p:nvGrpSpPr>
+        <p:cNvPr id="1" name=""/>
+        <p:cNvGrpSpPr/>
+        <p:nvPr/>
+      </p:nvGrpSpPr>
+      <p:grpSpPr>
+        <a:xfrm>
+          <a:off x="0" y="0"/>
+          <a:ext cx="0" cy="0"/>
+          <a:chOff x="0" y="0"/>
+          <a:chExt cx="0" cy="0"/>
+        </a:xfrm>
+      </p:grpSpPr>
+      <p:sp>
+        <p:nvSpPr>
+          <p:cNvPr id="2" name="Title 1"/>
+          <p:cNvSpPr>
+            <a:spLocks noGrp="1"/>
+          </p:cNvSpPr>
+          <p:nvPr>
+            <p:ph type="title"/>
+          </p:nvPr>
+        </p:nvSpPr>
+        <p:spPr/>
+        <p:txBody>
+          <a:bodyPr/>
+          <a:lstStyle/>
+          <a:p>
+            <a:r>
+              <a:rPr lang="en-GB" dirty="0" smtClean="0"/>
+              <a:t>Automatically Generated 3D Weaves</a:t>
+            </a:r>
+            <a:endParaRPr lang="en-GB" dirty="0"/>
+          </a:p>
+        </p:txBody>
+      </p:sp>
+      <p:grpSp>
+        <p:nvGrpSpPr>
+          <p:cNvPr id="41" name="Group 40"/>
+          <p:cNvGrpSpPr/>
+          <p:nvPr/>
+        </p:nvGrpSpPr>
+        <p:grpSpPr>
+          <a:xfrm>
+            <a:off x="3892153" y="2091441"/>
+            <a:ext cx="4950610" cy="3405642"/>
+            <a:chOff x="1760070" y="1650922"/>
+            <a:chExt cx="4950610" cy="3405642"/>
+          </a:xfrm>
+        </p:grpSpPr>
+        <p:pic>
+          <p:nvPicPr>
+            <p:cNvPr id="3" name="Picture 2"/>
+            <p:cNvPicPr/>
+            <p:nvPr/>
+          </p:nvPicPr>
+          <p:blipFill rotWithShape="1">
+            <a:blip r:embed="rId2" cstate="print">
+              <a:extLst>
+                <a:ext uri="{28A0092B-C50C-407E-A947-70E740481C1C}">
+                  <a14:useLocalDpi xmlns:a14="http://schemas.microsoft.com/office/drawing/2010/main" val="0"/>
+                </a:ext>
+              </a:extLst>
+            </a:blip>
+            <a:srcRect l="9871" t="30320" r="6884" b="25132"/>
+            <a:stretch/>
+          </p:blipFill>
+          <p:spPr bwMode="auto">
+            <a:xfrm>
+              <a:off x="2433320" y="1906587"/>
+              <a:ext cx="4277360" cy="3044825"/>
+            </a:xfrm>
+            <a:prstGeom prst="rect">
+              <a:avLst/>
+            </a:prstGeom>
+            <a:ln>
+              <a:noFill/>
+            </a:ln>
+            <a:extLst>
+              <a:ext uri="{53640926-AAD7-44D8-BBD7-CCE9431645EC}">
+                <a14:shadowObscured xmlns:a14="http://schemas.microsoft.com/office/drawing/2010/main"/>
+              </a:ext>
+            </a:extLst>
+          </p:spPr>
+        </p:pic>
+        <p:grpSp>
+          <p:nvGrpSpPr>
+            <p:cNvPr id="5" name="Group 4"/>
+            <p:cNvGrpSpPr/>
+            <p:nvPr/>
+          </p:nvGrpSpPr>
+          <p:grpSpPr>
+            <a:xfrm>
+              <a:off x="4122500" y="1789748"/>
+              <a:ext cx="2401568" cy="840106"/>
+              <a:chOff x="0" y="0"/>
+              <a:chExt cx="2401847" cy="840133"/>
+            </a:xfrm>
+          </p:grpSpPr>
+          <p:sp>
+            <p:nvSpPr>
+              <p:cNvPr id="6" name="Text Box 486"/>
+              <p:cNvSpPr txBox="1"/>
+              <p:nvPr/>
+            </p:nvSpPr>
+            <p:spPr>
+              <a:xfrm>
+                <a:off x="1987827" y="564543"/>
+                <a:ext cx="414020" cy="275590"/>
+              </a:xfrm>
+              <a:prstGeom prst="rect">
+                <a:avLst/>
+              </a:prstGeom>
+              <a:noFill/>
+              <a:ln w="6350">
+                <a:noFill/>
+              </a:ln>
+              <a:effectLst/>
+            </p:spPr>
+            <p:style>
+              <a:lnRef idx="0">
+                <a:schemeClr val="accent1"/>
+              </a:lnRef>
+              <a:fillRef idx="0">
+                <a:schemeClr val="accent1"/>
+              </a:fillRef>
+              <a:effectRef idx="0">
+                <a:schemeClr val="accent1"/>
+              </a:effectRef>
+              <a:fontRef idx="minor">
+                <a:schemeClr val="dk1"/>
+              </a:fontRef>
+            </p:style>
+            <p:txBody>
+              <a:bodyPr rot="0" spcFirstLastPara="0" vert="horz" wrap="square" lIns="18000" tIns="18000" rIns="18000" bIns="18000" numCol="1" spcCol="0" rtlCol="0" fromWordArt="0" anchor="t" anchorCtr="0" forceAA="0" compatLnSpc="1">
+                <a:prstTxWarp prst="textNoShape">
+                  <a:avLst/>
+                </a:prstTxWarp>
+                <a:noAutofit/>
+              </a:bodyPr>
+              <a:lstStyle/>
+              <a:p>
+                <a:pPr algn="ctr">
+                  <a:spcAft>
+                    <a:spcPts val="0"/>
+                  </a:spcAft>
+                </a:pPr>
+                <a:r>
+                  <a:rPr lang="en-GB" sz="1200">
+                    <a:effectLst/>
+                    <a:latin typeface="Times New Roman" panose="02020603050405020304" pitchFamily="18" charset="0"/>
+                    <a:ea typeface="Calibri" panose="020F0502020204030204" pitchFamily="34" charset="0"/>
+                  </a:rPr>
+                  <a:t>3</a:t>
+                </a:r>
+              </a:p>
+            </p:txBody>
+          </p:sp>
+          <p:sp>
+            <p:nvSpPr>
+              <p:cNvPr id="7" name="Text Box 487"/>
+              <p:cNvSpPr txBox="1"/>
+              <p:nvPr/>
+            </p:nvSpPr>
+            <p:spPr>
+              <a:xfrm>
+                <a:off x="1160891" y="71562"/>
+                <a:ext cx="414020" cy="275590"/>
+              </a:xfrm>
+              <a:prstGeom prst="rect">
+                <a:avLst/>
+              </a:prstGeom>
+              <a:noFill/>
+              <a:ln w="6350">
+                <a:noFill/>
+              </a:ln>
+              <a:effectLst/>
+            </p:spPr>
+            <p:style>
+              <a:lnRef idx="0">
+                <a:schemeClr val="accent1"/>
+              </a:lnRef>
+              <a:fillRef idx="0">
+                <a:schemeClr val="accent1"/>
+              </a:fillRef>
+              <a:effectRef idx="0">
+                <a:schemeClr val="accent1"/>
+              </a:effectRef>
+              <a:fontRef idx="minor">
+                <a:schemeClr val="dk1"/>
+              </a:fontRef>
+            </p:style>
+            <p:txBody>
+              <a:bodyPr rot="0" spcFirstLastPara="0" vert="horz" wrap="square" lIns="18000" tIns="18000" rIns="18000" bIns="18000" numCol="1" spcCol="0" rtlCol="0" fromWordArt="0" anchor="t" anchorCtr="0" forceAA="0" compatLnSpc="1">
+                <a:prstTxWarp prst="textNoShape">
+                  <a:avLst/>
+                </a:prstTxWarp>
+                <a:noAutofit/>
+              </a:bodyPr>
+              <a:lstStyle/>
+              <a:p>
+                <a:pPr algn="ctr">
+                  <a:spcAft>
+                    <a:spcPts val="0"/>
+                  </a:spcAft>
+                </a:pPr>
+                <a:r>
+                  <a:rPr lang="en-GB" sz="1200" i="1">
+                    <a:effectLst/>
+                    <a:latin typeface="Times New Roman" panose="02020603050405020304" pitchFamily="18" charset="0"/>
+                    <a:ea typeface="Calibri" panose="020F0502020204030204" pitchFamily="34" charset="0"/>
+                  </a:rPr>
+                  <a:t>i</a:t>
+                </a:r>
+                <a:r>
+                  <a:rPr lang="en-GB" sz="1200" i="1" baseline="-25000">
+                    <a:effectLst/>
+                    <a:latin typeface="Times New Roman" panose="02020603050405020304" pitchFamily="18" charset="0"/>
+                    <a:ea typeface="Calibri" panose="020F0502020204030204" pitchFamily="34" charset="0"/>
+                  </a:rPr>
+                  <a:t>x</a:t>
+                </a:r>
+                <a:endParaRPr lang="en-GB" sz="1200">
+                  <a:effectLst/>
+                  <a:latin typeface="Times New Roman" panose="02020603050405020304" pitchFamily="18" charset="0"/>
+                  <a:ea typeface="Calibri" panose="020F0502020204030204" pitchFamily="34" charset="0"/>
+                </a:endParaRPr>
+              </a:p>
+            </p:txBody>
+          </p:sp>
+          <p:sp>
+            <p:nvSpPr>
+              <p:cNvPr id="8" name="Text Box 488"/>
+              <p:cNvSpPr txBox="1"/>
+              <p:nvPr/>
+            </p:nvSpPr>
+            <p:spPr>
+              <a:xfrm>
+                <a:off x="0" y="0"/>
+                <a:ext cx="414020" cy="275590"/>
+              </a:xfrm>
+              <a:prstGeom prst="rect">
+                <a:avLst/>
+              </a:prstGeom>
+              <a:noFill/>
+              <a:ln w="6350">
+                <a:noFill/>
+              </a:ln>
+              <a:effectLst/>
+            </p:spPr>
+            <p:style>
+              <a:lnRef idx="0">
+                <a:schemeClr val="accent1"/>
+              </a:lnRef>
+              <a:fillRef idx="0">
+                <a:schemeClr val="accent1"/>
+              </a:fillRef>
+              <a:effectRef idx="0">
+                <a:schemeClr val="accent1"/>
+              </a:effectRef>
+              <a:fontRef idx="minor">
+                <a:schemeClr val="dk1"/>
+              </a:fontRef>
+            </p:style>
+            <p:txBody>
+              <a:bodyPr rot="0" spcFirstLastPara="0" vert="horz" wrap="square" lIns="18000" tIns="18000" rIns="18000" bIns="18000" numCol="1" spcCol="0" rtlCol="0" fromWordArt="0" anchor="t" anchorCtr="0" forceAA="0" compatLnSpc="1">
+                <a:prstTxWarp prst="textNoShape">
+                  <a:avLst/>
+                </a:prstTxWarp>
+                <a:noAutofit/>
+              </a:bodyPr>
+              <a:lstStyle/>
+              <a:p>
+                <a:pPr algn="ctr">
+                  <a:spcAft>
+                    <a:spcPts val="0"/>
+                  </a:spcAft>
+                </a:pPr>
+                <a:r>
+                  <a:rPr lang="en-GB" sz="1200">
+                    <a:effectLst/>
+                    <a:latin typeface="Times New Roman" panose="02020603050405020304" pitchFamily="18" charset="0"/>
+                    <a:ea typeface="Calibri" panose="020F0502020204030204" pitchFamily="34" charset="0"/>
+                  </a:rPr>
+                  <a:t>0</a:t>
+                </a:r>
+              </a:p>
+            </p:txBody>
+          </p:sp>
+          <p:sp>
+            <p:nvSpPr>
+              <p:cNvPr id="9" name="Text Box 489"/>
+              <p:cNvSpPr txBox="1"/>
+              <p:nvPr/>
+            </p:nvSpPr>
+            <p:spPr>
+              <a:xfrm>
+                <a:off x="604300" y="182880"/>
+                <a:ext cx="414020" cy="275590"/>
+              </a:xfrm>
+              <a:prstGeom prst="rect">
+                <a:avLst/>
+              </a:prstGeom>
+              <a:noFill/>
+              <a:ln w="6350">
+                <a:noFill/>
+              </a:ln>
+              <a:effectLst/>
+            </p:spPr>
+            <p:style>
+              <a:lnRef idx="0">
+                <a:schemeClr val="accent1"/>
+              </a:lnRef>
+              <a:fillRef idx="0">
+                <a:schemeClr val="accent1"/>
+              </a:fillRef>
+              <a:effectRef idx="0">
+                <a:schemeClr val="accent1"/>
+              </a:effectRef>
+              <a:fontRef idx="minor">
+                <a:schemeClr val="dk1"/>
+              </a:fontRef>
+            </p:style>
+            <p:txBody>
+              <a:bodyPr rot="0" spcFirstLastPara="0" vert="horz" wrap="square" lIns="18000" tIns="18000" rIns="18000" bIns="18000" numCol="1" spcCol="0" rtlCol="0" fromWordArt="0" anchor="t" anchorCtr="0" forceAA="0" compatLnSpc="1">
+                <a:prstTxWarp prst="textNoShape">
+                  <a:avLst/>
+                </a:prstTxWarp>
+                <a:noAutofit/>
+              </a:bodyPr>
+              <a:lstStyle/>
+              <a:p>
+                <a:pPr algn="ctr">
+                  <a:spcAft>
+                    <a:spcPts val="0"/>
+                  </a:spcAft>
+                </a:pPr>
+                <a:r>
+                  <a:rPr lang="en-GB" sz="1200">
+                    <a:effectLst/>
+                    <a:latin typeface="Times New Roman" panose="02020603050405020304" pitchFamily="18" charset="0"/>
+                    <a:ea typeface="Calibri" panose="020F0502020204030204" pitchFamily="34" charset="0"/>
+                  </a:rPr>
+                  <a:t>1</a:t>
+                </a:r>
+              </a:p>
+            </p:txBody>
+          </p:sp>
+          <p:sp>
+            <p:nvSpPr>
+              <p:cNvPr id="10" name="Text Box 490"/>
+              <p:cNvSpPr txBox="1"/>
+              <p:nvPr/>
+            </p:nvSpPr>
+            <p:spPr>
+              <a:xfrm>
+                <a:off x="1256307" y="349858"/>
+                <a:ext cx="414020" cy="275590"/>
+              </a:xfrm>
+              <a:prstGeom prst="rect">
+                <a:avLst/>
+              </a:prstGeom>
+              <a:noFill/>
+              <a:ln w="6350">
+                <a:noFill/>
+              </a:ln>
+              <a:effectLst/>
+            </p:spPr>
+            <p:style>
+              <a:lnRef idx="0">
+                <a:schemeClr val="accent1"/>
+              </a:lnRef>
+              <a:fillRef idx="0">
+                <a:schemeClr val="accent1"/>
+              </a:fillRef>
+              <a:effectRef idx="0">
+                <a:schemeClr val="accent1"/>
+              </a:effectRef>
+              <a:fontRef idx="minor">
+                <a:schemeClr val="dk1"/>
+              </a:fontRef>
+            </p:style>
+            <p:txBody>
+              <a:bodyPr rot="0" spcFirstLastPara="0" vert="horz" wrap="square" lIns="18000" tIns="18000" rIns="18000" bIns="18000" numCol="1" spcCol="0" rtlCol="0" fromWordArt="0" anchor="t" anchorCtr="0" forceAA="0" compatLnSpc="1">
+                <a:prstTxWarp prst="textNoShape">
+                  <a:avLst/>
+                </a:prstTxWarp>
+                <a:noAutofit/>
+              </a:bodyPr>
+              <a:lstStyle/>
+              <a:p>
+                <a:pPr algn="ctr">
+                  <a:spcAft>
+                    <a:spcPts val="0"/>
+                  </a:spcAft>
+                </a:pPr>
+                <a:r>
+                  <a:rPr lang="en-GB" sz="1200">
+                    <a:effectLst/>
+                    <a:latin typeface="Times New Roman" panose="02020603050405020304" pitchFamily="18" charset="0"/>
+                    <a:ea typeface="Calibri" panose="020F0502020204030204" pitchFamily="34" charset="0"/>
+                  </a:rPr>
+                  <a:t>2</a:t>
+                </a:r>
+              </a:p>
+            </p:txBody>
+          </p:sp>
+        </p:grpSp>
+        <p:grpSp>
+          <p:nvGrpSpPr>
+            <p:cNvPr id="11" name="Group 10"/>
+            <p:cNvGrpSpPr/>
+            <p:nvPr/>
+          </p:nvGrpSpPr>
+          <p:grpSpPr>
+            <a:xfrm>
+              <a:off x="2337487" y="1650922"/>
+              <a:ext cx="1518922" cy="1090296"/>
+              <a:chOff x="0" y="-1"/>
+              <a:chExt cx="1518922" cy="1090296"/>
+            </a:xfrm>
+          </p:grpSpPr>
+          <p:sp>
+            <p:nvSpPr>
+              <p:cNvPr id="12" name="Text Box 477"/>
+              <p:cNvSpPr txBox="1"/>
+              <p:nvPr/>
+            </p:nvSpPr>
+            <p:spPr>
+              <a:xfrm>
+                <a:off x="362309" y="310550"/>
+                <a:ext cx="414020" cy="275590"/>
+              </a:xfrm>
+              <a:prstGeom prst="rect">
+                <a:avLst/>
+              </a:prstGeom>
+              <a:noFill/>
+              <a:ln w="6350">
+                <a:noFill/>
+              </a:ln>
+              <a:effectLst/>
+            </p:spPr>
+            <p:style>
+              <a:lnRef idx="0">
+                <a:schemeClr val="accent1"/>
+              </a:lnRef>
+              <a:fillRef idx="0">
+                <a:schemeClr val="accent1"/>
+              </a:fillRef>
+              <a:effectRef idx="0">
+                <a:schemeClr val="accent1"/>
+              </a:effectRef>
+              <a:fontRef idx="minor">
+                <a:schemeClr val="dk1"/>
+              </a:fontRef>
+            </p:style>
+            <p:txBody>
+              <a:bodyPr rot="0" spcFirstLastPara="0" vert="horz" wrap="square" lIns="18000" tIns="18000" rIns="18000" bIns="18000" numCol="1" spcCol="0" rtlCol="0" fromWordArt="0" anchor="t" anchorCtr="0" forceAA="0" compatLnSpc="1">
+                <a:prstTxWarp prst="textNoShape">
+                  <a:avLst/>
+                </a:prstTxWarp>
+                <a:noAutofit/>
+              </a:bodyPr>
+              <a:lstStyle/>
+              <a:p>
+                <a:pPr algn="ctr">
+                  <a:spcAft>
+                    <a:spcPts val="0"/>
+                  </a:spcAft>
+                </a:pPr>
+                <a:r>
+                  <a:rPr lang="en-GB" sz="1200" i="1">
+                    <a:effectLst/>
+                    <a:latin typeface="Times New Roman" panose="02020603050405020304" pitchFamily="18" charset="0"/>
+                    <a:ea typeface="Calibri" panose="020F0502020204030204" pitchFamily="34" charset="0"/>
+                  </a:rPr>
+                  <a:t>i</a:t>
+                </a:r>
+                <a:r>
+                  <a:rPr lang="en-GB" sz="1200" i="1" baseline="-25000">
+                    <a:effectLst/>
+                    <a:latin typeface="Times New Roman" panose="02020603050405020304" pitchFamily="18" charset="0"/>
+                    <a:ea typeface="Calibri" panose="020F0502020204030204" pitchFamily="34" charset="0"/>
+                  </a:rPr>
+                  <a:t>y</a:t>
+                </a:r>
+                <a:endParaRPr lang="en-GB" sz="1200">
+                  <a:effectLst/>
+                  <a:latin typeface="Times New Roman" panose="02020603050405020304" pitchFamily="18" charset="0"/>
+                  <a:ea typeface="Calibri" panose="020F0502020204030204" pitchFamily="34" charset="0"/>
+                </a:endParaRPr>
+              </a:p>
+            </p:txBody>
+          </p:sp>
+          <p:grpSp>
+            <p:nvGrpSpPr>
+              <p:cNvPr id="13" name="Group 12"/>
+              <p:cNvGrpSpPr/>
+              <p:nvPr/>
+            </p:nvGrpSpPr>
+            <p:grpSpPr>
+              <a:xfrm>
+                <a:off x="0" y="-1"/>
+                <a:ext cx="1518922" cy="1090296"/>
+                <a:chOff x="0" y="0"/>
+                <a:chExt cx="1519252" cy="1090644"/>
+              </a:xfrm>
+            </p:grpSpPr>
+            <p:sp>
+              <p:nvSpPr>
+                <p:cNvPr id="14" name="Text Box 479"/>
+                <p:cNvSpPr txBox="1"/>
+                <p:nvPr/>
+              </p:nvSpPr>
+              <p:spPr>
+                <a:xfrm>
+                  <a:off x="0" y="675861"/>
+                  <a:ext cx="414020" cy="275590"/>
+                </a:xfrm>
+                <a:prstGeom prst="rect">
+                  <a:avLst/>
+                </a:prstGeom>
+                <a:noFill/>
+                <a:ln w="6350">
+                  <a:noFill/>
+                </a:ln>
+                <a:effectLst/>
+              </p:spPr>
+              <p:style>
+                <a:lnRef idx="0">
+                  <a:schemeClr val="accent1"/>
+                </a:lnRef>
+                <a:fillRef idx="0">
+                  <a:schemeClr val="accent1"/>
+                </a:fillRef>
+                <a:effectRef idx="0">
+                  <a:schemeClr val="accent1"/>
+                </a:effectRef>
+                <a:fontRef idx="minor">
+                  <a:schemeClr val="dk1"/>
+                </a:fontRef>
+              </p:style>
+              <p:txBody>
+                <a:bodyPr rot="0" spcFirstLastPara="0" vert="horz" wrap="square" lIns="18000" tIns="18000" rIns="18000" bIns="18000" numCol="1" spcCol="0" rtlCol="0" fromWordArt="0" anchor="t" anchorCtr="0" forceAA="0" compatLnSpc="1">
+                  <a:prstTxWarp prst="textNoShape">
+                    <a:avLst/>
+                  </a:prstTxWarp>
+                  <a:noAutofit/>
+                </a:bodyPr>
+                <a:lstStyle/>
+                <a:p>
+                  <a:pPr algn="ctr">
+                    <a:spcAft>
+                      <a:spcPts val="0"/>
+                    </a:spcAft>
+                  </a:pPr>
+                  <a:r>
+                    <a:rPr lang="en-GB" sz="1200">
+                      <a:effectLst/>
+                      <a:latin typeface="Times New Roman" panose="02020603050405020304" pitchFamily="18" charset="0"/>
+                      <a:ea typeface="Calibri" panose="020F0502020204030204" pitchFamily="34" charset="0"/>
+                    </a:rPr>
+                    <a:t>0</a:t>
+                  </a:r>
+                </a:p>
+              </p:txBody>
+            </p:sp>
+            <p:sp>
+              <p:nvSpPr>
+                <p:cNvPr id="15" name="Text Box 480"/>
+                <p:cNvSpPr txBox="1"/>
+                <p:nvPr/>
+              </p:nvSpPr>
+              <p:spPr>
+                <a:xfrm>
+                  <a:off x="580445" y="254442"/>
+                  <a:ext cx="414020" cy="275590"/>
+                </a:xfrm>
+                <a:prstGeom prst="rect">
+                  <a:avLst/>
+                </a:prstGeom>
+                <a:noFill/>
+                <a:ln w="6350">
+                  <a:noFill/>
+                </a:ln>
+                <a:effectLst/>
+              </p:spPr>
+              <p:style>
+                <a:lnRef idx="0">
+                  <a:schemeClr val="accent1"/>
+                </a:lnRef>
+                <a:fillRef idx="0">
+                  <a:schemeClr val="accent1"/>
+                </a:fillRef>
+                <a:effectRef idx="0">
+                  <a:schemeClr val="accent1"/>
+                </a:effectRef>
+                <a:fontRef idx="minor">
+                  <a:schemeClr val="dk1"/>
+                </a:fontRef>
+              </p:style>
+              <p:txBody>
+                <a:bodyPr rot="0" spcFirstLastPara="0" vert="horz" wrap="square" lIns="18000" tIns="18000" rIns="18000" bIns="18000" numCol="1" spcCol="0" rtlCol="0" fromWordArt="0" anchor="t" anchorCtr="0" forceAA="0" compatLnSpc="1">
+                  <a:prstTxWarp prst="textNoShape">
+                    <a:avLst/>
+                  </a:prstTxWarp>
+                  <a:noAutofit/>
+                </a:bodyPr>
+                <a:lstStyle/>
+                <a:p>
+                  <a:pPr algn="ctr">
+                    <a:spcAft>
+                      <a:spcPts val="0"/>
+                    </a:spcAft>
+                  </a:pPr>
+                  <a:r>
+                    <a:rPr lang="en-GB" sz="1200">
+                      <a:effectLst/>
+                      <a:latin typeface="Times New Roman" panose="02020603050405020304" pitchFamily="18" charset="0"/>
+                      <a:ea typeface="Calibri" panose="020F0502020204030204" pitchFamily="34" charset="0"/>
+                    </a:rPr>
+                    <a:t>1</a:t>
+                  </a:r>
+                </a:p>
+              </p:txBody>
+            </p:sp>
+            <p:sp>
+              <p:nvSpPr>
+                <p:cNvPr id="16" name="Text Box 481"/>
+                <p:cNvSpPr txBox="1"/>
+                <p:nvPr/>
+              </p:nvSpPr>
+              <p:spPr>
+                <a:xfrm>
+                  <a:off x="1105232" y="0"/>
+                  <a:ext cx="414020" cy="275590"/>
+                </a:xfrm>
+                <a:prstGeom prst="rect">
+                  <a:avLst/>
+                </a:prstGeom>
+                <a:noFill/>
+                <a:ln w="6350">
+                  <a:noFill/>
+                </a:ln>
+                <a:effectLst/>
+              </p:spPr>
+              <p:style>
+                <a:lnRef idx="0">
+                  <a:schemeClr val="accent1"/>
+                </a:lnRef>
+                <a:fillRef idx="0">
+                  <a:schemeClr val="accent1"/>
+                </a:fillRef>
+                <a:effectRef idx="0">
+                  <a:schemeClr val="accent1"/>
+                </a:effectRef>
+                <a:fontRef idx="minor">
+                  <a:schemeClr val="dk1"/>
+                </a:fontRef>
+              </p:style>
+              <p:txBody>
+                <a:bodyPr rot="0" spcFirstLastPara="0" vert="horz" wrap="square" lIns="18000" tIns="18000" rIns="18000" bIns="18000" numCol="1" spcCol="0" rtlCol="0" fromWordArt="0" anchor="t" anchorCtr="0" forceAA="0" compatLnSpc="1">
+                  <a:prstTxWarp prst="textNoShape">
+                    <a:avLst/>
+                  </a:prstTxWarp>
+                  <a:noAutofit/>
+                </a:bodyPr>
+                <a:lstStyle/>
+                <a:p>
+                  <a:pPr algn="ctr">
+                    <a:spcAft>
+                      <a:spcPts val="0"/>
+                    </a:spcAft>
+                  </a:pPr>
+                  <a:r>
+                    <a:rPr lang="en-GB" sz="1200">
+                      <a:effectLst/>
+                      <a:latin typeface="Times New Roman" panose="02020603050405020304" pitchFamily="18" charset="0"/>
+                      <a:ea typeface="Calibri" panose="020F0502020204030204" pitchFamily="34" charset="0"/>
+                    </a:rPr>
+                    <a:t>2</a:t>
+                  </a:r>
+                </a:p>
+              </p:txBody>
+            </p:sp>
+            <p:cxnSp>
+              <p:nvCxnSpPr>
+                <p:cNvPr id="17" name="Straight Arrow Connector 16"/>
+                <p:cNvCxnSpPr/>
+                <p:nvPr/>
+              </p:nvCxnSpPr>
+              <p:spPr>
+                <a:xfrm>
+                  <a:off x="206734" y="874644"/>
+                  <a:ext cx="0" cy="216000"/>
+                </a:xfrm>
+                <a:prstGeom prst="straightConnector1">
+                  <a:avLst/>
+                </a:prstGeom>
+                <a:ln w="19050">
+                  <a:solidFill>
+                    <a:schemeClr val="tx1"/>
+                  </a:solidFill>
+                  <a:tailEnd type="arrow"/>
+                </a:ln>
+              </p:spPr>
+              <p:style>
+                <a:lnRef idx="1">
+                  <a:schemeClr val="accent1"/>
+                </a:lnRef>
+                <a:fillRef idx="0">
+                  <a:schemeClr val="accent1"/>
+                </a:fillRef>
+                <a:effectRef idx="0">
+                  <a:schemeClr val="accent1"/>
+                </a:effectRef>
+                <a:fontRef idx="minor">
+                  <a:schemeClr val="tx1"/>
+                </a:fontRef>
+              </p:style>
+            </p:cxnSp>
+            <p:cxnSp>
+              <p:nvCxnSpPr>
+                <p:cNvPr id="18" name="Straight Arrow Connector 17"/>
+                <p:cNvCxnSpPr/>
+                <p:nvPr/>
+              </p:nvCxnSpPr>
+              <p:spPr>
+                <a:xfrm>
+                  <a:off x="779228" y="461176"/>
+                  <a:ext cx="0" cy="215900"/>
+                </a:xfrm>
+                <a:prstGeom prst="straightConnector1">
+                  <a:avLst/>
+                </a:prstGeom>
+                <a:ln w="19050">
+                  <a:solidFill>
+                    <a:schemeClr val="tx1"/>
+                  </a:solidFill>
+                  <a:tailEnd type="arrow"/>
+                </a:ln>
+              </p:spPr>
+              <p:style>
+                <a:lnRef idx="1">
+                  <a:schemeClr val="accent1"/>
+                </a:lnRef>
+                <a:fillRef idx="0">
+                  <a:schemeClr val="accent1"/>
+                </a:fillRef>
+                <a:effectRef idx="0">
+                  <a:schemeClr val="accent1"/>
+                </a:effectRef>
+                <a:fontRef idx="minor">
+                  <a:schemeClr val="tx1"/>
+                </a:fontRef>
+              </p:style>
+            </p:cxnSp>
+            <p:cxnSp>
+              <p:nvCxnSpPr>
+                <p:cNvPr id="19" name="Straight Arrow Connector 18"/>
+                <p:cNvCxnSpPr/>
+                <p:nvPr/>
+              </p:nvCxnSpPr>
+              <p:spPr>
+                <a:xfrm>
+                  <a:off x="1311966" y="198783"/>
+                  <a:ext cx="0" cy="216000"/>
+                </a:xfrm>
+                <a:prstGeom prst="straightConnector1">
+                  <a:avLst/>
+                </a:prstGeom>
+                <a:ln w="19050">
+                  <a:solidFill>
+                    <a:schemeClr val="tx1"/>
+                  </a:solidFill>
+                  <a:tailEnd type="arrow"/>
+                </a:ln>
+              </p:spPr>
+              <p:style>
+                <a:lnRef idx="1">
+                  <a:schemeClr val="accent1"/>
+                </a:lnRef>
+                <a:fillRef idx="0">
+                  <a:schemeClr val="accent1"/>
+                </a:fillRef>
+                <a:effectRef idx="0">
+                  <a:schemeClr val="accent1"/>
+                </a:effectRef>
+                <a:fontRef idx="minor">
+                  <a:schemeClr val="tx1"/>
+                </a:fontRef>
+              </p:style>
+            </p:cxnSp>
+          </p:grpSp>
+        </p:grpSp>
+        <p:grpSp>
+          <p:nvGrpSpPr>
+            <p:cNvPr id="21" name="Group 20"/>
+            <p:cNvGrpSpPr/>
+            <p:nvPr/>
+          </p:nvGrpSpPr>
+          <p:grpSpPr>
+            <a:xfrm>
+              <a:off x="1760070" y="2629854"/>
+              <a:ext cx="776605" cy="1332865"/>
+              <a:chOff x="-76033" y="0"/>
+              <a:chExt cx="776963" cy="1333113"/>
+            </a:xfrm>
+          </p:grpSpPr>
+          <p:sp>
+            <p:nvSpPr>
+              <p:cNvPr id="22" name="Text Box 465"/>
+              <p:cNvSpPr txBox="1"/>
+              <p:nvPr/>
+            </p:nvSpPr>
+            <p:spPr>
+              <a:xfrm>
+                <a:off x="159026" y="795130"/>
+                <a:ext cx="414020" cy="275590"/>
+              </a:xfrm>
+              <a:prstGeom prst="rect">
+                <a:avLst/>
+              </a:prstGeom>
+              <a:noFill/>
+              <a:ln w="6350">
+                <a:noFill/>
+              </a:ln>
+              <a:effectLst/>
+            </p:spPr>
+            <p:style>
+              <a:lnRef idx="0">
+                <a:schemeClr val="accent1"/>
+              </a:lnRef>
+              <a:fillRef idx="0">
+                <a:schemeClr val="accent1"/>
+              </a:fillRef>
+              <a:effectRef idx="0">
+                <a:schemeClr val="accent1"/>
+              </a:effectRef>
+              <a:fontRef idx="minor">
+                <a:schemeClr val="dk1"/>
+              </a:fontRef>
+            </p:style>
+            <p:txBody>
+              <a:bodyPr rot="0" spcFirstLastPara="0" vert="horz" wrap="square" lIns="18000" tIns="18000" rIns="18000" bIns="18000" numCol="1" spcCol="0" rtlCol="0" fromWordArt="0" anchor="t" anchorCtr="0" forceAA="0" compatLnSpc="1">
+                <a:prstTxWarp prst="textNoShape">
+                  <a:avLst/>
+                </a:prstTxWarp>
+                <a:noAutofit/>
+              </a:bodyPr>
+              <a:lstStyle/>
+              <a:p>
+                <a:pPr algn="ctr">
+                  <a:spcAft>
+                    <a:spcPts val="0"/>
+                  </a:spcAft>
+                </a:pPr>
+                <a:r>
+                  <a:rPr lang="en-GB" sz="1200">
+                    <a:effectLst/>
+                    <a:latin typeface="Times New Roman" panose="02020603050405020304" pitchFamily="18" charset="0"/>
+                    <a:ea typeface="Calibri" panose="020F0502020204030204" pitchFamily="34" charset="0"/>
+                  </a:rPr>
+                  <a:t>2</a:t>
+                </a:r>
+              </a:p>
+            </p:txBody>
+          </p:sp>
+          <p:sp>
+            <p:nvSpPr>
+              <p:cNvPr id="23" name="Text Box 466"/>
+              <p:cNvSpPr txBox="1"/>
+              <p:nvPr/>
+            </p:nvSpPr>
+            <p:spPr>
+              <a:xfrm>
+                <a:off x="159026" y="262393"/>
+                <a:ext cx="414020" cy="275590"/>
+              </a:xfrm>
+              <a:prstGeom prst="rect">
+                <a:avLst/>
+              </a:prstGeom>
+              <a:noFill/>
+              <a:ln w="6350">
+                <a:noFill/>
+              </a:ln>
+              <a:effectLst/>
+            </p:spPr>
+            <p:style>
+              <a:lnRef idx="0">
+                <a:schemeClr val="accent1"/>
+              </a:lnRef>
+              <a:fillRef idx="0">
+                <a:schemeClr val="accent1"/>
+              </a:fillRef>
+              <a:effectRef idx="0">
+                <a:schemeClr val="accent1"/>
+              </a:effectRef>
+              <a:fontRef idx="minor">
+                <a:schemeClr val="dk1"/>
+              </a:fontRef>
+            </p:style>
+            <p:txBody>
+              <a:bodyPr rot="0" spcFirstLastPara="0" vert="horz" wrap="square" lIns="18000" tIns="18000" rIns="18000" bIns="18000" numCol="1" spcCol="0" rtlCol="0" fromWordArt="0" anchor="t" anchorCtr="0" forceAA="0" compatLnSpc="1">
+                <a:prstTxWarp prst="textNoShape">
+                  <a:avLst/>
+                </a:prstTxWarp>
+                <a:noAutofit/>
+              </a:bodyPr>
+              <a:lstStyle/>
+              <a:p>
+                <a:pPr algn="ctr">
+                  <a:spcAft>
+                    <a:spcPts val="0"/>
+                  </a:spcAft>
+                </a:pPr>
+                <a:r>
+                  <a:rPr lang="en-GB" sz="1200">
+                    <a:effectLst/>
+                    <a:latin typeface="Times New Roman" panose="02020603050405020304" pitchFamily="18" charset="0"/>
+                    <a:ea typeface="Calibri" panose="020F0502020204030204" pitchFamily="34" charset="0"/>
+                  </a:rPr>
+                  <a:t>6</a:t>
+                </a:r>
+              </a:p>
+            </p:txBody>
+          </p:sp>
+          <p:sp>
+            <p:nvSpPr>
+              <p:cNvPr id="24" name="Text Box 467"/>
+              <p:cNvSpPr txBox="1"/>
+              <p:nvPr/>
+            </p:nvSpPr>
+            <p:spPr>
+              <a:xfrm>
+                <a:off x="159026" y="548640"/>
+                <a:ext cx="414020" cy="275590"/>
+              </a:xfrm>
+              <a:prstGeom prst="rect">
+                <a:avLst/>
+              </a:prstGeom>
+              <a:noFill/>
+              <a:ln w="6350">
+                <a:noFill/>
+              </a:ln>
+              <a:effectLst/>
+            </p:spPr>
+            <p:style>
+              <a:lnRef idx="0">
+                <a:schemeClr val="accent1"/>
+              </a:lnRef>
+              <a:fillRef idx="0">
+                <a:schemeClr val="accent1"/>
+              </a:fillRef>
+              <a:effectRef idx="0">
+                <a:schemeClr val="accent1"/>
+              </a:effectRef>
+              <a:fontRef idx="minor">
+                <a:schemeClr val="dk1"/>
+              </a:fontRef>
+            </p:style>
+            <p:txBody>
+              <a:bodyPr rot="0" spcFirstLastPara="0" vert="horz" wrap="square" lIns="18000" tIns="18000" rIns="18000" bIns="18000" numCol="1" spcCol="0" rtlCol="0" fromWordArt="0" anchor="t" anchorCtr="0" forceAA="0" compatLnSpc="1">
+                <a:prstTxWarp prst="textNoShape">
+                  <a:avLst/>
+                </a:prstTxWarp>
+                <a:noAutofit/>
+              </a:bodyPr>
+              <a:lstStyle/>
+              <a:p>
+                <a:pPr algn="ctr">
+                  <a:spcAft>
+                    <a:spcPts val="0"/>
+                  </a:spcAft>
+                </a:pPr>
+                <a:r>
+                  <a:rPr lang="en-GB" sz="1200">
+                    <a:effectLst/>
+                    <a:latin typeface="Times New Roman" panose="02020603050405020304" pitchFamily="18" charset="0"/>
+                    <a:ea typeface="Calibri" panose="020F0502020204030204" pitchFamily="34" charset="0"/>
+                  </a:rPr>
+                  <a:t>4</a:t>
+                </a:r>
+              </a:p>
+            </p:txBody>
+          </p:sp>
+          <p:sp>
+            <p:nvSpPr>
+              <p:cNvPr id="25" name="Text Box 468"/>
+              <p:cNvSpPr txBox="1"/>
+              <p:nvPr/>
+            </p:nvSpPr>
+            <p:spPr>
+              <a:xfrm>
+                <a:off x="159026" y="0"/>
+                <a:ext cx="414020" cy="275590"/>
+              </a:xfrm>
+              <a:prstGeom prst="rect">
+                <a:avLst/>
+              </a:prstGeom>
+              <a:noFill/>
+              <a:ln w="6350">
+                <a:noFill/>
+              </a:ln>
+              <a:effectLst/>
+            </p:spPr>
+            <p:style>
+              <a:lnRef idx="0">
+                <a:schemeClr val="accent1"/>
+              </a:lnRef>
+              <a:fillRef idx="0">
+                <a:schemeClr val="accent1"/>
+              </a:fillRef>
+              <a:effectRef idx="0">
+                <a:schemeClr val="accent1"/>
+              </a:effectRef>
+              <a:fontRef idx="minor">
+                <a:schemeClr val="dk1"/>
+              </a:fontRef>
+            </p:style>
+            <p:txBody>
+              <a:bodyPr rot="0" spcFirstLastPara="0" vert="horz" wrap="square" lIns="18000" tIns="18000" rIns="18000" bIns="18000" numCol="1" spcCol="0" rtlCol="0" fromWordArt="0" anchor="t" anchorCtr="0" forceAA="0" compatLnSpc="1">
+                <a:prstTxWarp prst="textNoShape">
+                  <a:avLst/>
+                </a:prstTxWarp>
+                <a:noAutofit/>
+              </a:bodyPr>
+              <a:lstStyle/>
+              <a:p>
+                <a:pPr algn="ctr">
+                  <a:spcAft>
+                    <a:spcPts val="0"/>
+                  </a:spcAft>
+                </a:pPr>
+                <a:r>
+                  <a:rPr lang="en-GB" sz="1200">
+                    <a:effectLst/>
+                    <a:latin typeface="Times New Roman" panose="02020603050405020304" pitchFamily="18" charset="0"/>
+                    <a:ea typeface="Calibri" panose="020F0502020204030204" pitchFamily="34" charset="0"/>
+                  </a:rPr>
+                  <a:t>8</a:t>
+                </a:r>
+              </a:p>
+            </p:txBody>
+          </p:sp>
+          <p:sp>
+            <p:nvSpPr>
+              <p:cNvPr id="26" name="Text Box 469"/>
+              <p:cNvSpPr txBox="1"/>
+              <p:nvPr/>
+            </p:nvSpPr>
+            <p:spPr>
+              <a:xfrm>
+                <a:off x="159026" y="1057523"/>
+                <a:ext cx="414020" cy="275590"/>
+              </a:xfrm>
+              <a:prstGeom prst="rect">
+                <a:avLst/>
+              </a:prstGeom>
+              <a:noFill/>
+              <a:ln w="6350">
+                <a:noFill/>
+              </a:ln>
+              <a:effectLst/>
+            </p:spPr>
+            <p:style>
+              <a:lnRef idx="0">
+                <a:schemeClr val="accent1"/>
+              </a:lnRef>
+              <a:fillRef idx="0">
+                <a:schemeClr val="accent1"/>
+              </a:fillRef>
+              <a:effectRef idx="0">
+                <a:schemeClr val="accent1"/>
+              </a:effectRef>
+              <a:fontRef idx="minor">
+                <a:schemeClr val="dk1"/>
+              </a:fontRef>
+            </p:style>
+            <p:txBody>
+              <a:bodyPr rot="0" spcFirstLastPara="0" vert="horz" wrap="square" lIns="18000" tIns="18000" rIns="18000" bIns="18000" numCol="1" spcCol="0" rtlCol="0" fromWordArt="0" anchor="t" anchorCtr="0" forceAA="0" compatLnSpc="1">
+                <a:prstTxWarp prst="textNoShape">
+                  <a:avLst/>
+                </a:prstTxWarp>
+                <a:noAutofit/>
+              </a:bodyPr>
+              <a:lstStyle/>
+              <a:p>
+                <a:pPr algn="ctr">
+                  <a:spcAft>
+                    <a:spcPts val="0"/>
+                  </a:spcAft>
+                </a:pPr>
+                <a:r>
+                  <a:rPr lang="en-GB" sz="1200">
+                    <a:effectLst/>
+                    <a:latin typeface="Times New Roman" panose="02020603050405020304" pitchFamily="18" charset="0"/>
+                    <a:ea typeface="Calibri" panose="020F0502020204030204" pitchFamily="34" charset="0"/>
+                  </a:rPr>
+                  <a:t>0</a:t>
+                </a:r>
+              </a:p>
+            </p:txBody>
+          </p:sp>
+          <p:cxnSp>
+            <p:nvCxnSpPr>
+              <p:cNvPr id="27" name="Straight Arrow Connector 26"/>
+              <p:cNvCxnSpPr/>
+              <p:nvPr/>
+            </p:nvCxnSpPr>
+            <p:spPr>
+              <a:xfrm>
+                <a:off x="437322" y="127221"/>
+                <a:ext cx="215900" cy="0"/>
+              </a:xfrm>
+              <a:prstGeom prst="straightConnector1">
+                <a:avLst/>
+              </a:prstGeom>
+              <a:ln w="19050">
+                <a:solidFill>
+                  <a:schemeClr val="tx1"/>
+                </a:solidFill>
+                <a:tailEnd type="arrow"/>
+              </a:ln>
+            </p:spPr>
+            <p:style>
+              <a:lnRef idx="1">
+                <a:schemeClr val="accent1"/>
+              </a:lnRef>
+              <a:fillRef idx="0">
+                <a:schemeClr val="accent1"/>
+              </a:fillRef>
+              <a:effectRef idx="0">
+                <a:schemeClr val="accent1"/>
+              </a:effectRef>
+              <a:fontRef idx="minor">
+                <a:schemeClr val="tx1"/>
+              </a:fontRef>
+            </p:style>
+          </p:cxnSp>
+          <p:cxnSp>
+            <p:nvCxnSpPr>
+              <p:cNvPr id="28" name="Straight Arrow Connector 27"/>
+              <p:cNvCxnSpPr/>
+              <p:nvPr/>
+            </p:nvCxnSpPr>
+            <p:spPr>
+              <a:xfrm>
+                <a:off x="453225" y="389614"/>
+                <a:ext cx="215900" cy="0"/>
+              </a:xfrm>
+              <a:prstGeom prst="straightConnector1">
+                <a:avLst/>
+              </a:prstGeom>
+              <a:ln w="19050">
+                <a:solidFill>
+                  <a:schemeClr val="tx1"/>
+                </a:solidFill>
+                <a:tailEnd type="arrow"/>
+              </a:ln>
+            </p:spPr>
+            <p:style>
+              <a:lnRef idx="1">
+                <a:schemeClr val="accent1"/>
+              </a:lnRef>
+              <a:fillRef idx="0">
+                <a:schemeClr val="accent1"/>
+              </a:fillRef>
+              <a:effectRef idx="0">
+                <a:schemeClr val="accent1"/>
+              </a:effectRef>
+              <a:fontRef idx="minor">
+                <a:schemeClr val="tx1"/>
+              </a:fontRef>
+            </p:style>
+          </p:cxnSp>
+          <p:cxnSp>
+            <p:nvCxnSpPr>
+              <p:cNvPr id="29" name="Straight Arrow Connector 28"/>
+              <p:cNvCxnSpPr/>
+              <p:nvPr/>
+            </p:nvCxnSpPr>
+            <p:spPr>
+              <a:xfrm>
+                <a:off x="485030" y="1184744"/>
+                <a:ext cx="215900" cy="0"/>
+              </a:xfrm>
+              <a:prstGeom prst="straightConnector1">
+                <a:avLst/>
+              </a:prstGeom>
+              <a:ln w="19050">
+                <a:solidFill>
+                  <a:schemeClr val="tx1"/>
+                </a:solidFill>
+                <a:tailEnd type="arrow"/>
+              </a:ln>
+            </p:spPr>
+            <p:style>
+              <a:lnRef idx="1">
+                <a:schemeClr val="accent1"/>
+              </a:lnRef>
+              <a:fillRef idx="0">
+                <a:schemeClr val="accent1"/>
+              </a:fillRef>
+              <a:effectRef idx="0">
+                <a:schemeClr val="accent1"/>
+              </a:effectRef>
+              <a:fontRef idx="minor">
+                <a:schemeClr val="tx1"/>
+              </a:fontRef>
+            </p:style>
+          </p:cxnSp>
+          <p:cxnSp>
+            <p:nvCxnSpPr>
+              <p:cNvPr id="30" name="Straight Arrow Connector 29"/>
+              <p:cNvCxnSpPr/>
+              <p:nvPr/>
+            </p:nvCxnSpPr>
+            <p:spPr>
+              <a:xfrm>
+                <a:off x="469127" y="922351"/>
+                <a:ext cx="215900" cy="0"/>
+              </a:xfrm>
+              <a:prstGeom prst="straightConnector1">
+                <a:avLst/>
+              </a:prstGeom>
+              <a:ln w="19050">
+                <a:solidFill>
+                  <a:schemeClr val="tx1"/>
+                </a:solidFill>
+                <a:tailEnd type="arrow"/>
+              </a:ln>
+            </p:spPr>
+            <p:style>
+              <a:lnRef idx="1">
+                <a:schemeClr val="accent1"/>
+              </a:lnRef>
+              <a:fillRef idx="0">
+                <a:schemeClr val="accent1"/>
+              </a:fillRef>
+              <a:effectRef idx="0">
+                <a:schemeClr val="accent1"/>
+              </a:effectRef>
+              <a:fontRef idx="minor">
+                <a:schemeClr val="tx1"/>
+              </a:fontRef>
+            </p:style>
+          </p:cxnSp>
+          <p:cxnSp>
+            <p:nvCxnSpPr>
+              <p:cNvPr id="31" name="Straight Arrow Connector 30"/>
+              <p:cNvCxnSpPr/>
+              <p:nvPr/>
+            </p:nvCxnSpPr>
+            <p:spPr>
+              <a:xfrm>
+                <a:off x="461176" y="675861"/>
+                <a:ext cx="215900" cy="0"/>
+              </a:xfrm>
+              <a:prstGeom prst="straightConnector1">
+                <a:avLst/>
+              </a:prstGeom>
+              <a:ln w="19050">
+                <a:solidFill>
+                  <a:schemeClr val="tx1"/>
+                </a:solidFill>
+                <a:tailEnd type="arrow"/>
+              </a:ln>
+            </p:spPr>
+            <p:style>
+              <a:lnRef idx="1">
+                <a:schemeClr val="accent1"/>
+              </a:lnRef>
+              <a:fillRef idx="0">
+                <a:schemeClr val="accent1"/>
+              </a:fillRef>
+              <a:effectRef idx="0">
+                <a:schemeClr val="accent1"/>
+              </a:effectRef>
+              <a:fontRef idx="minor">
+                <a:schemeClr val="tx1"/>
+              </a:fontRef>
+            </p:style>
+          </p:cxnSp>
+          <p:sp>
+            <p:nvSpPr>
+              <p:cNvPr id="32" name="Text Box 475"/>
+              <p:cNvSpPr txBox="1"/>
+              <p:nvPr/>
+            </p:nvSpPr>
+            <p:spPr>
+              <a:xfrm>
+                <a:off x="-76033" y="564476"/>
+                <a:ext cx="414020" cy="275590"/>
+              </a:xfrm>
+              <a:prstGeom prst="rect">
+                <a:avLst/>
+              </a:prstGeom>
+              <a:noFill/>
+              <a:ln w="6350">
+                <a:noFill/>
+              </a:ln>
+              <a:effectLst/>
+            </p:spPr>
+            <p:style>
+              <a:lnRef idx="0">
+                <a:schemeClr val="accent1"/>
+              </a:lnRef>
+              <a:fillRef idx="0">
+                <a:schemeClr val="accent1"/>
+              </a:fillRef>
+              <a:effectRef idx="0">
+                <a:schemeClr val="accent1"/>
+              </a:effectRef>
+              <a:fontRef idx="minor">
+                <a:schemeClr val="dk1"/>
+              </a:fontRef>
+            </p:style>
+            <p:txBody>
+              <a:bodyPr rot="0" spcFirstLastPara="0" vert="horz" wrap="square" lIns="18000" tIns="18000" rIns="18000" bIns="18000" numCol="1" spcCol="0" rtlCol="0" fromWordArt="0" anchor="t" anchorCtr="0" forceAA="0" compatLnSpc="1">
+                <a:prstTxWarp prst="textNoShape">
+                  <a:avLst/>
+                </a:prstTxWarp>
+                <a:noAutofit/>
+              </a:bodyPr>
+              <a:lstStyle/>
+              <a:p>
+                <a:pPr algn="ctr">
+                  <a:spcAft>
+                    <a:spcPts val="0"/>
+                  </a:spcAft>
+                </a:pPr>
+                <a:r>
+                  <a:rPr lang="en-GB" sz="1200" i="1">
+                    <a:effectLst/>
+                    <a:latin typeface="Times New Roman" panose="02020603050405020304" pitchFamily="18" charset="0"/>
+                    <a:ea typeface="Calibri" panose="020F0502020204030204" pitchFamily="34" charset="0"/>
+                  </a:rPr>
+                  <a:t>i</a:t>
+                </a:r>
+                <a:r>
+                  <a:rPr lang="en-GB" sz="1200" i="1" baseline="-25000">
+                    <a:effectLst/>
+                    <a:latin typeface="Times New Roman" panose="02020603050405020304" pitchFamily="18" charset="0"/>
+                    <a:ea typeface="Calibri" panose="020F0502020204030204" pitchFamily="34" charset="0"/>
+                  </a:rPr>
+                  <a:t>z</a:t>
+                </a:r>
+                <a:endParaRPr lang="en-GB" sz="1200">
+                  <a:effectLst/>
+                  <a:latin typeface="Times New Roman" panose="02020603050405020304" pitchFamily="18" charset="0"/>
+                  <a:ea typeface="Calibri" panose="020F0502020204030204" pitchFamily="34" charset="0"/>
+                </a:endParaRPr>
+              </a:p>
+            </p:txBody>
+          </p:sp>
+        </p:grpSp>
+        <p:grpSp>
+          <p:nvGrpSpPr>
+            <p:cNvPr id="33" name="Group 32"/>
+            <p:cNvGrpSpPr/>
+            <p:nvPr/>
+          </p:nvGrpSpPr>
+          <p:grpSpPr>
+            <a:xfrm>
+              <a:off x="2699796" y="4134543"/>
+              <a:ext cx="1064261" cy="922021"/>
+              <a:chOff x="0" y="0"/>
+              <a:chExt cx="1064785" cy="922323"/>
+            </a:xfrm>
+          </p:grpSpPr>
+          <p:sp>
+            <p:nvSpPr>
+              <p:cNvPr id="34" name="Text Box 492"/>
+              <p:cNvSpPr txBox="1"/>
+              <p:nvPr/>
+            </p:nvSpPr>
+            <p:spPr>
+              <a:xfrm rot="1226761">
+                <a:off x="71562" y="723568"/>
+                <a:ext cx="631190" cy="198755"/>
+              </a:xfrm>
+              <a:prstGeom prst="rect">
+                <a:avLst/>
+              </a:prstGeom>
+              <a:noFill/>
+              <a:ln w="6350">
+                <a:noFill/>
+              </a:ln>
+              <a:effectLst/>
+            </p:spPr>
+            <p:style>
+              <a:lnRef idx="0">
+                <a:schemeClr val="accent1"/>
+              </a:lnRef>
+              <a:fillRef idx="0">
+                <a:schemeClr val="accent1"/>
+              </a:fillRef>
+              <a:effectRef idx="0">
+                <a:schemeClr val="accent1"/>
+              </a:effectRef>
+              <a:fontRef idx="minor">
+                <a:schemeClr val="dk1"/>
+              </a:fontRef>
+            </p:style>
+            <p:txBody>
+              <a:bodyPr rot="0" spcFirstLastPara="0" vert="horz" wrap="square" lIns="0" tIns="0" rIns="0" bIns="0" numCol="1" spcCol="0" rtlCol="0" fromWordArt="0" anchor="t" anchorCtr="0" forceAA="0" compatLnSpc="1">
+                <a:prstTxWarp prst="textNoShape">
+                  <a:avLst/>
+                </a:prstTxWarp>
+                <a:noAutofit/>
+              </a:bodyPr>
+              <a:lstStyle/>
+              <a:p>
+                <a:pPr>
+                  <a:spcAft>
+                    <a:spcPts val="0"/>
+                  </a:spcAft>
+                </a:pPr>
+                <a:r>
+                  <a:rPr lang="en-GB" sz="1200">
+                    <a:effectLst/>
+                    <a:latin typeface="Times New Roman" panose="02020603050405020304" pitchFamily="18" charset="0"/>
+                    <a:ea typeface="Calibri" panose="020F0502020204030204" pitchFamily="34" charset="0"/>
+                  </a:rPr>
+                  <a:t>Warp (x)</a:t>
+                </a:r>
+              </a:p>
+            </p:txBody>
+          </p:sp>
+          <p:sp>
+            <p:nvSpPr>
+              <p:cNvPr id="35" name="Text Box 493"/>
+              <p:cNvSpPr txBox="1"/>
+              <p:nvPr/>
+            </p:nvSpPr>
+            <p:spPr>
+              <a:xfrm rot="19862080">
+                <a:off x="485030" y="357808"/>
+                <a:ext cx="579755" cy="180340"/>
+              </a:xfrm>
+              <a:prstGeom prst="rect">
+                <a:avLst/>
+              </a:prstGeom>
+              <a:noFill/>
+              <a:ln w="6350">
+                <a:noFill/>
+              </a:ln>
+              <a:effectLst/>
+            </p:spPr>
+            <p:style>
+              <a:lnRef idx="0">
+                <a:schemeClr val="accent1"/>
+              </a:lnRef>
+              <a:fillRef idx="0">
+                <a:schemeClr val="accent1"/>
+              </a:fillRef>
+              <a:effectRef idx="0">
+                <a:schemeClr val="accent1"/>
+              </a:effectRef>
+              <a:fontRef idx="minor">
+                <a:schemeClr val="dk1"/>
+              </a:fontRef>
+            </p:style>
+            <p:txBody>
+              <a:bodyPr rot="0" spcFirstLastPara="0" vert="horz" wrap="square" lIns="0" tIns="0" rIns="0" bIns="0" numCol="1" spcCol="0" rtlCol="0" fromWordArt="0" anchor="t" anchorCtr="0" forceAA="0" compatLnSpc="1">
+                <a:prstTxWarp prst="textNoShape">
+                  <a:avLst/>
+                </a:prstTxWarp>
+                <a:noAutofit/>
+              </a:bodyPr>
+              <a:lstStyle/>
+              <a:p>
+                <a:pPr>
+                  <a:spcAft>
+                    <a:spcPts val="0"/>
+                  </a:spcAft>
+                </a:pPr>
+                <a:r>
+                  <a:rPr lang="en-GB" sz="1200">
+                    <a:effectLst/>
+                    <a:latin typeface="Times New Roman" panose="02020603050405020304" pitchFamily="18" charset="0"/>
+                    <a:ea typeface="Calibri" panose="020F0502020204030204" pitchFamily="34" charset="0"/>
+                  </a:rPr>
+                  <a:t>Weft (y)</a:t>
+                </a:r>
+              </a:p>
+            </p:txBody>
+          </p:sp>
+          <p:grpSp>
+            <p:nvGrpSpPr>
+              <p:cNvPr id="36" name="Group 35"/>
+              <p:cNvGrpSpPr/>
+              <p:nvPr/>
+            </p:nvGrpSpPr>
+            <p:grpSpPr>
+              <a:xfrm>
+                <a:off x="198783" y="182880"/>
+                <a:ext cx="508634" cy="601344"/>
+                <a:chOff x="0" y="0"/>
+                <a:chExt cx="509049" cy="601760"/>
+              </a:xfrm>
+            </p:grpSpPr>
+            <p:cxnSp>
+              <p:nvCxnSpPr>
+                <p:cNvPr id="38" name="Straight Arrow Connector 37"/>
+                <p:cNvCxnSpPr/>
+                <p:nvPr/>
+              </p:nvCxnSpPr>
+              <p:spPr>
+                <a:xfrm flipV="1">
+                  <a:off x="0" y="159027"/>
+                  <a:ext cx="469127" cy="266121"/>
+                </a:xfrm>
+                <a:prstGeom prst="straightConnector1">
+                  <a:avLst/>
+                </a:prstGeom>
+                <a:ln w="19050">
+                  <a:solidFill>
+                    <a:schemeClr val="tx1"/>
+                  </a:solidFill>
+                  <a:tailEnd type="arrow"/>
+                </a:ln>
+              </p:spPr>
+              <p:style>
+                <a:lnRef idx="1">
+                  <a:schemeClr val="accent1"/>
+                </a:lnRef>
+                <a:fillRef idx="0">
+                  <a:schemeClr val="accent1"/>
+                </a:fillRef>
+                <a:effectRef idx="0">
+                  <a:schemeClr val="accent1"/>
+                </a:effectRef>
+                <a:fontRef idx="minor">
+                  <a:schemeClr val="tx1"/>
+                </a:fontRef>
+              </p:style>
+            </p:cxnSp>
+            <p:cxnSp>
+              <p:nvCxnSpPr>
+                <p:cNvPr id="39" name="Straight Arrow Connector 38"/>
+                <p:cNvCxnSpPr/>
+                <p:nvPr/>
+              </p:nvCxnSpPr>
+              <p:spPr>
+                <a:xfrm>
+                  <a:off x="0" y="421420"/>
+                  <a:ext cx="509049" cy="180340"/>
+                </a:xfrm>
+                <a:prstGeom prst="straightConnector1">
+                  <a:avLst/>
+                </a:prstGeom>
+                <a:ln w="19050">
+                  <a:solidFill>
+                    <a:schemeClr val="tx1"/>
+                  </a:solidFill>
+                  <a:tailEnd type="arrow"/>
+                </a:ln>
+              </p:spPr>
+              <p:style>
+                <a:lnRef idx="1">
+                  <a:schemeClr val="accent1"/>
+                </a:lnRef>
+                <a:fillRef idx="0">
+                  <a:schemeClr val="accent1"/>
+                </a:fillRef>
+                <a:effectRef idx="0">
+                  <a:schemeClr val="accent1"/>
+                </a:effectRef>
+                <a:fontRef idx="minor">
+                  <a:schemeClr val="tx1"/>
+                </a:fontRef>
+              </p:style>
+            </p:cxnSp>
+            <p:cxnSp>
+              <p:nvCxnSpPr>
+                <p:cNvPr id="40" name="Straight Arrow Connector 39"/>
+                <p:cNvCxnSpPr/>
+                <p:nvPr/>
+              </p:nvCxnSpPr>
+              <p:spPr>
+                <a:xfrm flipV="1">
+                  <a:off x="0" y="0"/>
+                  <a:ext cx="0" cy="422206"/>
+                </a:xfrm>
+                <a:prstGeom prst="straightConnector1">
+                  <a:avLst/>
+                </a:prstGeom>
+                <a:ln w="19050">
+                  <a:solidFill>
+                    <a:schemeClr val="tx1"/>
+                  </a:solidFill>
+                  <a:tailEnd type="arrow"/>
+                </a:ln>
+              </p:spPr>
+              <p:style>
+                <a:lnRef idx="1">
+                  <a:schemeClr val="accent1"/>
+                </a:lnRef>
+                <a:fillRef idx="0">
+                  <a:schemeClr val="accent1"/>
+                </a:fillRef>
+                <a:effectRef idx="0">
+                  <a:schemeClr val="accent1"/>
+                </a:effectRef>
+                <a:fontRef idx="minor">
+                  <a:schemeClr val="tx1"/>
+                </a:fontRef>
+              </p:style>
+            </p:cxnSp>
+          </p:grpSp>
+          <p:sp>
+            <p:nvSpPr>
+              <p:cNvPr id="37" name="Text Box 498"/>
+              <p:cNvSpPr txBox="1"/>
+              <p:nvPr/>
+            </p:nvSpPr>
+            <p:spPr>
+              <a:xfrm>
+                <a:off x="0" y="0"/>
+                <a:ext cx="706755" cy="180340"/>
+              </a:xfrm>
+              <a:prstGeom prst="rect">
+                <a:avLst/>
+              </a:prstGeom>
+              <a:noFill/>
+              <a:ln w="6350">
+                <a:noFill/>
+              </a:ln>
+              <a:effectLst/>
+            </p:spPr>
+            <p:style>
+              <a:lnRef idx="0">
+                <a:schemeClr val="accent1"/>
+              </a:lnRef>
+              <a:fillRef idx="0">
+                <a:schemeClr val="accent1"/>
+              </a:fillRef>
+              <a:effectRef idx="0">
+                <a:schemeClr val="accent1"/>
+              </a:effectRef>
+              <a:fontRef idx="minor">
+                <a:schemeClr val="dk1"/>
+              </a:fontRef>
+            </p:style>
+            <p:txBody>
+              <a:bodyPr rot="0" spcFirstLastPara="0" vert="horz" wrap="square" lIns="0" tIns="0" rIns="0" bIns="0" numCol="1" spcCol="0" rtlCol="0" fromWordArt="0" anchor="t" anchorCtr="0" forceAA="0" compatLnSpc="1">
+                <a:prstTxWarp prst="textNoShape">
+                  <a:avLst/>
+                </a:prstTxWarp>
+                <a:noAutofit/>
+              </a:bodyPr>
+              <a:lstStyle/>
+              <a:p>
+                <a:pPr>
+                  <a:spcAft>
+                    <a:spcPts val="0"/>
+                  </a:spcAft>
+                </a:pPr>
+                <a:r>
+                  <a:rPr lang="en-GB" sz="1200">
+                    <a:effectLst/>
+                    <a:latin typeface="Times New Roman" panose="02020603050405020304" pitchFamily="18" charset="0"/>
+                    <a:ea typeface="Calibri" panose="020F0502020204030204" pitchFamily="34" charset="0"/>
+                  </a:rPr>
+                  <a:t>Layers (z)</a:t>
+                </a:r>
+              </a:p>
+            </p:txBody>
+          </p:sp>
+        </p:grpSp>
+      </p:grpSp>
+      <p:sp>
+        <p:nvSpPr>
+          <p:cNvPr id="42" name="TextBox 41"/>
+          <p:cNvSpPr txBox="1"/>
+          <p:nvPr/>
+        </p:nvSpPr>
+        <p:spPr>
+          <a:xfrm>
+            <a:off x="266700" y="1028700"/>
+            <a:ext cx="8362950" cy="461665"/>
+          </a:xfrm>
+          <a:prstGeom prst="rect">
+            <a:avLst/>
+          </a:prstGeom>
+          <a:noFill/>
+        </p:spPr>
+        <p:txBody>
+          <a:bodyPr wrap="square" rtlCol="0">
+            <a:spAutoFit/>
+          </a:bodyPr>
+          <a:lstStyle/>
+          <a:p>
+            <a:r>
+              <a:rPr lang="en-GB" sz="2400" dirty="0" smtClean="0">
+                <a:latin typeface="+mj-lt"/>
+              </a:rPr>
+              <a:t>These all use the CTextile3DWeave base class</a:t>
+            </a:r>
+            <a:endParaRPr lang="en-GB" sz="2400" dirty="0" smtClean="0">
+              <a:latin typeface="+mj-lt"/>
+            </a:endParaRPr>
+          </a:p>
+        </p:txBody>
+      </p:sp>
+      <p:sp>
+        <p:nvSpPr>
+          <p:cNvPr id="43" name="TextBox 42"/>
+          <p:cNvSpPr txBox="1"/>
+          <p:nvPr/>
+        </p:nvSpPr>
+        <p:spPr>
+          <a:xfrm>
+            <a:off x="266700" y="1885950"/>
+            <a:ext cx="3695149" cy="4708981"/>
+          </a:xfrm>
+          <a:prstGeom prst="rect">
+            <a:avLst/>
+          </a:prstGeom>
+          <a:noFill/>
+        </p:spPr>
+        <p:txBody>
+          <a:bodyPr wrap="square" rtlCol="0">
+            <a:spAutoFit/>
+          </a:bodyPr>
+          <a:lstStyle/>
+          <a:p>
+            <a:pPr marL="342900" indent="-342900">
+              <a:buFont typeface="Arial" panose="020B0604020202020204" pitchFamily="34" charset="0"/>
+              <a:buChar char="•"/>
+            </a:pPr>
+            <a:r>
+              <a:rPr lang="en-GB" sz="2000" dirty="0" smtClean="0">
+                <a:latin typeface="Calibri" panose="020F0502020204030204" pitchFamily="34" charset="0"/>
+              </a:rPr>
+              <a:t>Creates a grid of points at the yarn crossovers, specified in the GUI by the Weave Pattern dialog</a:t>
+            </a:r>
+          </a:p>
+          <a:p>
+            <a:endParaRPr lang="en-GB" sz="2000" dirty="0" smtClean="0">
+              <a:latin typeface="Calibri" panose="020F0502020204030204" pitchFamily="34" charset="0"/>
+            </a:endParaRPr>
+          </a:p>
+          <a:p>
+            <a:pPr marL="342900" indent="-342900">
+              <a:buFont typeface="Arial" panose="020B0604020202020204" pitchFamily="34" charset="0"/>
+              <a:buChar char="•"/>
+            </a:pPr>
+            <a:r>
+              <a:rPr lang="en-GB" sz="2000" dirty="0" smtClean="0">
+                <a:latin typeface="Calibri" panose="020F0502020204030204" pitchFamily="34" charset="0"/>
+              </a:rPr>
+              <a:t>Each point may be warp, weft or no yarn</a:t>
+            </a:r>
+          </a:p>
+          <a:p>
+            <a:endParaRPr lang="en-GB" sz="2000" dirty="0" smtClean="0">
+              <a:latin typeface="Calibri" panose="020F0502020204030204" pitchFamily="34" charset="0"/>
+            </a:endParaRPr>
+          </a:p>
+          <a:p>
+            <a:pPr marL="342900" indent="-342900">
+              <a:buFont typeface="Arial" panose="020B0604020202020204" pitchFamily="34" charset="0"/>
+              <a:buChar char="•"/>
+            </a:pPr>
+            <a:r>
+              <a:rPr lang="en-GB" sz="2000" dirty="0" smtClean="0">
+                <a:latin typeface="Calibri" panose="020F0502020204030204" pitchFamily="34" charset="0"/>
+              </a:rPr>
+              <a:t>The derived classes then automatically generate the yarn paths from this </a:t>
+            </a:r>
+            <a:r>
+              <a:rPr lang="en-GB" sz="2000" dirty="0" err="1" smtClean="0">
+                <a:latin typeface="Calibri" panose="020F0502020204030204" pitchFamily="34" charset="0"/>
+              </a:rPr>
+              <a:t>dat</a:t>
+            </a:r>
+            <a:endParaRPr lang="en-GB" sz="2000" dirty="0" smtClean="0">
+              <a:latin typeface="Calibri" panose="020F0502020204030204" pitchFamily="34" charset="0"/>
+            </a:endParaRPr>
+          </a:p>
+          <a:p>
+            <a:endParaRPr lang="en-GB" sz="2000" dirty="0" smtClean="0">
+              <a:latin typeface="Calibri" panose="020F0502020204030204" pitchFamily="34" charset="0"/>
+            </a:endParaRPr>
+          </a:p>
+          <a:p>
+            <a:pPr marL="342900" indent="-342900">
+              <a:buFont typeface="Arial" panose="020B0604020202020204" pitchFamily="34" charset="0"/>
+              <a:buChar char="•"/>
+            </a:pPr>
+            <a:r>
+              <a:rPr lang="en-GB" sz="2000" dirty="0" smtClean="0">
+                <a:latin typeface="Calibri" panose="020F0502020204030204" pitchFamily="34" charset="0"/>
+              </a:rPr>
+              <a:t>Textiles using th</a:t>
+            </a:r>
+            <a:r>
+              <a:rPr lang="en-GB" sz="2000" dirty="0" smtClean="0">
+                <a:latin typeface="Calibri" panose="020F0502020204030204" pitchFamily="34" charset="0"/>
+              </a:rPr>
+              <a:t>e base class can be created using a Python script</a:t>
+            </a:r>
+            <a:endParaRPr lang="en-GB" sz="2000" dirty="0" smtClean="0">
+              <a:latin typeface="Calibri" panose="020F0502020204030204" pitchFamily="34" charset="0"/>
+            </a:endParaRPr>
+          </a:p>
+        </p:txBody>
+      </p:sp>
+    </p:spTree>
+    <p:extLst>
+      <p:ext uri="{BB962C8B-B14F-4D97-AF65-F5344CB8AC3E}">
+        <p14:creationId xmlns:p14="http://schemas.microsoft.com/office/powerpoint/2010/main" val="3219311688"/>
+      </p:ext>
+    </p:extLst>
+  </p:cSld>
+  <p:clrMapOvr>
+    <a:masterClrMapping/>
+  </p:clrMapOvr>
+  <mc:AlternateContent xmlns:mc="http://schemas.openxmlformats.org/markup-compatibility/2006" xmlns:p14="http://schemas.microsoft.com/office/powerpoint/2010/main">
+    <mc:Choice Requires="p14">
+      <p:transition spd="med" p14:dur="700">
+        <p:fade/>
+      </p:transition>
+    </mc:Choice>
+    <mc:Fallback xmlns="">
+      <p:transition spd="med">
+        <p:fade/>
+      </p:transition>
+    </mc:Fallback>
+  </mc:AlternateContent>
+  <p:timing>
+    <p:tnLst>
+      <p:par>
+        <p:cTn id="1" dur="indefinite" restart="never" nodeType="tmRoot"/>
+      </p:par>
+    </p:tnLst>
+  </p:timing>
+</p:sld>
+</file>
+
+<file path=ppt/slides/slide21.xml><?xml version="1.0" encoding="utf-8"?>
+<p:sld xmlns:a="http://schemas.openxmlformats.org/drawingml/2006/main" xmlns:r="http://schemas.openxmlformats.org/officeDocument/2006/relationships" xmlns:p="http://schemas.openxmlformats.org/presentationml/2006/main">
+  <p:cSld>
+    <p:spTree>
+      <p:nvGrpSpPr>
+        <p:cNvPr id="1" name=""/>
+        <p:cNvGrpSpPr/>
+        <p:nvPr/>
+      </p:nvGrpSpPr>
+      <p:grpSpPr>
+        <a:xfrm>
+          <a:off x="0" y="0"/>
+          <a:ext cx="0" cy="0"/>
+          <a:chOff x="0" y="0"/>
+          <a:chExt cx="0" cy="0"/>
+        </a:xfrm>
+      </p:grpSpPr>
+      <p:sp>
+        <p:nvSpPr>
+          <p:cNvPr id="2" name="Title 1"/>
+          <p:cNvSpPr>
+            <a:spLocks noGrp="1"/>
+          </p:cNvSpPr>
+          <p:nvPr>
+            <p:ph type="title"/>
+          </p:nvPr>
+        </p:nvSpPr>
+        <p:spPr/>
+        <p:txBody>
+          <a:bodyPr/>
+          <a:lstStyle/>
+          <a:p>
+            <a:r>
+              <a:rPr lang="en-GB" dirty="0" smtClean="0"/>
+              <a:t>Resources</a:t>
+            </a:r>
+            <a:endParaRPr lang="en-GB" dirty="0"/>
+          </a:p>
+        </p:txBody>
+      </p:sp>
+      <p:sp>
+        <p:nvSpPr>
+          <p:cNvPr id="3" name="TextBox 2"/>
+          <p:cNvSpPr txBox="1"/>
+          <p:nvPr/>
+        </p:nvSpPr>
+        <p:spPr>
+          <a:xfrm>
+            <a:off x="933449" y="1304925"/>
+            <a:ext cx="7705725" cy="4524315"/>
+          </a:xfrm>
+          <a:prstGeom prst="rect">
+            <a:avLst/>
+          </a:prstGeom>
+          <a:noFill/>
+        </p:spPr>
+        <p:txBody>
+          <a:bodyPr wrap="square" rtlCol="0">
+            <a:spAutoFit/>
+          </a:bodyPr>
+          <a:lstStyle/>
+          <a:p>
+            <a:r>
+              <a:rPr lang="en-GB" sz="2400" dirty="0" smtClean="0">
+                <a:latin typeface="+mj-lt"/>
+              </a:rPr>
+              <a:t>User Guide: </a:t>
+            </a:r>
+            <a:r>
+              <a:rPr lang="en-GB" sz="2400" dirty="0" smtClean="0">
+                <a:latin typeface="+mj-lt"/>
+                <a:hlinkClick r:id="rId2"/>
+              </a:rPr>
+              <a:t>http://texgen.sourceforge.net/index.php/User_Guide</a:t>
+            </a:r>
+            <a:endParaRPr lang="en-GB" sz="2400" dirty="0" smtClean="0">
+              <a:latin typeface="+mj-lt"/>
+            </a:endParaRPr>
+          </a:p>
+          <a:p>
+            <a:endParaRPr lang="en-GB" sz="2400" dirty="0">
+              <a:latin typeface="+mj-lt"/>
+            </a:endParaRPr>
+          </a:p>
+          <a:p>
+            <a:r>
+              <a:rPr lang="en-GB" sz="2400" dirty="0" smtClean="0">
+                <a:latin typeface="+mj-lt"/>
+              </a:rPr>
+              <a:t>Scripting Guide:</a:t>
+            </a:r>
+          </a:p>
+          <a:p>
+            <a:r>
+              <a:rPr lang="en-GB" sz="2400" dirty="0">
+                <a:latin typeface="+mj-lt"/>
+                <a:hlinkClick r:id="rId3"/>
+              </a:rPr>
+              <a:t>https://</a:t>
+            </a:r>
+            <a:r>
+              <a:rPr lang="en-GB" sz="2400" dirty="0" smtClean="0">
+                <a:latin typeface="+mj-lt"/>
+                <a:hlinkClick r:id="rId3"/>
+              </a:rPr>
+              <a:t>github.com/louisepb/TexGenScriptingGuide</a:t>
+            </a:r>
+            <a:endParaRPr lang="en-GB" sz="2400" dirty="0" smtClean="0">
+              <a:latin typeface="+mj-lt"/>
+            </a:endParaRPr>
+          </a:p>
+          <a:p>
+            <a:endParaRPr lang="en-GB" sz="2400" dirty="0">
+              <a:latin typeface="+mj-lt"/>
+            </a:endParaRPr>
+          </a:p>
+          <a:p>
+            <a:r>
+              <a:rPr lang="en-GB" sz="2400" dirty="0" err="1" smtClean="0">
+                <a:latin typeface="+mj-lt"/>
+              </a:rPr>
+              <a:t>TexGen</a:t>
+            </a:r>
+            <a:r>
+              <a:rPr lang="en-GB" sz="2400" dirty="0" smtClean="0">
+                <a:latin typeface="+mj-lt"/>
+              </a:rPr>
+              <a:t> source code:</a:t>
+            </a:r>
+          </a:p>
+          <a:p>
+            <a:r>
+              <a:rPr lang="en-GB" sz="2400" dirty="0">
+                <a:latin typeface="+mj-lt"/>
+                <a:hlinkClick r:id="rId4"/>
+              </a:rPr>
+              <a:t>https://</a:t>
+            </a:r>
+            <a:r>
+              <a:rPr lang="en-GB" sz="2400" dirty="0" smtClean="0">
+                <a:latin typeface="+mj-lt"/>
+                <a:hlinkClick r:id="rId4"/>
+              </a:rPr>
+              <a:t>github.com/louisepb/TexGen</a:t>
+            </a:r>
+            <a:endParaRPr lang="en-GB" sz="2400" dirty="0" smtClean="0">
+              <a:latin typeface="+mj-lt"/>
+            </a:endParaRPr>
+          </a:p>
+          <a:p>
+            <a:endParaRPr lang="en-GB" sz="2400" dirty="0">
+              <a:latin typeface="+mj-lt"/>
+            </a:endParaRPr>
+          </a:p>
+          <a:p>
+            <a:r>
+              <a:rPr lang="en-GB" sz="2400" dirty="0" smtClean="0">
+                <a:latin typeface="+mj-lt"/>
+              </a:rPr>
+              <a:t>Workshop materials:</a:t>
+            </a:r>
+          </a:p>
+          <a:p>
+            <a:r>
+              <a:rPr lang="en-GB" sz="2400" dirty="0">
+                <a:latin typeface="+mj-lt"/>
+                <a:hlinkClick r:id="rId5"/>
+              </a:rPr>
+              <a:t>https://</a:t>
+            </a:r>
+            <a:r>
+              <a:rPr lang="en-GB" sz="2400" dirty="0" smtClean="0">
+                <a:latin typeface="+mj-lt"/>
+                <a:hlinkClick r:id="rId5"/>
+              </a:rPr>
+              <a:t>github.com/louisepb/ICMAC2018-Workshop</a:t>
+            </a:r>
+            <a:endParaRPr lang="en-GB" sz="2400" dirty="0" smtClean="0">
+              <a:latin typeface="+mj-lt"/>
+            </a:endParaRPr>
+          </a:p>
+          <a:p>
+            <a:endParaRPr lang="en-GB" sz="2400" dirty="0" smtClean="0">
+              <a:latin typeface="+mj-lt"/>
+            </a:endParaRPr>
+          </a:p>
+        </p:txBody>
+      </p:sp>
+    </p:spTree>
+    <p:extLst>
+      <p:ext uri="{BB962C8B-B14F-4D97-AF65-F5344CB8AC3E}">
+        <p14:creationId xmlns:p14="http://schemas.microsoft.com/office/powerpoint/2010/main" val="1643070881"/>
+      </p:ext>
+    </p:extLst>
+  </p:cSld>
+  <p:clrMapOvr>
+    <a:masterClrMapping/>
+  </p:clrMapOvr>
+  <mc:AlternateContent xmlns:mc="http://schemas.openxmlformats.org/markup-compatibility/2006" xmlns:p14="http://schemas.microsoft.com/office/powerpoint/2010/main">
+    <mc:Choice Requires="p14">
+      <p:transition spd="med" p14:dur="700">
+        <p:fade/>
+      </p:transition>
+    </mc:Choice>
+    <mc:Fallback xmlns="">
+      <p:transition spd="med">
+        <p:fade/>
+      </p:transition>
+    </mc:Fallback>
+  </mc:AlternateContent>
+  <p:timing>
+    <p:tnLst>
+      <p:par>
+        <p:cTn id="1" dur="indefinite" restart="never" nodeType="tmRoot"/>
+      </p:par>
+    </p:tnLst>
+  </p:timing>
 </p:sld>
 </file>
 
@@ -9260,6 +11783,13 @@
       </p:transition>
     </mc:Fallback>
   </mc:AlternateContent>
+  <p:timing>
+    <p:tnLst>
+      <p:par>
+        <p:cTn id="1" dur="indefinite" restart="never" nodeType="tmRoot"/>
+      </p:par>
+    </p:tnLst>
+  </p:timing>
 </p:sld>
 </file>
 
@@ -11033,6 +13563,13 @@
       </p:transition>
     </mc:Fallback>
   </mc:AlternateContent>
+  <p:timing>
+    <p:tnLst>
+      <p:par>
+        <p:cTn id="1" dur="indefinite" restart="never" nodeType="tmRoot"/>
+      </p:par>
+    </p:tnLst>
+  </p:timing>
 </p:sld>
 </file>
 
@@ -11284,6 +13821,13 @@
       </p:transition>
     </mc:Fallback>
   </mc:AlternateContent>
+  <p:timing>
+    <p:tnLst>
+      <p:par>
+        <p:cTn id="1" dur="indefinite" restart="never" nodeType="tmRoot"/>
+      </p:par>
+    </p:tnLst>
+  </p:timing>
 </p:sld>
 </file>
 
@@ -11694,6 +14238,13 @@
       </p:transition>
     </mc:Fallback>
   </mc:AlternateContent>
+  <p:timing>
+    <p:tnLst>
+      <p:par>
+        <p:cTn id="1" dur="indefinite" restart="never" nodeType="tmRoot"/>
+      </p:par>
+    </p:tnLst>
+  </p:timing>
 </p:sld>
 </file>
 

--- a/ICMAC TexGen workshop 2018.pptx
+++ b/ICMAC TexGen workshop 2018.pptx
@@ -3831,6 +3831,13 @@
       </p:transition>
     </mc:Fallback>
   </mc:AlternateContent>
+  <p:timing>
+    <p:tnLst>
+      <p:par>
+        <p:cTn id="1" dur="indefinite" restart="never" nodeType="tmRoot"/>
+      </p:par>
+    </p:tnLst>
+  </p:timing>
 </p:sld>
 </file>
 
@@ -3946,7 +3953,7 @@
         <p:spPr>
           <a:xfrm>
             <a:off x="504775" y="1563201"/>
-            <a:ext cx="8134450" cy="2800767"/>
+            <a:ext cx="8134450" cy="2554545"/>
           </a:xfrm>
           <a:prstGeom prst="rect">
             <a:avLst/>
@@ -4176,25 +4183,16 @@
                 <a:latin typeface="Courier New" panose="02070309020205020404" pitchFamily="49" charset="0"/>
                 <a:cs typeface="Courier New" panose="02070309020205020404" pitchFamily="49" charset="0"/>
               </a:rPr>
-              <a:t> )</a:t>
-            </a:r>
-          </a:p>
-          <a:p>
-            <a:r>
-              <a:rPr lang="en-GB" sz="1600" dirty="0" err="1" smtClean="0">
-                <a:latin typeface="Courier New" panose="02070309020205020404" pitchFamily="49" charset="0"/>
-                <a:cs typeface="Courier New" panose="02070309020205020404" pitchFamily="49" charset="0"/>
-              </a:rPr>
-              <a:t>Textile.AddYarn</a:t>
+              <a:t> </a:t>
             </a:r>
             <a:r>
               <a:rPr lang="en-GB" sz="1600" dirty="0" smtClean="0">
                 <a:latin typeface="Courier New" panose="02070309020205020404" pitchFamily="49" charset="0"/>
                 <a:cs typeface="Courier New" panose="02070309020205020404" pitchFamily="49" charset="0"/>
               </a:rPr>
-              <a:t>(Yarn)</a:t>
-            </a:r>
-            <a:endParaRPr lang="en-GB" sz="1600" dirty="0">
+              <a:t>)</a:t>
+            </a:r>
+            <a:endParaRPr lang="en-GB" sz="1600" dirty="0" smtClean="0">
               <a:latin typeface="Courier New" panose="02070309020205020404" pitchFamily="49" charset="0"/>
               <a:cs typeface="Courier New" panose="02070309020205020404" pitchFamily="49" charset="0"/>
             </a:endParaRPr>
@@ -4254,6 +4252,13 @@
       </p:transition>
     </mc:Fallback>
   </mc:AlternateContent>
+  <p:timing>
+    <p:tnLst>
+      <p:par>
+        <p:cTn id="1" dur="indefinite" restart="never" nodeType="tmRoot"/>
+      </p:par>
+    </p:tnLst>
+  </p:timing>
 </p:sld>
 </file>
 
@@ -4479,7 +4484,7 @@
         <p:spPr>
           <a:xfrm>
             <a:off x="323849" y="4793585"/>
-            <a:ext cx="5191125" cy="769441"/>
+            <a:ext cx="5191125" cy="1384995"/>
           </a:xfrm>
           <a:prstGeom prst="rect">
             <a:avLst/>
@@ -4539,6 +4544,35 @@
                 <a:cs typeface="Courier New" panose="02070309020205020404" pitchFamily="49" charset="0"/>
               </a:rPr>
               <a:t>))</a:t>
+            </a:r>
+          </a:p>
+          <a:p>
+            <a:endParaRPr lang="en-GB" sz="2000" dirty="0">
+              <a:latin typeface="Courier New" panose="02070309020205020404" pitchFamily="49" charset="0"/>
+              <a:cs typeface="Courier New" panose="02070309020205020404" pitchFamily="49" charset="0"/>
+            </a:endParaRPr>
+          </a:p>
+          <a:p>
+            <a:r>
+              <a:rPr lang="en-GB" sz="2000" dirty="0" err="1">
+                <a:latin typeface="Courier New" panose="02070309020205020404" pitchFamily="49" charset="0"/>
+                <a:cs typeface="Courier New" panose="02070309020205020404" pitchFamily="49" charset="0"/>
+              </a:rPr>
+              <a:t>Textile.AddYarn</a:t>
+            </a:r>
+            <a:r>
+              <a:rPr lang="en-GB" sz="2000" dirty="0">
+                <a:latin typeface="Courier New" panose="02070309020205020404" pitchFamily="49" charset="0"/>
+                <a:cs typeface="Courier New" panose="02070309020205020404" pitchFamily="49" charset="0"/>
+              </a:rPr>
+              <a:t>(Yarn</a:t>
+            </a:r>
+            <a:r>
+              <a:rPr lang="en-GB" sz="2000" dirty="0" smtClean="0">
+                <a:latin typeface="Courier New" panose="02070309020205020404" pitchFamily="49" charset="0"/>
+                <a:cs typeface="Courier New" panose="02070309020205020404" pitchFamily="49" charset="0"/>
+              </a:rPr>
+              <a:t>)</a:t>
             </a:r>
             <a:endParaRPr lang="en-GB" sz="2000" dirty="0">
               <a:latin typeface="Courier New" panose="02070309020205020404" pitchFamily="49" charset="0"/>
@@ -4569,6 +4603,13 @@
       </p:transition>
     </mc:Fallback>
   </mc:AlternateContent>
+  <p:timing>
+    <p:tnLst>
+      <p:par>
+        <p:cTn id="1" dur="indefinite" restart="never" nodeType="tmRoot"/>
+      </p:par>
+    </p:tnLst>
+  </p:timing>
 </p:sld>
 </file>
 
@@ -7430,9 +7471,6 @@
               </a:rPr>
               <a:t> slower</a:t>
             </a:r>
-            <a:endParaRPr lang="en-GB" sz="2000" dirty="0" smtClean="0">
-              <a:latin typeface="Calibri" panose="020F0502020204030204" pitchFamily="34" charset="0"/>
-            </a:endParaRPr>
           </a:p>
         </p:txBody>
       </p:sp>
@@ -7539,9 +7577,6 @@
               </a:rPr>
               <a:t> format</a:t>
             </a:r>
-            <a:endParaRPr lang="en-GB" sz="2000" dirty="0" smtClean="0">
-              <a:latin typeface="Calibri" panose="020F0502020204030204" pitchFamily="34" charset="0"/>
-            </a:endParaRPr>
           </a:p>
         </p:txBody>
       </p:sp>
@@ -10627,9 +10662,6 @@
               </a:rPr>
               <a:t>These all use the CTextile3DWeave base class</a:t>
             </a:r>
-            <a:endParaRPr lang="en-GB" sz="2400" dirty="0" smtClean="0">
-              <a:latin typeface="+mj-lt"/>
-            </a:endParaRPr>
           </a:p>
         </p:txBody>
       </p:sp>
@@ -10723,17 +10755,8 @@
               <a:rPr lang="en-GB" sz="2000" dirty="0" smtClean="0">
                 <a:latin typeface="Calibri" panose="020F0502020204030204" pitchFamily="34" charset="0"/>
               </a:rPr>
-              <a:t>Textiles using th</a:t>
-            </a:r>
-            <a:r>
-              <a:rPr lang="en-GB" sz="2000" dirty="0" smtClean="0">
-                <a:latin typeface="Calibri" panose="020F0502020204030204" pitchFamily="34" charset="0"/>
-              </a:rPr>
-              <a:t>e base class can be created using a Python script</a:t>
-            </a:r>
-            <a:endParaRPr lang="en-GB" sz="2000" dirty="0" smtClean="0">
-              <a:latin typeface="Calibri" panose="020F0502020204030204" pitchFamily="34" charset="0"/>
-            </a:endParaRPr>
+              <a:t>Textiles using the base class can be created using a Python script</a:t>
+            </a:r>
           </a:p>
         </p:txBody>
       </p:sp>
@@ -14796,6 +14819,13 @@
       </p:transition>
     </mc:Fallback>
   </mc:AlternateContent>
+  <p:timing>
+    <p:tnLst>
+      <p:par>
+        <p:cTn id="1" dur="indefinite" restart="never" nodeType="tmRoot"/>
+      </p:par>
+    </p:tnLst>
+  </p:timing>
 </p:sld>
 </file>
 
@@ -15096,6 +15126,13 @@
       </p:transition>
     </mc:Fallback>
   </mc:AlternateContent>
+  <p:timing>
+    <p:tnLst>
+      <p:par>
+        <p:cTn id="1" dur="indefinite" restart="never" nodeType="tmRoot"/>
+      </p:par>
+    </p:tnLst>
+  </p:timing>
 </p:sld>
 </file>
 

--- a/ICMAC TexGen workshop 2018.pptx
+++ b/ICMAC TexGen workshop 2018.pptx
@@ -267,7 +267,7 @@
           <a:p>
             <a:fld id="{B08732D1-0119-4424-ADB1-6A88624C9257}" type="datetimeFigureOut">
               <a:rPr lang="en-GB" smtClean="0"/>
-              <a:t>28/06/2018</a:t>
+              <a:t>29/06/2018</a:t>
             </a:fld>
             <a:endParaRPr lang="en-GB"/>
           </a:p>
@@ -432,7 +432,7 @@
           <a:p>
             <a:fld id="{E3654FE6-3F31-4904-9137-AFF662B7D702}" type="datetimeFigureOut">
               <a:rPr lang="en-GB" smtClean="0"/>
-              <a:t>28/06/2018</a:t>
+              <a:t>29/06/2018</a:t>
             </a:fld>
             <a:endParaRPr lang="en-GB"/>
           </a:p>
@@ -2867,7 +2867,7 @@
           <a:p>
             <a:fld id="{114E112F-1B58-4F80-8548-230F871317D2}" type="datetimeFigureOut">
               <a:rPr lang="en-GB" smtClean="0"/>
-              <a:t>28/06/2018</a:t>
+              <a:t>29/06/2018</a:t>
             </a:fld>
             <a:endParaRPr lang="en-GB"/>
           </a:p>
@@ -3394,8 +3394,12 @@
           <a:lstStyle/>
           <a:p>
             <a:r>
+              <a:rPr lang="en-GB" smtClean="0"/>
+              <a:t>Dr Louise </a:t>
+            </a:r>
+            <a:r>
               <a:rPr lang="en-GB" dirty="0" smtClean="0"/>
-              <a:t>Louise Brown</a:t>
+              <a:t>Brown</a:t>
             </a:r>
             <a:endParaRPr lang="en-GB" dirty="0"/>
           </a:p>
@@ -4183,19 +4187,8 @@
                 <a:latin typeface="Courier New" panose="02070309020205020404" pitchFamily="49" charset="0"/>
                 <a:cs typeface="Courier New" panose="02070309020205020404" pitchFamily="49" charset="0"/>
               </a:rPr>
-              <a:t> </a:t>
-            </a:r>
-            <a:r>
-              <a:rPr lang="en-GB" sz="1600" dirty="0" smtClean="0">
-                <a:latin typeface="Courier New" panose="02070309020205020404" pitchFamily="49" charset="0"/>
-                <a:cs typeface="Courier New" panose="02070309020205020404" pitchFamily="49" charset="0"/>
-              </a:rPr>
-              <a:t>)</a:t>
-            </a:r>
-            <a:endParaRPr lang="en-GB" sz="1600" dirty="0" smtClean="0">
-              <a:latin typeface="Courier New" panose="02070309020205020404" pitchFamily="49" charset="0"/>
-              <a:cs typeface="Courier New" panose="02070309020205020404" pitchFamily="49" charset="0"/>
-            </a:endParaRPr>
+              <a:t> )</a:t>
+            </a:r>
           </a:p>
         </p:txBody>
       </p:sp>

--- a/ICMAC TexGen workshop 2018.pptx
+++ b/ICMAC TexGen workshop 2018.pptx
@@ -267,7 +267,7 @@
           <a:p>
             <a:fld id="{B08732D1-0119-4424-ADB1-6A88624C9257}" type="datetimeFigureOut">
               <a:rPr lang="en-GB" smtClean="0"/>
-              <a:t>29/06/2018</a:t>
+              <a:t>17/10/2018</a:t>
             </a:fld>
             <a:endParaRPr lang="en-GB"/>
           </a:p>
@@ -432,7 +432,7 @@
           <a:p>
             <a:fld id="{E3654FE6-3F31-4904-9137-AFF662B7D702}" type="datetimeFigureOut">
               <a:rPr lang="en-GB" smtClean="0"/>
-              <a:t>29/06/2018</a:t>
+              <a:t>17/10/2018</a:t>
             </a:fld>
             <a:endParaRPr lang="en-GB"/>
           </a:p>
@@ -2867,7 +2867,7 @@
           <a:p>
             <a:fld id="{114E112F-1B58-4F80-8548-230F871317D2}" type="datetimeFigureOut">
               <a:rPr lang="en-GB" smtClean="0"/>
-              <a:t>29/06/2018</a:t>
+              <a:t>17/10/2018</a:t>
             </a:fld>
             <a:endParaRPr lang="en-GB"/>
           </a:p>
@@ -3885,69 +3885,54 @@
           </a:p>
         </p:txBody>
       </p:sp>
-      <p:grpSp>
-        <p:nvGrpSpPr>
-          <p:cNvPr id="4" name="Group 3"/>
-          <p:cNvGrpSpPr/>
+      <p:pic>
+        <p:nvPicPr>
+          <p:cNvPr id="5" name="Picture 4" descr="SolidCrossSection1.png"/>
+          <p:cNvPicPr>
+            <a:picLocks noChangeAspect="1"/>
+          </p:cNvPicPr>
           <p:nvPr/>
-        </p:nvGrpSpPr>
-        <p:grpSpPr>
+        </p:nvPicPr>
+        <p:blipFill>
+          <a:blip r:embed="rId2" cstate="print"/>
+          <a:stretch>
+            <a:fillRect/>
+          </a:stretch>
+        </p:blipFill>
+        <p:spPr>
           <a:xfrm>
             <a:off x="504775" y="4567833"/>
-            <a:ext cx="8134450" cy="1692000"/>
-            <a:chOff x="395538" y="1700808"/>
-            <a:chExt cx="8134450" cy="1692000"/>
-          </a:xfrm>
-        </p:grpSpPr>
-        <p:pic>
-          <p:nvPicPr>
-            <p:cNvPr id="5" name="Picture 4" descr="SolidCrossSection1.png"/>
-            <p:cNvPicPr>
-              <a:picLocks noChangeAspect="1"/>
-            </p:cNvPicPr>
-            <p:nvPr/>
-          </p:nvPicPr>
-          <p:blipFill>
-            <a:blip r:embed="rId2" cstate="print"/>
-            <a:stretch>
-              <a:fillRect/>
-            </a:stretch>
-          </p:blipFill>
-          <p:spPr>
-            <a:xfrm>
-              <a:off x="395538" y="1700808"/>
-              <a:ext cx="3847735" cy="1692000"/>
-            </a:xfrm>
-            <a:prstGeom prst="rect">
-              <a:avLst/>
-            </a:prstGeom>
-          </p:spPr>
-        </p:pic>
-        <p:pic>
-          <p:nvPicPr>
-            <p:cNvPr id="6" name="Picture 5" descr="SolidCrossSection2.png"/>
-            <p:cNvPicPr>
-              <a:picLocks noChangeAspect="1"/>
-            </p:cNvPicPr>
-            <p:nvPr/>
-          </p:nvPicPr>
-          <p:blipFill>
-            <a:blip r:embed="rId3" cstate="print"/>
-            <a:stretch>
-              <a:fillRect/>
-            </a:stretch>
-          </p:blipFill>
-          <p:spPr>
-            <a:xfrm>
-              <a:off x="4572000" y="1700808"/>
-              <a:ext cx="3957988" cy="1692000"/>
-            </a:xfrm>
-            <a:prstGeom prst="rect">
-              <a:avLst/>
-            </a:prstGeom>
-          </p:spPr>
-        </p:pic>
-      </p:grpSp>
+            <a:ext cx="3847735" cy="1692000"/>
+          </a:xfrm>
+          <a:prstGeom prst="rect">
+            <a:avLst/>
+          </a:prstGeom>
+        </p:spPr>
+      </p:pic>
+      <p:pic>
+        <p:nvPicPr>
+          <p:cNvPr id="6" name="Picture 5" descr="SolidCrossSection2.png"/>
+          <p:cNvPicPr>
+            <a:picLocks noChangeAspect="1"/>
+          </p:cNvPicPr>
+          <p:nvPr/>
+        </p:nvPicPr>
+        <p:blipFill>
+          <a:blip r:embed="rId3" cstate="print"/>
+          <a:stretch>
+            <a:fillRect/>
+          </a:stretch>
+        </p:blipFill>
+        <p:spPr>
+          <a:xfrm>
+            <a:off x="4681237" y="4567833"/>
+            <a:ext cx="3957988" cy="1692000"/>
+          </a:xfrm>
+          <a:prstGeom prst="rect">
+            <a:avLst/>
+          </a:prstGeom>
+        </p:spPr>
+      </p:pic>
       <p:sp>
         <p:nvSpPr>
           <p:cNvPr id="8" name="TextBox 7"/>
@@ -10722,13 +10707,13 @@
               <a:rPr lang="en-GB" sz="2000" dirty="0" smtClean="0">
                 <a:latin typeface="Calibri" panose="020F0502020204030204" pitchFamily="34" charset="0"/>
               </a:rPr>
-              <a:t>The derived classes then automatically generate the yarn paths from this </a:t>
-            </a:r>
-            <a:r>
-              <a:rPr lang="en-GB" sz="2000" dirty="0" err="1" smtClean="0">
-                <a:latin typeface="Calibri" panose="020F0502020204030204" pitchFamily="34" charset="0"/>
-              </a:rPr>
-              <a:t>dat</a:t>
+              <a:t>The derived classes then automatically generate the yarn paths from </a:t>
+            </a:r>
+            <a:r>
+              <a:rPr lang="en-GB" sz="2000" smtClean="0">
+                <a:latin typeface="Calibri" panose="020F0502020204030204" pitchFamily="34" charset="0"/>
+              </a:rPr>
+              <a:t>this data</a:t>
             </a:r>
             <a:endParaRPr lang="en-GB" sz="2000" dirty="0" smtClean="0">
               <a:latin typeface="Calibri" panose="020F0502020204030204" pitchFamily="34" charset="0"/>
@@ -11740,8 +11725,8 @@
               <a:t> Class </a:t>
             </a:r>
             <a:r>
-              <a:rPr lang="en-GB" dirty="0" err="1" smtClean="0"/>
-              <a:t>Heirarchy</a:t>
+              <a:rPr lang="en-GB" dirty="0" smtClean="0"/>
+              <a:t>Hierarchy</a:t>
             </a:r>
             <a:endParaRPr lang="en-GB" dirty="0"/>
           </a:p>
